--- a/sp1-recent-features-dyalog.pptx
+++ b/sp1-recent-features-dyalog.pptx
@@ -5,10 +5,10 @@
     <p:sldMasterId id="2147483648" r:id="rId1"/>
   </p:sldMasterIdLst>
   <p:notesMasterIdLst>
-    <p:notesMasterId r:id="rId19"/>
+    <p:notesMasterId r:id="rId39"/>
   </p:notesMasterIdLst>
   <p:handoutMasterIdLst>
-    <p:handoutMasterId r:id="rId20"/>
+    <p:handoutMasterId r:id="rId40"/>
   </p:handoutMasterIdLst>
   <p:sldIdLst>
     <p:sldId id="261" r:id="rId2"/>
@@ -28,31 +28,62 @@
     <p:sldId id="433" r:id="rId16"/>
     <p:sldId id="436" r:id="rId17"/>
     <p:sldId id="416" r:id="rId18"/>
+    <p:sldId id="438" r:id="rId19"/>
+    <p:sldId id="440" r:id="rId20"/>
+    <p:sldId id="383" r:id="rId21"/>
+    <p:sldId id="384" r:id="rId22"/>
+    <p:sldId id="385" r:id="rId23"/>
+    <p:sldId id="439" r:id="rId24"/>
+    <p:sldId id="460" r:id="rId25"/>
+    <p:sldId id="509" r:id="rId26"/>
+    <p:sldId id="566" r:id="rId27"/>
+    <p:sldId id="508" r:id="rId28"/>
+    <p:sldId id="511" r:id="rId29"/>
+    <p:sldId id="512" r:id="rId30"/>
+    <p:sldId id="513" r:id="rId31"/>
+    <p:sldId id="515" r:id="rId32"/>
+    <p:sldId id="561" r:id="rId33"/>
+    <p:sldId id="567" r:id="rId34"/>
+    <p:sldId id="523" r:id="rId35"/>
+    <p:sldId id="524" r:id="rId36"/>
+    <p:sldId id="562" r:id="rId37"/>
+    <p:sldId id="570" r:id="rId38"/>
   </p:sldIdLst>
   <p:sldSz cx="9144000" cy="5143500" type="screen16x9"/>
   <p:notesSz cx="6858000" cy="9144000"/>
   <p:embeddedFontLst>
     <p:embeddedFont>
       <p:font typeface="APL385 Unicode" panose="020B0709000202000203" pitchFamily="49" charset="0"/>
-      <p:regular r:id="rId21"/>
+      <p:regular r:id="rId41"/>
     </p:embeddedFont>
     <p:embeddedFont>
       <p:font typeface="Calibri" panose="020F0502020204030204" pitchFamily="34" charset="0"/>
-      <p:regular r:id="rId21"/>
-      <p:bold r:id="rId21"/>
-      <p:italic r:id="rId21"/>
-      <p:boldItalic r:id="rId21"/>
+      <p:regular r:id="rId41"/>
+      <p:bold r:id="rId41"/>
+      <p:italic r:id="rId41"/>
+      <p:boldItalic r:id="rId41"/>
+    </p:embeddedFont>
+    <p:embeddedFont>
+      <p:font typeface="MV Boli" panose="02000500030200090000" pitchFamily="2" charset="0"/>
+      <p:regular r:id="rId42"/>
     </p:embeddedFont>
     <p:embeddedFont>
       <p:font typeface="Sarabun" panose="00000500000000000000" pitchFamily="2" charset="-34"/>
-      <p:regular r:id="rId22"/>
-      <p:bold r:id="rId23"/>
-      <p:italic r:id="rId24"/>
-      <p:boldItalic r:id="rId25"/>
+      <p:regular r:id="rId43"/>
+      <p:bold r:id="rId44"/>
+      <p:italic r:id="rId45"/>
+      <p:boldItalic r:id="rId46"/>
+    </p:embeddedFont>
+    <p:embeddedFont>
+      <p:font typeface="Titillium Web" panose="00000500000000000000" pitchFamily="2" charset="0"/>
+      <p:regular r:id="rId47"/>
+      <p:bold r:id="rId48"/>
+      <p:italic r:id="rId49"/>
+      <p:boldItalic r:id="rId50"/>
     </p:embeddedFont>
     <p:embeddedFont>
       <p:font typeface="Wingdings 2" panose="05020102010507070707" pitchFamily="18" charset="2"/>
-      <p:regular r:id="rId21"/>
+      <p:regular r:id="rId41"/>
     </p:embeddedFont>
   </p:embeddedFontLst>
   <p:defaultTextStyle>
@@ -804,6 +835,174 @@
 </p:notes>
 </file>
 
+<file path=ppt/notesSlides/notesSlide2.xml><?xml version="1.0" encoding="utf-8"?>
+<p:notes xmlns:a="http://schemas.openxmlformats.org/drawingml/2006/main" xmlns:r="http://schemas.openxmlformats.org/officeDocument/2006/relationships" xmlns:p="http://schemas.openxmlformats.org/presentationml/2006/main">
+  <p:cSld>
+    <p:spTree>
+      <p:nvGrpSpPr>
+        <p:cNvPr id="1" name=""/>
+        <p:cNvGrpSpPr/>
+        <p:nvPr/>
+      </p:nvGrpSpPr>
+      <p:grpSpPr>
+        <a:xfrm>
+          <a:off x="0" y="0"/>
+          <a:ext cx="0" cy="0"/>
+          <a:chOff x="0" y="0"/>
+          <a:chExt cx="0" cy="0"/>
+        </a:xfrm>
+      </p:grpSpPr>
+      <p:sp>
+        <p:nvSpPr>
+          <p:cNvPr id="2" name="Slide Image Placeholder 1"/>
+          <p:cNvSpPr>
+            <a:spLocks noGrp="1" noRot="1" noChangeAspect="1"/>
+          </p:cNvSpPr>
+          <p:nvPr>
+            <p:ph type="sldImg"/>
+          </p:nvPr>
+        </p:nvSpPr>
+        <p:spPr/>
+      </p:sp>
+      <p:sp>
+        <p:nvSpPr>
+          <p:cNvPr id="3" name="Notes Placeholder 2"/>
+          <p:cNvSpPr>
+            <a:spLocks noGrp="1"/>
+          </p:cNvSpPr>
+          <p:nvPr>
+            <p:ph type="body" idx="1"/>
+          </p:nvPr>
+        </p:nvSpPr>
+        <p:spPr/>
+        <p:txBody>
+          <a:bodyPr/>
+          <a:lstStyle/>
+          <a:p>
+            <a:endParaRPr lang="en-GB" dirty="0"/>
+          </a:p>
+        </p:txBody>
+      </p:sp>
+      <p:sp>
+        <p:nvSpPr>
+          <p:cNvPr id="4" name="Slide Number Placeholder 3"/>
+          <p:cNvSpPr>
+            <a:spLocks noGrp="1"/>
+          </p:cNvSpPr>
+          <p:nvPr>
+            <p:ph type="sldNum" sz="quarter" idx="10"/>
+          </p:nvPr>
+        </p:nvSpPr>
+        <p:spPr/>
+        <p:txBody>
+          <a:bodyPr/>
+          <a:lstStyle/>
+          <a:p>
+            <a:fld id="{4320660A-27FD-4528-AE7F-EC6080404EEB}" type="slidenum">
+              <a:rPr lang="en-GB" smtClean="0"/>
+              <a:t>25</a:t>
+            </a:fld>
+            <a:endParaRPr lang="en-GB"/>
+          </a:p>
+        </p:txBody>
+      </p:sp>
+    </p:spTree>
+    <p:extLst>
+      <p:ext uri="{BB962C8B-B14F-4D97-AF65-F5344CB8AC3E}">
+        <p14:creationId xmlns:p14="http://schemas.microsoft.com/office/powerpoint/2010/main" val="2210026669"/>
+      </p:ext>
+    </p:extLst>
+  </p:cSld>
+  <p:clrMapOvr>
+    <a:masterClrMapping/>
+  </p:clrMapOvr>
+</p:notes>
+</file>
+
+<file path=ppt/notesSlides/notesSlide3.xml><?xml version="1.0" encoding="utf-8"?>
+<p:notes xmlns:a="http://schemas.openxmlformats.org/drawingml/2006/main" xmlns:r="http://schemas.openxmlformats.org/officeDocument/2006/relationships" xmlns:p="http://schemas.openxmlformats.org/presentationml/2006/main">
+  <p:cSld>
+    <p:spTree>
+      <p:nvGrpSpPr>
+        <p:cNvPr id="1" name=""/>
+        <p:cNvGrpSpPr/>
+        <p:nvPr/>
+      </p:nvGrpSpPr>
+      <p:grpSpPr>
+        <a:xfrm>
+          <a:off x="0" y="0"/>
+          <a:ext cx="0" cy="0"/>
+          <a:chOff x="0" y="0"/>
+          <a:chExt cx="0" cy="0"/>
+        </a:xfrm>
+      </p:grpSpPr>
+      <p:sp>
+        <p:nvSpPr>
+          <p:cNvPr id="2" name="Slide Image Placeholder 1"/>
+          <p:cNvSpPr>
+            <a:spLocks noGrp="1" noRot="1" noChangeAspect="1"/>
+          </p:cNvSpPr>
+          <p:nvPr>
+            <p:ph type="sldImg"/>
+          </p:nvPr>
+        </p:nvSpPr>
+        <p:spPr/>
+      </p:sp>
+      <p:sp>
+        <p:nvSpPr>
+          <p:cNvPr id="3" name="Notes Placeholder 2"/>
+          <p:cNvSpPr>
+            <a:spLocks noGrp="1"/>
+          </p:cNvSpPr>
+          <p:nvPr>
+            <p:ph type="body" idx="1"/>
+          </p:nvPr>
+        </p:nvSpPr>
+        <p:spPr/>
+        <p:txBody>
+          <a:bodyPr/>
+          <a:lstStyle/>
+          <a:p>
+            <a:endParaRPr lang="en-GB" dirty="0"/>
+          </a:p>
+        </p:txBody>
+      </p:sp>
+      <p:sp>
+        <p:nvSpPr>
+          <p:cNvPr id="4" name="Slide Number Placeholder 3"/>
+          <p:cNvSpPr>
+            <a:spLocks noGrp="1"/>
+          </p:cNvSpPr>
+          <p:nvPr>
+            <p:ph type="sldNum" sz="quarter" idx="10"/>
+          </p:nvPr>
+        </p:nvSpPr>
+        <p:spPr/>
+        <p:txBody>
+          <a:bodyPr/>
+          <a:lstStyle/>
+          <a:p>
+            <a:fld id="{4320660A-27FD-4528-AE7F-EC6080404EEB}" type="slidenum">
+              <a:rPr lang="en-GB" smtClean="0"/>
+              <a:t>32</a:t>
+            </a:fld>
+            <a:endParaRPr lang="en-GB"/>
+          </a:p>
+        </p:txBody>
+      </p:sp>
+    </p:spTree>
+    <p:extLst>
+      <p:ext uri="{BB962C8B-B14F-4D97-AF65-F5344CB8AC3E}">
+        <p14:creationId xmlns:p14="http://schemas.microsoft.com/office/powerpoint/2010/main" val="3981174858"/>
+      </p:ext>
+    </p:extLst>
+  </p:cSld>
+  <p:clrMapOvr>
+    <a:masterClrMapping/>
+  </p:clrMapOvr>
+</p:notes>
+</file>
+
 <file path=ppt/slideLayouts/slideLayout1.xml><?xml version="1.0" encoding="utf-8"?>
 <p:sldLayout xmlns:a="http://schemas.openxmlformats.org/drawingml/2006/main" xmlns:r="http://schemas.openxmlformats.org/officeDocument/2006/relationships" xmlns:p="http://schemas.openxmlformats.org/presentationml/2006/main" showMasterSp="0" preserve="1" userDrawn="1">
   <p:cSld name="1_Title">
@@ -2249,6 +2448,392 @@
 </p:sldLayout>
 </file>
 
+<file path=ppt/slideLayouts/slideLayout7.xml><?xml version="1.0" encoding="utf-8"?>
+<p:sldLayout xmlns:a="http://schemas.openxmlformats.org/drawingml/2006/main" xmlns:r="http://schemas.openxmlformats.org/officeDocument/2006/relationships" xmlns:p="http://schemas.openxmlformats.org/presentationml/2006/main" userDrawn="1">
+  <p:cSld name="2_Title and Content">
+    <p:spTree>
+      <p:nvGrpSpPr>
+        <p:cNvPr id="1" name=""/>
+        <p:cNvGrpSpPr/>
+        <p:nvPr/>
+      </p:nvGrpSpPr>
+      <p:grpSpPr>
+        <a:xfrm>
+          <a:off x="0" y="0"/>
+          <a:ext cx="0" cy="0"/>
+          <a:chOff x="0" y="0"/>
+          <a:chExt cx="0" cy="0"/>
+        </a:xfrm>
+      </p:grpSpPr>
+      <p:sp>
+        <p:nvSpPr>
+          <p:cNvPr id="2" name="Title 1"/>
+          <p:cNvSpPr>
+            <a:spLocks noGrp="1"/>
+          </p:cNvSpPr>
+          <p:nvPr>
+            <p:ph type="title"/>
+          </p:nvPr>
+        </p:nvSpPr>
+        <p:spPr/>
+        <p:txBody>
+          <a:bodyPr/>
+          <a:lstStyle/>
+          <a:p>
+            <a:r>
+              <a:rPr lang="en-US" dirty="0"/>
+              <a:t>Click to edit Master title style</a:t>
+            </a:r>
+            <a:endParaRPr lang="en-GB" dirty="0"/>
+          </a:p>
+        </p:txBody>
+      </p:sp>
+      <p:sp>
+        <p:nvSpPr>
+          <p:cNvPr id="3" name="Content Placeholder 2"/>
+          <p:cNvSpPr>
+            <a:spLocks noGrp="1"/>
+          </p:cNvSpPr>
+          <p:nvPr>
+            <p:ph idx="1"/>
+          </p:nvPr>
+        </p:nvSpPr>
+        <p:spPr/>
+        <p:txBody>
+          <a:bodyPr/>
+          <a:lstStyle/>
+          <a:p>
+            <a:pPr lvl="0"/>
+            <a:r>
+              <a:rPr lang="en-US" dirty="0"/>
+              <a:t>Click to edit Master text styles</a:t>
+            </a:r>
+          </a:p>
+          <a:p>
+            <a:pPr lvl="1"/>
+            <a:r>
+              <a:rPr lang="en-US" dirty="0"/>
+              <a:t>Second level</a:t>
+            </a:r>
+          </a:p>
+          <a:p>
+            <a:pPr lvl="2"/>
+            <a:r>
+              <a:rPr lang="en-US" dirty="0"/>
+              <a:t>Third level</a:t>
+            </a:r>
+          </a:p>
+          <a:p>
+            <a:pPr lvl="3"/>
+            <a:r>
+              <a:rPr lang="en-US" dirty="0"/>
+              <a:t>Fourth level</a:t>
+            </a:r>
+          </a:p>
+          <a:p>
+            <a:pPr lvl="4"/>
+            <a:r>
+              <a:rPr lang="en-US" dirty="0"/>
+              <a:t>Fifth level</a:t>
+            </a:r>
+            <a:endParaRPr lang="en-GB" dirty="0"/>
+          </a:p>
+        </p:txBody>
+      </p:sp>
+      <p:sp>
+        <p:nvSpPr>
+          <p:cNvPr id="5" name="Content Placeholder 6"/>
+          <p:cNvSpPr>
+            <a:spLocks noGrp="1" noChangeAspect="1"/>
+          </p:cNvSpPr>
+          <p:nvPr>
+            <p:ph sz="quarter" idx="12" hasCustomPrompt="1"/>
+          </p:nvPr>
+        </p:nvSpPr>
+        <p:spPr>
+          <a:xfrm>
+            <a:off x="5929200" y="2917869"/>
+            <a:ext cx="3214800" cy="2225631"/>
+          </a:xfrm>
+          <a:noFill/>
+        </p:spPr>
+        <p:txBody>
+          <a:bodyPr anchor="ctr"/>
+          <a:lstStyle>
+            <a:lvl1pPr marL="0" indent="0" algn="ctr">
+              <a:buNone/>
+              <a:defRPr sz="1200" baseline="0"/>
+            </a:lvl1pPr>
+          </a:lstStyle>
+          <a:p>
+            <a:pPr lvl="0"/>
+            <a:r>
+              <a:rPr lang="en-GB" dirty="0" err="1"/>
+              <a:t>PICinPIC</a:t>
+            </a:r>
+            <a:r>
+              <a:rPr lang="en-GB" dirty="0"/>
+              <a:t> WILL SHOW HERE, SO ANY CONTENT THAT OVERLAPS THIS BOX COULD BE OBSCURED.</a:t>
+            </a:r>
+            <a:br>
+              <a:rPr lang="en-GB" dirty="0"/>
+            </a:br>
+            <a:br>
+              <a:rPr lang="en-GB" dirty="0"/>
+            </a:br>
+            <a:r>
+              <a:rPr lang="en-GB" dirty="0"/>
+              <a:t>THIS BOX WILL NOT BE VISIBLE DURING YOUR PRESENTATION</a:t>
+            </a:r>
+          </a:p>
+        </p:txBody>
+      </p:sp>
+    </p:spTree>
+    <p:extLst>
+      <p:ext uri="{BB962C8B-B14F-4D97-AF65-F5344CB8AC3E}">
+        <p14:creationId xmlns:p14="http://schemas.microsoft.com/office/powerpoint/2010/main" val="1233971650"/>
+      </p:ext>
+    </p:extLst>
+  </p:cSld>
+  <p:clrMapOvr>
+    <a:masterClrMapping/>
+  </p:clrMapOvr>
+</p:sldLayout>
+</file>
+
+<file path=ppt/slideLayouts/slideLayout8.xml><?xml version="1.0" encoding="utf-8"?>
+<p:sldLayout xmlns:a="http://schemas.openxmlformats.org/drawingml/2006/main" xmlns:r="http://schemas.openxmlformats.org/officeDocument/2006/relationships" xmlns:p="http://schemas.openxmlformats.org/presentationml/2006/main" userDrawn="1">
+  <p:cSld name="1_Title and Content">
+    <p:spTree>
+      <p:nvGrpSpPr>
+        <p:cNvPr id="1" name=""/>
+        <p:cNvGrpSpPr/>
+        <p:nvPr/>
+      </p:nvGrpSpPr>
+      <p:grpSpPr>
+        <a:xfrm>
+          <a:off x="0" y="0"/>
+          <a:ext cx="0" cy="0"/>
+          <a:chOff x="0" y="0"/>
+          <a:chExt cx="0" cy="0"/>
+        </a:xfrm>
+      </p:grpSpPr>
+      <p:sp>
+        <p:nvSpPr>
+          <p:cNvPr id="3" name="Content Placeholder 2"/>
+          <p:cNvSpPr>
+            <a:spLocks noGrp="1"/>
+          </p:cNvSpPr>
+          <p:nvPr>
+            <p:ph idx="1"/>
+          </p:nvPr>
+        </p:nvSpPr>
+        <p:spPr>
+          <a:xfrm>
+            <a:off x="341530" y="1626644"/>
+            <a:ext cx="6174000" cy="2991951"/>
+          </a:xfrm>
+        </p:spPr>
+        <p:txBody>
+          <a:bodyPr/>
+          <a:lstStyle>
+            <a:lvl1pPr marL="342900" indent="-342900">
+              <a:buFont typeface="Arial" panose="020B0604020202020204" pitchFamily="34" charset="0"/>
+              <a:buChar char="•"/>
+              <a:defRPr/>
+            </a:lvl1pPr>
+            <a:lvl2pPr marL="717550" indent="-355600">
+              <a:buSzPct val="60000"/>
+              <a:buFont typeface="Courier New" panose="02070309020205020404" pitchFamily="49" charset="0"/>
+              <a:buChar char="o"/>
+              <a:defRPr/>
+            </a:lvl2pPr>
+            <a:lvl3pPr marL="1079500" indent="-361950">
+              <a:buFont typeface="Wingdings" panose="05000000000000000000" pitchFamily="2" charset="2"/>
+              <a:buChar char="§"/>
+              <a:defRPr/>
+            </a:lvl3pPr>
+            <a:lvl4pPr marL="1433513" indent="-354013">
+              <a:buFont typeface="Calibri" panose="020F0502020204030204" pitchFamily="34" charset="0"/>
+              <a:buChar char="–"/>
+              <a:defRPr/>
+            </a:lvl4pPr>
+          </a:lstStyle>
+          <a:p>
+            <a:pPr lvl="0"/>
+            <a:r>
+              <a:rPr lang="en-US" dirty="0"/>
+              <a:t>Click to edit Master text styles</a:t>
+            </a:r>
+          </a:p>
+          <a:p>
+            <a:pPr lvl="1"/>
+            <a:r>
+              <a:rPr lang="en-US" dirty="0"/>
+              <a:t>Second level</a:t>
+            </a:r>
+          </a:p>
+          <a:p>
+            <a:pPr lvl="2"/>
+            <a:r>
+              <a:rPr lang="en-US" dirty="0"/>
+              <a:t>Third level</a:t>
+            </a:r>
+          </a:p>
+          <a:p>
+            <a:pPr lvl="3"/>
+            <a:r>
+              <a:rPr lang="en-US" dirty="0"/>
+              <a:t>Fourth level</a:t>
+            </a:r>
+          </a:p>
+        </p:txBody>
+      </p:sp>
+      <p:sp>
+        <p:nvSpPr>
+          <p:cNvPr id="7" name="Content Placeholder 2"/>
+          <p:cNvSpPr>
+            <a:spLocks noGrp="1"/>
+          </p:cNvSpPr>
+          <p:nvPr>
+            <p:ph idx="10" hasCustomPrompt="1"/>
+          </p:nvPr>
+        </p:nvSpPr>
+        <p:spPr>
+          <a:xfrm>
+            <a:off x="6642229" y="1626645"/>
+            <a:ext cx="2078545" cy="2745305"/>
+          </a:xfrm>
+        </p:spPr>
+        <p:txBody>
+          <a:bodyPr>
+            <a:normAutofit/>
+          </a:bodyPr>
+          <a:lstStyle>
+            <a:lvl1pPr marL="0" indent="0">
+              <a:buFont typeface="Arial" panose="020B0604020202020204" pitchFamily="34" charset="0"/>
+              <a:buNone/>
+              <a:defRPr sz="1800"/>
+            </a:lvl1pPr>
+            <a:lvl2pPr marL="717550" indent="-355600">
+              <a:buSzPct val="60000"/>
+              <a:buFont typeface="Courier New" panose="02070309020205020404" pitchFamily="49" charset="0"/>
+              <a:buChar char="o"/>
+              <a:defRPr/>
+            </a:lvl2pPr>
+            <a:lvl3pPr marL="1079500" indent="-361950">
+              <a:buFont typeface="Wingdings" panose="05000000000000000000" pitchFamily="2" charset="2"/>
+              <a:buChar char="§"/>
+              <a:defRPr/>
+            </a:lvl3pPr>
+            <a:lvl4pPr marL="1433513" indent="-354013">
+              <a:buFont typeface="Calibri" panose="020F0502020204030204" pitchFamily="34" charset="0"/>
+              <a:buChar char="–"/>
+              <a:defRPr/>
+            </a:lvl4pPr>
+          </a:lstStyle>
+          <a:p>
+            <a:r>
+              <a:rPr lang="da-DK" dirty="0"/>
+              <a:t>Space here </a:t>
+            </a:r>
+            <a:br>
+              <a:rPr lang="da-DK" dirty="0"/>
+            </a:br>
+            <a:r>
+              <a:rPr lang="da-DK" dirty="0"/>
+              <a:t>for code </a:t>
+            </a:r>
+            <a:r>
+              <a:rPr lang="da-DK" dirty="0">
+                <a:latin typeface="APL385 Unicode" panose="020B0709000202000203" pitchFamily="49" charset="0"/>
+              </a:rPr>
+              <a:t>{⍺+⍵}</a:t>
+            </a:r>
+            <a:br>
+              <a:rPr lang="da-DK" dirty="0"/>
+            </a:br>
+            <a:r>
+              <a:rPr lang="da-DK" dirty="0"/>
+              <a:t>pictures</a:t>
+            </a:r>
+            <a:br>
+              <a:rPr lang="da-DK" dirty="0"/>
+            </a:br>
+            <a:r>
+              <a:rPr lang="da-DK" dirty="0"/>
+              <a:t>etc.</a:t>
+            </a:r>
+          </a:p>
+        </p:txBody>
+      </p:sp>
+      <p:sp>
+        <p:nvSpPr>
+          <p:cNvPr id="5" name="Content Placeholder 6">
+            <a:extLst>
+              <a:ext uri="{FF2B5EF4-FFF2-40B4-BE49-F238E27FC236}">
+                <a16:creationId xmlns:a16="http://schemas.microsoft.com/office/drawing/2014/main" id="{AACB28A7-FBB5-4726-BEE9-68B607A2DCE7}"/>
+              </a:ext>
+            </a:extLst>
+          </p:cNvPr>
+          <p:cNvSpPr>
+            <a:spLocks noGrp="1" noChangeAspect="1"/>
+          </p:cNvSpPr>
+          <p:nvPr>
+            <p:ph sz="quarter" idx="12" hasCustomPrompt="1"/>
+          </p:nvPr>
+        </p:nvSpPr>
+        <p:spPr>
+          <a:xfrm>
+            <a:off x="5929200" y="2917869"/>
+            <a:ext cx="3214800" cy="2225631"/>
+          </a:xfrm>
+          <a:noFill/>
+        </p:spPr>
+        <p:txBody>
+          <a:bodyPr anchor="ctr"/>
+          <a:lstStyle>
+            <a:lvl1pPr marL="0" indent="0" algn="ctr">
+              <a:buNone/>
+              <a:defRPr sz="1200" baseline="0"/>
+            </a:lvl1pPr>
+          </a:lstStyle>
+          <a:p>
+            <a:pPr lvl="0"/>
+            <a:r>
+              <a:rPr lang="en-GB" dirty="0" err="1"/>
+              <a:t>PICinPIC</a:t>
+            </a:r>
+            <a:r>
+              <a:rPr lang="en-GB" dirty="0"/>
+              <a:t> WILL SHOW HERE, SO ANY CONTENT THAT OVERLAPS THIS BOX COULD BE OBSCURED.</a:t>
+            </a:r>
+            <a:br>
+              <a:rPr lang="en-GB" dirty="0"/>
+            </a:br>
+            <a:br>
+              <a:rPr lang="en-GB" dirty="0"/>
+            </a:br>
+            <a:r>
+              <a:rPr lang="en-GB" dirty="0"/>
+              <a:t>THIS BOX WILL NOT BE VISIBLE DURING YOUR PRESENTATION</a:t>
+            </a:r>
+          </a:p>
+        </p:txBody>
+      </p:sp>
+    </p:spTree>
+    <p:extLst>
+      <p:ext uri="{BB962C8B-B14F-4D97-AF65-F5344CB8AC3E}">
+        <p14:creationId xmlns:p14="http://schemas.microsoft.com/office/powerpoint/2010/main" val="1355900432"/>
+      </p:ext>
+    </p:extLst>
+  </p:cSld>
+  <p:clrMapOvr>
+    <a:masterClrMapping/>
+  </p:clrMapOvr>
+</p:sldLayout>
+</file>
+
 <file path=ppt/slideMasters/slideMaster1.xml><?xml version="1.0" encoding="utf-8"?>
 <p:sldMaster xmlns:a="http://schemas.openxmlformats.org/drawingml/2006/main" xmlns:r="http://schemas.openxmlformats.org/officeDocument/2006/relationships" xmlns:p="http://schemas.openxmlformats.org/presentationml/2006/main">
   <p:cSld>
@@ -2834,13 +3419,13 @@
           <p:nvPr userDrawn="1"/>
         </p:nvPicPr>
         <p:blipFill>
-          <a:blip r:embed="rId8" cstate="print">
+          <a:blip r:embed="rId10" cstate="print">
             <a:extLst>
               <a:ext uri="{28A0092B-C50C-407E-A947-70E740481C1C}">
                 <a14:useLocalDpi xmlns:a14="http://schemas.microsoft.com/office/drawing/2010/main" val="0"/>
               </a:ext>
               <a:ext uri="{96DAC541-7B7A-43D3-8B79-37D633B846F1}">
-                <asvg:svgBlip xmlns:asvg="http://schemas.microsoft.com/office/drawing/2016/SVG/main" r:embed="rId9"/>
+                <asvg:svgBlip xmlns:asvg="http://schemas.microsoft.com/office/drawing/2016/SVG/main" r:embed="rId11"/>
               </a:ext>
             </a:extLst>
           </a:blip>
@@ -2873,6 +3458,8 @@
     <p:sldLayoutId id="2147483654" r:id="rId4"/>
     <p:sldLayoutId id="2147483655" r:id="rId5"/>
     <p:sldLayoutId id="2147483661" r:id="rId6"/>
+    <p:sldLayoutId id="2147483662" r:id="rId7"/>
+    <p:sldLayoutId id="2147483663" r:id="rId8"/>
   </p:sldLayoutIdLst>
   <p:hf sldNum="0" hdr="0" dt="0"/>
   <p:txStyles>
@@ -4745,13 +5332,13 @@
   <p:clrMapOvr>
     <a:masterClrMapping/>
   </p:clrMapOvr>
-  <mc:AlternateContent xmlns:mc="http://schemas.openxmlformats.org/markup-compatibility/2006">
-    <mc:Choice xmlns:p159="http://schemas.microsoft.com/office/powerpoint/2015/09/main" Requires="p159">
+  <mc:AlternateContent xmlns:mc="http://schemas.openxmlformats.org/markup-compatibility/2006" xmlns:p159="http://schemas.microsoft.com/office/powerpoint/2015/09/main">
+    <mc:Choice Requires="p159">
       <p:transition xmlns:p14="http://schemas.microsoft.com/office/powerpoint/2010/main" spd="slow" p14:dur="2000">
         <p159:morph option="byChar"/>
       </p:transition>
     </mc:Choice>
-    <mc:Fallback>
+    <mc:Fallback xmlns="">
       <p:transition spd="slow">
         <p:fade/>
       </p:transition>
@@ -5434,13 +6021,13 @@
   <p:clrMapOvr>
     <a:masterClrMapping/>
   </p:clrMapOvr>
-  <mc:AlternateContent xmlns:mc="http://schemas.openxmlformats.org/markup-compatibility/2006">
-    <mc:Choice xmlns:p159="http://schemas.microsoft.com/office/powerpoint/2015/09/main" Requires="p159">
+  <mc:AlternateContent xmlns:mc="http://schemas.openxmlformats.org/markup-compatibility/2006" xmlns:p159="http://schemas.microsoft.com/office/powerpoint/2015/09/main">
+    <mc:Choice Requires="p159">
       <p:transition xmlns:p14="http://schemas.microsoft.com/office/powerpoint/2010/main" spd="slow" p14:dur="2000">
         <p159:morph option="byChar"/>
       </p:transition>
     </mc:Choice>
-    <mc:Fallback>
+    <mc:Fallback xmlns="">
       <p:transition spd="slow">
         <p:fade/>
       </p:transition>
@@ -6190,13 +6777,13 @@
   <p:clrMapOvr>
     <a:masterClrMapping/>
   </p:clrMapOvr>
-  <mc:AlternateContent xmlns:mc="http://schemas.openxmlformats.org/markup-compatibility/2006">
-    <mc:Choice xmlns:p14="http://schemas.microsoft.com/office/powerpoint/2010/main" Requires="p14">
+  <mc:AlternateContent xmlns:mc="http://schemas.openxmlformats.org/markup-compatibility/2006" xmlns:p14="http://schemas.microsoft.com/office/powerpoint/2010/main">
+    <mc:Choice Requires="p14">
       <p:transition spd="med" p14:dur="700">
         <p:fade/>
       </p:transition>
     </mc:Choice>
-    <mc:Fallback>
+    <mc:Fallback xmlns="">
       <p:transition spd="med">
         <p:fade/>
       </p:transition>
@@ -8449,6 +9036,523 @@
 </p:sld>
 </file>
 
+<file path=ppt/slides/slide18.xml><?xml version="1.0" encoding="utf-8"?>
+<p:sld xmlns:a="http://schemas.openxmlformats.org/drawingml/2006/main" xmlns:r="http://schemas.openxmlformats.org/officeDocument/2006/relationships" xmlns:p="http://schemas.openxmlformats.org/presentationml/2006/main">
+  <p:cSld>
+    <p:spTree>
+      <p:nvGrpSpPr>
+        <p:cNvPr id="1" name=""/>
+        <p:cNvGrpSpPr/>
+        <p:nvPr/>
+      </p:nvGrpSpPr>
+      <p:grpSpPr>
+        <a:xfrm>
+          <a:off x="0" y="0"/>
+          <a:ext cx="0" cy="0"/>
+          <a:chOff x="0" y="0"/>
+          <a:chExt cx="0" cy="0"/>
+        </a:xfrm>
+      </p:grpSpPr>
+      <p:sp>
+        <p:nvSpPr>
+          <p:cNvPr id="3" name="Content Placeholder 2">
+            <a:extLst>
+              <a:ext uri="{FF2B5EF4-FFF2-40B4-BE49-F238E27FC236}">
+                <a16:creationId xmlns:a16="http://schemas.microsoft.com/office/drawing/2014/main" id="{A60B28CF-4070-E957-97D1-65DDD8E5158B}"/>
+              </a:ext>
+            </a:extLst>
+          </p:cNvPr>
+          <p:cNvSpPr>
+            <a:spLocks noGrp="1"/>
+          </p:cNvSpPr>
+          <p:nvPr>
+            <p:ph idx="1"/>
+          </p:nvPr>
+        </p:nvSpPr>
+        <p:spPr>
+          <a:xfrm>
+            <a:off x="323527" y="1264925"/>
+            <a:ext cx="7954564" cy="3242040"/>
+          </a:xfrm>
+        </p:spPr>
+        <p:txBody>
+          <a:bodyPr>
+            <a:normAutofit/>
+          </a:bodyPr>
+          <a:lstStyle/>
+          <a:p>
+            <a:pPr marL="0" indent="0" defTabSz="4481513">
+              <a:buNone/>
+            </a:pPr>
+            <a:r>
+              <a:rPr lang="en-GB" dirty="0"/>
+              <a:t>Unique mask	</a:t>
+            </a:r>
+            <a:r>
+              <a:rPr lang="en-GB" dirty="0">
+                <a:solidFill>
+                  <a:srgbClr val="0000FF"/>
+                </a:solidFill>
+                <a:latin typeface="APL385 Unicode" panose="020B0709000202000203" pitchFamily="49" charset="0"/>
+              </a:rPr>
+              <a:t>≠</a:t>
+            </a:r>
+            <a:r>
+              <a:rPr lang="en-GB" dirty="0">
+                <a:latin typeface="APL385 Unicode" panose="020B0709000202000203" pitchFamily="49" charset="0"/>
+              </a:rPr>
+              <a:t>⍵</a:t>
+            </a:r>
+          </a:p>
+          <a:p>
+            <a:pPr marL="0" indent="0" defTabSz="4481513">
+              <a:buNone/>
+            </a:pPr>
+            <a:endParaRPr lang="en-GB" dirty="0"/>
+          </a:p>
+          <a:p>
+            <a:pPr marL="0" indent="0" defTabSz="4481513">
+              <a:buNone/>
+            </a:pPr>
+            <a:r>
+              <a:rPr lang="en-GB" dirty="0"/>
+              <a:t>Where	</a:t>
+            </a:r>
+            <a:r>
+              <a:rPr lang="en-GB" dirty="0">
+                <a:solidFill>
+                  <a:srgbClr val="0000FF"/>
+                </a:solidFill>
+                <a:latin typeface="APL385 Unicode" panose="020B0709000202000203" pitchFamily="49" charset="0"/>
+              </a:rPr>
+              <a:t>⍸</a:t>
+            </a:r>
+            <a:r>
+              <a:rPr lang="en-GB" dirty="0">
+                <a:latin typeface="APL385 Unicode" panose="020B0709000202000203" pitchFamily="49" charset="0"/>
+              </a:rPr>
+              <a:t>⍵</a:t>
+            </a:r>
+          </a:p>
+          <a:p>
+            <a:pPr marL="0" indent="0" defTabSz="4481513">
+              <a:buNone/>
+            </a:pPr>
+            <a:endParaRPr lang="en-GB" dirty="0"/>
+          </a:p>
+          <a:p>
+            <a:pPr marL="0" indent="0" defTabSz="4481513">
+              <a:buNone/>
+            </a:pPr>
+            <a:r>
+              <a:rPr lang="en-GB" dirty="0"/>
+              <a:t>Partitioned enclose	</a:t>
+            </a:r>
+            <a:r>
+              <a:rPr lang="en-GB" dirty="0">
+                <a:latin typeface="APL385 Unicode" panose="020B0709000202000203" pitchFamily="49" charset="0"/>
+              </a:rPr>
+              <a:t>⍺</a:t>
+            </a:r>
+            <a:r>
+              <a:rPr lang="en-GB" dirty="0">
+                <a:solidFill>
+                  <a:srgbClr val="0000FF"/>
+                </a:solidFill>
+                <a:latin typeface="APL385 Unicode" panose="020B0709000202000203" pitchFamily="49" charset="0"/>
+              </a:rPr>
+              <a:t>⊂</a:t>
+            </a:r>
+            <a:r>
+              <a:rPr lang="en-GB" dirty="0">
+                <a:latin typeface="APL385 Unicode" panose="020B0709000202000203" pitchFamily="49" charset="0"/>
+              </a:rPr>
+              <a:t>⍵</a:t>
+            </a:r>
+          </a:p>
+        </p:txBody>
+      </p:sp>
+      <p:sp>
+        <p:nvSpPr>
+          <p:cNvPr id="4" name="Content Placeholder 3">
+            <a:extLst>
+              <a:ext uri="{FF2B5EF4-FFF2-40B4-BE49-F238E27FC236}">
+                <a16:creationId xmlns:a16="http://schemas.microsoft.com/office/drawing/2014/main" id="{BC080FDA-D498-C830-C5C4-EAD86F92CD05}"/>
+              </a:ext>
+            </a:extLst>
+          </p:cNvPr>
+          <p:cNvSpPr>
+            <a:spLocks noGrp="1"/>
+          </p:cNvSpPr>
+          <p:nvPr>
+            <p:ph sz="quarter" idx="12"/>
+          </p:nvPr>
+        </p:nvSpPr>
+        <p:spPr/>
+        <p:txBody>
+          <a:bodyPr/>
+          <a:lstStyle/>
+          <a:p>
+            <a:endParaRPr lang="en-GB"/>
+          </a:p>
+        </p:txBody>
+      </p:sp>
+      <p:sp>
+        <p:nvSpPr>
+          <p:cNvPr id="5" name="Title 4">
+            <a:extLst>
+              <a:ext uri="{FF2B5EF4-FFF2-40B4-BE49-F238E27FC236}">
+                <a16:creationId xmlns:a16="http://schemas.microsoft.com/office/drawing/2014/main" id="{C3665999-F529-B44C-86B8-8AAE14BAC7DE}"/>
+              </a:ext>
+            </a:extLst>
+          </p:cNvPr>
+          <p:cNvSpPr>
+            <a:spLocks noGrp="1"/>
+          </p:cNvSpPr>
+          <p:nvPr>
+            <p:ph type="title"/>
+          </p:nvPr>
+        </p:nvSpPr>
+        <p:spPr/>
+        <p:txBody>
+          <a:bodyPr/>
+          <a:lstStyle/>
+          <a:p>
+            <a:r>
+              <a:rPr lang="en-GB" dirty="0"/>
+              <a:t>System Functions</a:t>
+            </a:r>
+          </a:p>
+        </p:txBody>
+      </p:sp>
+    </p:spTree>
+    <p:extLst>
+      <p:ext uri="{BB962C8B-B14F-4D97-AF65-F5344CB8AC3E}">
+        <p14:creationId xmlns:p14="http://schemas.microsoft.com/office/powerpoint/2010/main" val="3731356500"/>
+      </p:ext>
+    </p:extLst>
+  </p:cSld>
+  <p:clrMapOvr>
+    <a:masterClrMapping/>
+  </p:clrMapOvr>
+</p:sld>
+</file>
+
+<file path=ppt/slides/slide19.xml><?xml version="1.0" encoding="utf-8"?>
+<p:sld xmlns:a="http://schemas.openxmlformats.org/drawingml/2006/main" xmlns:r="http://schemas.openxmlformats.org/officeDocument/2006/relationships" xmlns:p="http://schemas.openxmlformats.org/presentationml/2006/main">
+  <p:cSld>
+    <p:spTree>
+      <p:nvGrpSpPr>
+        <p:cNvPr id="1" name=""/>
+        <p:cNvGrpSpPr/>
+        <p:nvPr/>
+      </p:nvGrpSpPr>
+      <p:grpSpPr>
+        <a:xfrm>
+          <a:off x="0" y="0"/>
+          <a:ext cx="0" cy="0"/>
+          <a:chOff x="0" y="0"/>
+          <a:chExt cx="0" cy="0"/>
+        </a:xfrm>
+      </p:grpSpPr>
+      <p:sp>
+        <p:nvSpPr>
+          <p:cNvPr id="3" name="Content Placeholder 2">
+            <a:extLst>
+              <a:ext uri="{FF2B5EF4-FFF2-40B4-BE49-F238E27FC236}">
+                <a16:creationId xmlns:a16="http://schemas.microsoft.com/office/drawing/2014/main" id="{A60B28CF-4070-E957-97D1-65DDD8E5158B}"/>
+              </a:ext>
+            </a:extLst>
+          </p:cNvPr>
+          <p:cNvSpPr>
+            <a:spLocks noGrp="1"/>
+          </p:cNvSpPr>
+          <p:nvPr>
+            <p:ph idx="1"/>
+          </p:nvPr>
+        </p:nvSpPr>
+        <p:spPr>
+          <a:xfrm>
+            <a:off x="323527" y="1264925"/>
+            <a:ext cx="7954564" cy="3242040"/>
+          </a:xfrm>
+        </p:spPr>
+        <p:txBody>
+          <a:bodyPr>
+            <a:normAutofit/>
+          </a:bodyPr>
+          <a:lstStyle/>
+          <a:p>
+            <a:pPr marL="0" indent="0">
+              <a:buNone/>
+            </a:pPr>
+            <a:endParaRPr lang="en-US" sz="1800" dirty="0">
+              <a:latin typeface="APL385 Unicode" panose="020B0709000202000203" pitchFamily="49" charset="0"/>
+            </a:endParaRPr>
+          </a:p>
+          <a:p>
+            <a:pPr marL="0" indent="0">
+              <a:buNone/>
+            </a:pPr>
+            <a:r>
+              <a:rPr lang="en-US" sz="1800" dirty="0">
+                <a:latin typeface="APL385 Unicode" panose="020B0709000202000203" pitchFamily="49" charset="0"/>
+              </a:rPr>
+              <a:t>      ∪'Mississippi'</a:t>
+            </a:r>
+          </a:p>
+          <a:p>
+            <a:pPr marL="0" indent="0">
+              <a:spcAft>
+                <a:spcPts val="0"/>
+              </a:spcAft>
+              <a:buNone/>
+            </a:pPr>
+            <a:r>
+              <a:rPr lang="en-US" sz="1800" dirty="0" err="1">
+                <a:latin typeface="APL385 Unicode" panose="020B0709000202000203" pitchFamily="49" charset="0"/>
+              </a:rPr>
+              <a:t>Misp</a:t>
+            </a:r>
+            <a:endParaRPr lang="en-US" sz="1800" dirty="0">
+              <a:latin typeface="APL385 Unicode" panose="020B0709000202000203" pitchFamily="49" charset="0"/>
+            </a:endParaRPr>
+          </a:p>
+          <a:p>
+            <a:pPr marL="0" indent="0">
+              <a:spcAft>
+                <a:spcPts val="0"/>
+              </a:spcAft>
+              <a:buNone/>
+            </a:pPr>
+            <a:endParaRPr lang="en-US" sz="1800" dirty="0">
+              <a:latin typeface="APL385 Unicode" panose="020B0709000202000203" pitchFamily="49" charset="0"/>
+            </a:endParaRPr>
+          </a:p>
+          <a:p>
+            <a:pPr marL="0" indent="0">
+              <a:spcAft>
+                <a:spcPts val="0"/>
+              </a:spcAft>
+              <a:buNone/>
+            </a:pPr>
+            <a:r>
+              <a:rPr lang="en-US" sz="1800" dirty="0">
+                <a:latin typeface="APL385 Unicode" panose="020B0709000202000203" pitchFamily="49" charset="0"/>
+              </a:rPr>
+              <a:t>      {↑⍵(≠⍵)}'Mississippi'</a:t>
+            </a:r>
+          </a:p>
+          <a:p>
+            <a:pPr marL="0" indent="0">
+              <a:spcAft>
+                <a:spcPts val="0"/>
+              </a:spcAft>
+              <a:buNone/>
+            </a:pPr>
+            <a:r>
+              <a:rPr lang="en-US" sz="1800" dirty="0">
+                <a:latin typeface="APL385 Unicode" panose="020B0709000202000203" pitchFamily="49" charset="0"/>
+              </a:rPr>
+              <a:t>M </a:t>
+            </a:r>
+            <a:r>
+              <a:rPr lang="en-US" sz="1800" dirty="0" err="1">
+                <a:latin typeface="APL385 Unicode" panose="020B0709000202000203" pitchFamily="49" charset="0"/>
+              </a:rPr>
+              <a:t>i</a:t>
+            </a:r>
+            <a:r>
+              <a:rPr lang="en-US" sz="1800" dirty="0">
+                <a:latin typeface="APL385 Unicode" panose="020B0709000202000203" pitchFamily="49" charset="0"/>
+              </a:rPr>
+              <a:t> s </a:t>
+            </a:r>
+            <a:r>
+              <a:rPr lang="en-US" sz="1800" dirty="0" err="1">
+                <a:latin typeface="APL385 Unicode" panose="020B0709000202000203" pitchFamily="49" charset="0"/>
+              </a:rPr>
+              <a:t>s</a:t>
+            </a:r>
+            <a:r>
+              <a:rPr lang="en-US" sz="1800" dirty="0">
+                <a:latin typeface="APL385 Unicode" panose="020B0709000202000203" pitchFamily="49" charset="0"/>
+              </a:rPr>
+              <a:t> </a:t>
+            </a:r>
+            <a:r>
+              <a:rPr lang="en-US" sz="1800" dirty="0" err="1">
+                <a:latin typeface="APL385 Unicode" panose="020B0709000202000203" pitchFamily="49" charset="0"/>
+              </a:rPr>
+              <a:t>i</a:t>
+            </a:r>
+            <a:r>
+              <a:rPr lang="en-US" sz="1800" dirty="0">
+                <a:latin typeface="APL385 Unicode" panose="020B0709000202000203" pitchFamily="49" charset="0"/>
+              </a:rPr>
+              <a:t> s </a:t>
+            </a:r>
+            <a:r>
+              <a:rPr lang="en-US" sz="1800" dirty="0" err="1">
+                <a:latin typeface="APL385 Unicode" panose="020B0709000202000203" pitchFamily="49" charset="0"/>
+              </a:rPr>
+              <a:t>s</a:t>
+            </a:r>
+            <a:r>
+              <a:rPr lang="en-US" sz="1800" dirty="0">
+                <a:latin typeface="APL385 Unicode" panose="020B0709000202000203" pitchFamily="49" charset="0"/>
+              </a:rPr>
+              <a:t> </a:t>
+            </a:r>
+            <a:r>
+              <a:rPr lang="en-US" sz="1800" dirty="0" err="1">
+                <a:latin typeface="APL385 Unicode" panose="020B0709000202000203" pitchFamily="49" charset="0"/>
+              </a:rPr>
+              <a:t>i</a:t>
+            </a:r>
+            <a:r>
+              <a:rPr lang="en-US" sz="1800" dirty="0">
+                <a:latin typeface="APL385 Unicode" panose="020B0709000202000203" pitchFamily="49" charset="0"/>
+              </a:rPr>
+              <a:t> p </a:t>
+            </a:r>
+            <a:r>
+              <a:rPr lang="en-US" sz="1800" dirty="0" err="1">
+                <a:latin typeface="APL385 Unicode" panose="020B0709000202000203" pitchFamily="49" charset="0"/>
+              </a:rPr>
+              <a:t>p</a:t>
+            </a:r>
+            <a:r>
+              <a:rPr lang="en-US" sz="1800" dirty="0">
+                <a:latin typeface="APL385 Unicode" panose="020B0709000202000203" pitchFamily="49" charset="0"/>
+              </a:rPr>
+              <a:t> </a:t>
+            </a:r>
+            <a:r>
+              <a:rPr lang="en-US" sz="1800" dirty="0" err="1">
+                <a:latin typeface="APL385 Unicode" panose="020B0709000202000203" pitchFamily="49" charset="0"/>
+              </a:rPr>
+              <a:t>i</a:t>
+            </a:r>
+            <a:endParaRPr lang="en-US" sz="1800" dirty="0">
+              <a:latin typeface="APL385 Unicode" panose="020B0709000202000203" pitchFamily="49" charset="0"/>
+            </a:endParaRPr>
+          </a:p>
+          <a:p>
+            <a:pPr marL="0" indent="0">
+              <a:spcAft>
+                <a:spcPts val="0"/>
+              </a:spcAft>
+              <a:buNone/>
+            </a:pPr>
+            <a:r>
+              <a:rPr lang="en-US" sz="1800" dirty="0">
+                <a:latin typeface="APL385 Unicode" panose="020B0709000202000203" pitchFamily="49" charset="0"/>
+              </a:rPr>
+              <a:t>1 1 1 0 0 0 0 0 1 0 0</a:t>
+            </a:r>
+            <a:endParaRPr lang="en-GB" sz="1800" dirty="0">
+              <a:latin typeface="APL385 Unicode" panose="020B0709000202000203" pitchFamily="49" charset="0"/>
+            </a:endParaRPr>
+          </a:p>
+        </p:txBody>
+      </p:sp>
+      <p:sp>
+        <p:nvSpPr>
+          <p:cNvPr id="4" name="Content Placeholder 3">
+            <a:extLst>
+              <a:ext uri="{FF2B5EF4-FFF2-40B4-BE49-F238E27FC236}">
+                <a16:creationId xmlns:a16="http://schemas.microsoft.com/office/drawing/2014/main" id="{BC080FDA-D498-C830-C5C4-EAD86F92CD05}"/>
+              </a:ext>
+            </a:extLst>
+          </p:cNvPr>
+          <p:cNvSpPr>
+            <a:spLocks noGrp="1"/>
+          </p:cNvSpPr>
+          <p:nvPr>
+            <p:ph sz="quarter" idx="12"/>
+          </p:nvPr>
+        </p:nvSpPr>
+        <p:spPr/>
+        <p:txBody>
+          <a:bodyPr/>
+          <a:lstStyle/>
+          <a:p>
+            <a:endParaRPr lang="en-GB"/>
+          </a:p>
+        </p:txBody>
+      </p:sp>
+      <p:sp>
+        <p:nvSpPr>
+          <p:cNvPr id="5" name="Title 4">
+            <a:extLst>
+              <a:ext uri="{FF2B5EF4-FFF2-40B4-BE49-F238E27FC236}">
+                <a16:creationId xmlns:a16="http://schemas.microsoft.com/office/drawing/2014/main" id="{C3665999-F529-B44C-86B8-8AAE14BAC7DE}"/>
+              </a:ext>
+            </a:extLst>
+          </p:cNvPr>
+          <p:cNvSpPr>
+            <a:spLocks noGrp="1"/>
+          </p:cNvSpPr>
+          <p:nvPr>
+            <p:ph type="title"/>
+          </p:nvPr>
+        </p:nvSpPr>
+        <p:spPr>
+          <a:xfrm>
+            <a:off x="323528" y="267657"/>
+            <a:ext cx="7005527" cy="909979"/>
+          </a:xfrm>
+        </p:spPr>
+        <p:txBody>
+          <a:bodyPr/>
+          <a:lstStyle/>
+          <a:p>
+            <a:pPr marL="0" indent="0">
+              <a:buNone/>
+            </a:pPr>
+            <a:r>
+              <a:rPr lang="en-GB" dirty="0"/>
+              <a:t>Unique mask	</a:t>
+            </a:r>
+            <a:r>
+              <a:rPr lang="en-GB" dirty="0">
+                <a:solidFill>
+                  <a:srgbClr val="0000FF"/>
+                </a:solidFill>
+                <a:latin typeface="APL385 Unicode" panose="020B0709000202000203" pitchFamily="49" charset="0"/>
+              </a:rPr>
+              <a:t>≠</a:t>
+            </a:r>
+            <a:r>
+              <a:rPr lang="en-GB" dirty="0">
+                <a:latin typeface="APL385 Unicode" panose="020B0709000202000203" pitchFamily="49" charset="0"/>
+              </a:rPr>
+              <a:t>⍵</a:t>
+            </a:r>
+            <a:br>
+              <a:rPr lang="en-GB" dirty="0"/>
+            </a:br>
+            <a:r>
+              <a:rPr lang="en-GB" sz="1800" dirty="0"/>
+              <a:t>a.k.a. nub-sieve</a:t>
+            </a:r>
+          </a:p>
+        </p:txBody>
+      </p:sp>
+    </p:spTree>
+    <p:extLst>
+      <p:ext uri="{BB962C8B-B14F-4D97-AF65-F5344CB8AC3E}">
+        <p14:creationId xmlns:p14="http://schemas.microsoft.com/office/powerpoint/2010/main" val="3844861008"/>
+      </p:ext>
+    </p:extLst>
+  </p:cSld>
+  <p:clrMapOvr>
+    <a:masterClrMapping/>
+  </p:clrMapOvr>
+</p:sld>
+</file>
+
 <file path=ppt/slides/slide2.xml><?xml version="1.0" encoding="utf-8"?>
 <p:sld xmlns:a="http://schemas.openxmlformats.org/drawingml/2006/main" xmlns:r="http://schemas.openxmlformats.org/officeDocument/2006/relationships" xmlns:p="http://schemas.openxmlformats.org/presentationml/2006/main">
   <p:cSld>
@@ -8598,6 +9702,4274 @@
   <p:clrMapOvr>
     <a:masterClrMapping/>
   </p:clrMapOvr>
+</p:sld>
+</file>
+
+<file path=ppt/slides/slide20.xml><?xml version="1.0" encoding="utf-8"?>
+<p:sld xmlns:a="http://schemas.openxmlformats.org/drawingml/2006/main" xmlns:r="http://schemas.openxmlformats.org/officeDocument/2006/relationships" xmlns:p="http://schemas.openxmlformats.org/presentationml/2006/main">
+  <p:cSld>
+    <p:spTree>
+      <p:nvGrpSpPr>
+        <p:cNvPr id="1" name=""/>
+        <p:cNvGrpSpPr/>
+        <p:nvPr/>
+      </p:nvGrpSpPr>
+      <p:grpSpPr>
+        <a:xfrm>
+          <a:off x="0" y="0"/>
+          <a:ext cx="0" cy="0"/>
+          <a:chOff x="0" y="0"/>
+          <a:chExt cx="0" cy="0"/>
+        </a:xfrm>
+      </p:grpSpPr>
+      <p:sp>
+        <p:nvSpPr>
+          <p:cNvPr id="2" name="Title 1">
+            <a:extLst>
+              <a:ext uri="{FF2B5EF4-FFF2-40B4-BE49-F238E27FC236}">
+                <a16:creationId xmlns:a16="http://schemas.microsoft.com/office/drawing/2014/main" id="{104726EE-8102-4763-8AAB-5EE4C0FA1323}"/>
+              </a:ext>
+            </a:extLst>
+          </p:cNvPr>
+          <p:cNvSpPr>
+            <a:spLocks noGrp="1"/>
+          </p:cNvSpPr>
+          <p:nvPr>
+            <p:ph type="title"/>
+          </p:nvPr>
+        </p:nvSpPr>
+        <p:spPr/>
+        <p:txBody>
+          <a:bodyPr/>
+          <a:lstStyle/>
+          <a:p>
+            <a:r>
+              <a:rPr lang="en-GB" dirty="0"/>
+              <a:t>Why, though?</a:t>
+            </a:r>
+          </a:p>
+        </p:txBody>
+      </p:sp>
+      <p:sp>
+        <p:nvSpPr>
+          <p:cNvPr id="3" name="Content Placeholder 2">
+            <a:extLst>
+              <a:ext uri="{FF2B5EF4-FFF2-40B4-BE49-F238E27FC236}">
+                <a16:creationId xmlns:a16="http://schemas.microsoft.com/office/drawing/2014/main" id="{A2BA7937-4E32-45A1-B028-B8995E133CE7}"/>
+              </a:ext>
+            </a:extLst>
+          </p:cNvPr>
+          <p:cNvSpPr>
+            <a:spLocks noGrp="1"/>
+          </p:cNvSpPr>
+          <p:nvPr>
+            <p:ph idx="1"/>
+          </p:nvPr>
+        </p:nvSpPr>
+        <p:spPr/>
+        <p:txBody>
+          <a:bodyPr/>
+          <a:lstStyle/>
+          <a:p>
+            <a:pPr marL="0" indent="0">
+              <a:buNone/>
+              <a:tabLst>
+                <a:tab pos="2743200" algn="ctr"/>
+                <a:tab pos="4114800" algn="ctr"/>
+                <a:tab pos="5486400" algn="ctr"/>
+              </a:tabLst>
+            </a:pPr>
+            <a:r>
+              <a:rPr lang="en-GB" dirty="0">
+                <a:latin typeface="APL385 Unicode" panose="020B0709000202000203" pitchFamily="49" charset="0"/>
+              </a:rPr>
+              <a:t>	</a:t>
+            </a:r>
+            <a:r>
+              <a:rPr lang="en-GB" dirty="0">
+                <a:solidFill>
+                  <a:srgbClr val="0000FF"/>
+                </a:solidFill>
+                <a:latin typeface="APL385 Unicode" panose="020B0709000202000203" pitchFamily="49" charset="0"/>
+              </a:rPr>
+              <a:t>≠</a:t>
+            </a:r>
+            <a:r>
+              <a:rPr lang="en-GB" dirty="0">
+                <a:latin typeface="APL385 Unicode" panose="020B0709000202000203" pitchFamily="49" charset="0"/>
+              </a:rPr>
+              <a:t>Y	</a:t>
+            </a:r>
+            <a:r>
+              <a:rPr lang="en-GB" dirty="0"/>
+              <a:t>is to</a:t>
+            </a:r>
+            <a:r>
+              <a:rPr lang="en-GB" dirty="0">
+                <a:latin typeface="APL385 Unicode" panose="020B0709000202000203" pitchFamily="49" charset="0"/>
+              </a:rPr>
+              <a:t>	</a:t>
+            </a:r>
+            <a:r>
+              <a:rPr lang="en-GB" dirty="0">
+                <a:solidFill>
+                  <a:srgbClr val="0000FF"/>
+                </a:solidFill>
+                <a:latin typeface="APL385 Unicode" panose="020B0709000202000203" pitchFamily="49" charset="0"/>
+              </a:rPr>
+              <a:t>∪</a:t>
+            </a:r>
+            <a:r>
+              <a:rPr lang="en-GB" dirty="0">
+                <a:latin typeface="APL385 Unicode" panose="020B0709000202000203" pitchFamily="49" charset="0"/>
+              </a:rPr>
+              <a:t>Y</a:t>
+            </a:r>
+          </a:p>
+          <a:p>
+            <a:pPr marL="0" indent="0" algn="ctr">
+              <a:buNone/>
+              <a:tabLst>
+                <a:tab pos="2743200" algn="ctr"/>
+                <a:tab pos="4114800" algn="ctr"/>
+                <a:tab pos="5486400" algn="ctr"/>
+              </a:tabLst>
+            </a:pPr>
+            <a:r>
+              <a:rPr lang="en-GB" dirty="0"/>
+              <a:t>as</a:t>
+            </a:r>
+          </a:p>
+          <a:p>
+            <a:pPr marL="0" indent="0">
+              <a:buNone/>
+              <a:tabLst>
+                <a:tab pos="2743200" algn="ctr"/>
+                <a:tab pos="4114800" algn="ctr"/>
+                <a:tab pos="5486400" algn="ctr"/>
+              </a:tabLst>
+            </a:pPr>
+            <a:r>
+              <a:rPr lang="en-GB" dirty="0">
+                <a:latin typeface="APL385 Unicode" panose="020B0709000202000203" pitchFamily="49" charset="0"/>
+              </a:rPr>
+              <a:t>	</a:t>
+            </a:r>
+            <a:r>
+              <a:rPr lang="en-GB" dirty="0">
+                <a:solidFill>
+                  <a:srgbClr val="0000FF"/>
+                </a:solidFill>
+                <a:latin typeface="APL385 Unicode" panose="020B0709000202000203" pitchFamily="49" charset="0"/>
+              </a:rPr>
+              <a:t>⍋</a:t>
+            </a:r>
+            <a:r>
+              <a:rPr lang="en-GB" dirty="0">
+                <a:latin typeface="APL385 Unicode" panose="020B0709000202000203" pitchFamily="49" charset="0"/>
+              </a:rPr>
+              <a:t>Y	</a:t>
+            </a:r>
+            <a:r>
+              <a:rPr lang="en-GB" dirty="0"/>
+              <a:t>is to</a:t>
+            </a:r>
+            <a:r>
+              <a:rPr lang="en-GB" dirty="0">
+                <a:latin typeface="APL385 Unicode" panose="020B0709000202000203" pitchFamily="49" charset="0"/>
+              </a:rPr>
+              <a:t>	Sort Y</a:t>
+            </a:r>
+          </a:p>
+        </p:txBody>
+      </p:sp>
+      <p:sp>
+        <p:nvSpPr>
+          <p:cNvPr id="4" name="Content Placeholder 3">
+            <a:extLst>
+              <a:ext uri="{FF2B5EF4-FFF2-40B4-BE49-F238E27FC236}">
+                <a16:creationId xmlns:a16="http://schemas.microsoft.com/office/drawing/2014/main" id="{A4B8E383-6CFB-4F30-87D1-6788BA5A707F}"/>
+              </a:ext>
+            </a:extLst>
+          </p:cNvPr>
+          <p:cNvSpPr>
+            <a:spLocks noGrp="1"/>
+          </p:cNvSpPr>
+          <p:nvPr>
+            <p:ph sz="quarter" idx="4294967295"/>
+          </p:nvPr>
+        </p:nvSpPr>
+        <p:spPr>
+          <a:xfrm>
+            <a:off x="5929200" y="2917869"/>
+            <a:ext cx="3214800" cy="2225631"/>
+          </a:xfrm>
+        </p:spPr>
+        <p:txBody>
+          <a:bodyPr/>
+          <a:lstStyle/>
+          <a:p>
+            <a:endParaRPr lang="en-GB"/>
+          </a:p>
+        </p:txBody>
+      </p:sp>
+    </p:spTree>
+    <p:extLst>
+      <p:ext uri="{BB962C8B-B14F-4D97-AF65-F5344CB8AC3E}">
+        <p14:creationId xmlns:p14="http://schemas.microsoft.com/office/powerpoint/2010/main" val="636406795"/>
+      </p:ext>
+    </p:extLst>
+  </p:cSld>
+  <p:clrMapOvr>
+    <a:masterClrMapping/>
+  </p:clrMapOvr>
+</p:sld>
+</file>
+
+<file path=ppt/slides/slide21.xml><?xml version="1.0" encoding="utf-8"?>
+<p:sld xmlns:a="http://schemas.openxmlformats.org/drawingml/2006/main" xmlns:r="http://schemas.openxmlformats.org/officeDocument/2006/relationships" xmlns:p="http://schemas.openxmlformats.org/presentationml/2006/main">
+  <p:cSld>
+    <p:spTree>
+      <p:nvGrpSpPr>
+        <p:cNvPr id="1" name=""/>
+        <p:cNvGrpSpPr/>
+        <p:nvPr/>
+      </p:nvGrpSpPr>
+      <p:grpSpPr>
+        <a:xfrm>
+          <a:off x="0" y="0"/>
+          <a:ext cx="0" cy="0"/>
+          <a:chOff x="0" y="0"/>
+          <a:chExt cx="0" cy="0"/>
+        </a:xfrm>
+      </p:grpSpPr>
+      <p:sp>
+        <p:nvSpPr>
+          <p:cNvPr id="2" name="Title 1">
+            <a:extLst>
+              <a:ext uri="{FF2B5EF4-FFF2-40B4-BE49-F238E27FC236}">
+                <a16:creationId xmlns:a16="http://schemas.microsoft.com/office/drawing/2014/main" id="{0322C2FF-10CD-4DB2-9FD3-36FE1105D5ED}"/>
+              </a:ext>
+            </a:extLst>
+          </p:cNvPr>
+          <p:cNvSpPr>
+            <a:spLocks noGrp="1"/>
+          </p:cNvSpPr>
+          <p:nvPr>
+            <p:ph type="title"/>
+          </p:nvPr>
+        </p:nvSpPr>
+        <p:spPr/>
+        <p:txBody>
+          <a:bodyPr/>
+          <a:lstStyle/>
+          <a:p>
+            <a:r>
+              <a:rPr lang="en-GB" dirty="0">
+                <a:solidFill>
+                  <a:srgbClr val="0000FF"/>
+                </a:solidFill>
+                <a:latin typeface="APL385 Unicode" panose="020B0709000202000203" pitchFamily="49" charset="0"/>
+              </a:rPr>
+              <a:t>⍋</a:t>
+            </a:r>
+            <a:r>
+              <a:rPr lang="en-GB" dirty="0">
+                <a:latin typeface="APL385 Unicode" panose="020B0709000202000203" pitchFamily="49" charset="0"/>
+              </a:rPr>
+              <a:t>Y </a:t>
+            </a:r>
+            <a:r>
+              <a:rPr lang="en-GB" dirty="0"/>
+              <a:t>vs</a:t>
+            </a:r>
+            <a:r>
+              <a:rPr lang="en-GB" dirty="0">
+                <a:latin typeface="APL385 Unicode" panose="020B0709000202000203" pitchFamily="49" charset="0"/>
+              </a:rPr>
+              <a:t> Sort Y</a:t>
+            </a:r>
+          </a:p>
+        </p:txBody>
+      </p:sp>
+      <p:sp>
+        <p:nvSpPr>
+          <p:cNvPr id="3" name="Content Placeholder 2">
+            <a:extLst>
+              <a:ext uri="{FF2B5EF4-FFF2-40B4-BE49-F238E27FC236}">
+                <a16:creationId xmlns:a16="http://schemas.microsoft.com/office/drawing/2014/main" id="{19D925A1-F490-4BB4-A321-0570F0B166F0}"/>
+              </a:ext>
+            </a:extLst>
+          </p:cNvPr>
+          <p:cNvSpPr>
+            <a:spLocks noGrp="1"/>
+          </p:cNvSpPr>
+          <p:nvPr>
+            <p:ph idx="1"/>
+          </p:nvPr>
+        </p:nvSpPr>
+        <p:spPr/>
+        <p:txBody>
+          <a:bodyPr/>
+          <a:lstStyle/>
+          <a:p>
+            <a:pPr marL="0" indent="0">
+              <a:buNone/>
+            </a:pPr>
+            <a:r>
+              <a:rPr lang="en-GB" dirty="0">
+                <a:latin typeface="APL385 Unicode" panose="020B0709000202000203" pitchFamily="49" charset="0"/>
+              </a:rPr>
+              <a:t>      Sort </a:t>
+            </a:r>
+            <a:r>
+              <a:rPr lang="en-GB" dirty="0">
+                <a:solidFill>
+                  <a:srgbClr val="494949"/>
+                </a:solidFill>
+                <a:latin typeface="APL385 Unicode" panose="020B0709000202000203" pitchFamily="49" charset="0"/>
+              </a:rPr>
+              <a:t>3 1 4 1 5</a:t>
+            </a:r>
+          </a:p>
+          <a:p>
+            <a:pPr marL="0" indent="0">
+              <a:buNone/>
+            </a:pPr>
+            <a:r>
+              <a:rPr lang="en-GB" dirty="0">
+                <a:latin typeface="APL385 Unicode" panose="020B0709000202000203" pitchFamily="49" charset="0"/>
+              </a:rPr>
+              <a:t>1 1 3 4 5</a:t>
+            </a:r>
+          </a:p>
+          <a:p>
+            <a:pPr marL="0" indent="0">
+              <a:buNone/>
+            </a:pPr>
+            <a:r>
+              <a:rPr lang="en-GB" dirty="0">
+                <a:latin typeface="APL385 Unicode" panose="020B0709000202000203" pitchFamily="49" charset="0"/>
+              </a:rPr>
+              <a:t>      </a:t>
+            </a:r>
+            <a:r>
+              <a:rPr lang="en-GB" dirty="0">
+                <a:solidFill>
+                  <a:srgbClr val="0000FF"/>
+                </a:solidFill>
+                <a:latin typeface="APL385 Unicode" panose="020B0709000202000203" pitchFamily="49" charset="0"/>
+              </a:rPr>
+              <a:t>⍋ </a:t>
+            </a:r>
+            <a:r>
+              <a:rPr lang="en-GB" dirty="0">
+                <a:solidFill>
+                  <a:srgbClr val="494949"/>
+                </a:solidFill>
+                <a:latin typeface="APL385 Unicode" panose="020B0709000202000203" pitchFamily="49" charset="0"/>
+              </a:rPr>
+              <a:t>3 1 4 1 5</a:t>
+            </a:r>
+          </a:p>
+          <a:p>
+            <a:pPr marL="0" indent="0">
+              <a:buNone/>
+            </a:pPr>
+            <a:r>
+              <a:rPr lang="en-GB" dirty="0">
+                <a:latin typeface="APL385 Unicode" panose="020B0709000202000203" pitchFamily="49" charset="0"/>
+              </a:rPr>
+              <a:t>2 4 1 3 5</a:t>
+            </a:r>
+          </a:p>
+          <a:p>
+            <a:pPr marL="0" indent="0">
+              <a:buNone/>
+            </a:pPr>
+            <a:r>
+              <a:rPr lang="en-GB" dirty="0">
+                <a:latin typeface="APL385 Unicode" panose="020B0709000202000203" pitchFamily="49" charset="0"/>
+              </a:rPr>
+              <a:t>      </a:t>
+            </a:r>
+            <a:r>
+              <a:rPr lang="en-GB" dirty="0">
+                <a:solidFill>
+                  <a:srgbClr val="494949"/>
+                </a:solidFill>
+                <a:latin typeface="APL385 Unicode" panose="020B0709000202000203" pitchFamily="49" charset="0"/>
+              </a:rPr>
+              <a:t>'Moses'</a:t>
+            </a:r>
+            <a:r>
+              <a:rPr lang="en-GB" dirty="0">
+                <a:solidFill>
+                  <a:srgbClr val="0000FF"/>
+                </a:solidFill>
+                <a:latin typeface="APL385 Unicode" panose="020B0709000202000203" pitchFamily="49" charset="0"/>
+              </a:rPr>
+              <a:t>[</a:t>
+            </a:r>
+            <a:r>
+              <a:rPr lang="en-GB" dirty="0">
+                <a:solidFill>
+                  <a:srgbClr val="494949"/>
+                </a:solidFill>
+                <a:latin typeface="APL385 Unicode" panose="020B0709000202000203" pitchFamily="49" charset="0"/>
+              </a:rPr>
+              <a:t>2 4 1 3 5</a:t>
+            </a:r>
+            <a:r>
+              <a:rPr lang="en-GB" dirty="0">
+                <a:solidFill>
+                  <a:srgbClr val="0000FF"/>
+                </a:solidFill>
+                <a:latin typeface="APL385 Unicode" panose="020B0709000202000203" pitchFamily="49" charset="0"/>
+              </a:rPr>
+              <a:t>]</a:t>
+            </a:r>
+          </a:p>
+          <a:p>
+            <a:pPr marL="0" indent="0">
+              <a:buNone/>
+            </a:pPr>
+            <a:r>
+              <a:rPr lang="en-GB" dirty="0" err="1">
+                <a:latin typeface="APL385 Unicode" panose="020B0709000202000203" pitchFamily="49" charset="0"/>
+              </a:rPr>
+              <a:t>oeMss</a:t>
+            </a:r>
+            <a:endParaRPr lang="en-GB" dirty="0">
+              <a:latin typeface="APL385 Unicode" panose="020B0709000202000203" pitchFamily="49" charset="0"/>
+            </a:endParaRPr>
+          </a:p>
+        </p:txBody>
+      </p:sp>
+      <p:sp>
+        <p:nvSpPr>
+          <p:cNvPr id="4" name="Content Placeholder 3">
+            <a:extLst>
+              <a:ext uri="{FF2B5EF4-FFF2-40B4-BE49-F238E27FC236}">
+                <a16:creationId xmlns:a16="http://schemas.microsoft.com/office/drawing/2014/main" id="{889F208F-8544-4186-AAB6-E4AE943013A2}"/>
+              </a:ext>
+            </a:extLst>
+          </p:cNvPr>
+          <p:cNvSpPr>
+            <a:spLocks noGrp="1"/>
+          </p:cNvSpPr>
+          <p:nvPr>
+            <p:ph sz="quarter" idx="4294967295"/>
+          </p:nvPr>
+        </p:nvSpPr>
+        <p:spPr>
+          <a:xfrm>
+            <a:off x="5929200" y="2917869"/>
+            <a:ext cx="3214800" cy="2225631"/>
+          </a:xfrm>
+        </p:spPr>
+        <p:txBody>
+          <a:bodyPr/>
+          <a:lstStyle/>
+          <a:p>
+            <a:endParaRPr lang="en-GB"/>
+          </a:p>
+        </p:txBody>
+      </p:sp>
+    </p:spTree>
+    <p:extLst>
+      <p:ext uri="{BB962C8B-B14F-4D97-AF65-F5344CB8AC3E}">
+        <p14:creationId xmlns:p14="http://schemas.microsoft.com/office/powerpoint/2010/main" val="3214879527"/>
+      </p:ext>
+    </p:extLst>
+  </p:cSld>
+  <p:clrMapOvr>
+    <a:masterClrMapping/>
+  </p:clrMapOvr>
+</p:sld>
+</file>
+
+<file path=ppt/slides/slide22.xml><?xml version="1.0" encoding="utf-8"?>
+<p:sld xmlns:a="http://schemas.openxmlformats.org/drawingml/2006/main" xmlns:r="http://schemas.openxmlformats.org/officeDocument/2006/relationships" xmlns:p="http://schemas.openxmlformats.org/presentationml/2006/main">
+  <p:cSld>
+    <p:spTree>
+      <p:nvGrpSpPr>
+        <p:cNvPr id="1" name=""/>
+        <p:cNvGrpSpPr/>
+        <p:nvPr/>
+      </p:nvGrpSpPr>
+      <p:grpSpPr>
+        <a:xfrm>
+          <a:off x="0" y="0"/>
+          <a:ext cx="0" cy="0"/>
+          <a:chOff x="0" y="0"/>
+          <a:chExt cx="0" cy="0"/>
+        </a:xfrm>
+      </p:grpSpPr>
+      <p:sp>
+        <p:nvSpPr>
+          <p:cNvPr id="2" name="Title 1">
+            <a:extLst>
+              <a:ext uri="{FF2B5EF4-FFF2-40B4-BE49-F238E27FC236}">
+                <a16:creationId xmlns:a16="http://schemas.microsoft.com/office/drawing/2014/main" id="{0322C2FF-10CD-4DB2-9FD3-36FE1105D5ED}"/>
+              </a:ext>
+            </a:extLst>
+          </p:cNvPr>
+          <p:cNvSpPr>
+            <a:spLocks noGrp="1"/>
+          </p:cNvSpPr>
+          <p:nvPr>
+            <p:ph type="title"/>
+          </p:nvPr>
+        </p:nvSpPr>
+        <p:spPr/>
+        <p:txBody>
+          <a:bodyPr/>
+          <a:lstStyle/>
+          <a:p>
+            <a:r>
+              <a:rPr lang="en-GB" dirty="0">
+                <a:solidFill>
+                  <a:srgbClr val="0000FF"/>
+                </a:solidFill>
+                <a:latin typeface="APL385 Unicode" panose="020B0709000202000203" pitchFamily="49" charset="0"/>
+              </a:rPr>
+              <a:t>≠</a:t>
+            </a:r>
+            <a:r>
+              <a:rPr lang="en-GB" dirty="0">
+                <a:latin typeface="APL385 Unicode" panose="020B0709000202000203" pitchFamily="49" charset="0"/>
+              </a:rPr>
+              <a:t>Y </a:t>
+            </a:r>
+            <a:r>
+              <a:rPr lang="en-GB" dirty="0"/>
+              <a:t>vs</a:t>
+            </a:r>
+            <a:r>
+              <a:rPr lang="en-GB" dirty="0">
+                <a:latin typeface="APL385 Unicode" panose="020B0709000202000203" pitchFamily="49" charset="0"/>
+              </a:rPr>
+              <a:t> </a:t>
+            </a:r>
+            <a:r>
+              <a:rPr lang="en-GB" dirty="0">
+                <a:solidFill>
+                  <a:srgbClr val="0000FF"/>
+                </a:solidFill>
+                <a:latin typeface="APL385 Unicode" panose="020B0709000202000203" pitchFamily="49" charset="0"/>
+              </a:rPr>
+              <a:t>∪</a:t>
+            </a:r>
+            <a:r>
+              <a:rPr lang="en-GB" dirty="0">
+                <a:latin typeface="APL385 Unicode" panose="020B0709000202000203" pitchFamily="49" charset="0"/>
+              </a:rPr>
+              <a:t>Y</a:t>
+            </a:r>
+          </a:p>
+        </p:txBody>
+      </p:sp>
+      <p:sp>
+        <p:nvSpPr>
+          <p:cNvPr id="3" name="Content Placeholder 2">
+            <a:extLst>
+              <a:ext uri="{FF2B5EF4-FFF2-40B4-BE49-F238E27FC236}">
+                <a16:creationId xmlns:a16="http://schemas.microsoft.com/office/drawing/2014/main" id="{19D925A1-F490-4BB4-A321-0570F0B166F0}"/>
+              </a:ext>
+            </a:extLst>
+          </p:cNvPr>
+          <p:cNvSpPr>
+            <a:spLocks noGrp="1"/>
+          </p:cNvSpPr>
+          <p:nvPr>
+            <p:ph idx="1"/>
+          </p:nvPr>
+        </p:nvSpPr>
+        <p:spPr/>
+        <p:txBody>
+          <a:bodyPr>
+            <a:normAutofit/>
+          </a:bodyPr>
+          <a:lstStyle/>
+          <a:p>
+            <a:pPr marL="0" indent="0">
+              <a:buNone/>
+            </a:pPr>
+            <a:r>
+              <a:rPr lang="en-GB" dirty="0">
+                <a:latin typeface="APL385 Unicode" panose="020B0709000202000203" pitchFamily="49" charset="0"/>
+              </a:rPr>
+              <a:t>      </a:t>
+            </a:r>
+            <a:r>
+              <a:rPr lang="en-GB" dirty="0">
+                <a:solidFill>
+                  <a:srgbClr val="0000FF"/>
+                </a:solidFill>
+                <a:latin typeface="APL385 Unicode" panose="020B0709000202000203" pitchFamily="49" charset="0"/>
+              </a:rPr>
+              <a:t>∪</a:t>
+            </a:r>
+            <a:r>
+              <a:rPr lang="en-GB" dirty="0">
+                <a:latin typeface="APL385 Unicode" panose="020B0709000202000203" pitchFamily="49" charset="0"/>
+              </a:rPr>
+              <a:t> </a:t>
+            </a:r>
+            <a:r>
+              <a:rPr lang="en-GB" dirty="0">
+                <a:solidFill>
+                  <a:srgbClr val="494949"/>
+                </a:solidFill>
+                <a:latin typeface="APL385 Unicode" panose="020B0709000202000203" pitchFamily="49" charset="0"/>
+              </a:rPr>
+              <a:t>3 1 4 1 5</a:t>
+            </a:r>
+          </a:p>
+          <a:p>
+            <a:pPr marL="0" indent="0">
+              <a:buNone/>
+            </a:pPr>
+            <a:r>
+              <a:rPr lang="en-GB" dirty="0">
+                <a:latin typeface="APL385 Unicode" panose="020B0709000202000203" pitchFamily="49" charset="0"/>
+              </a:rPr>
+              <a:t>3 1 4 5</a:t>
+            </a:r>
+          </a:p>
+          <a:p>
+            <a:pPr marL="0" indent="0">
+              <a:buNone/>
+            </a:pPr>
+            <a:r>
+              <a:rPr lang="en-GB" dirty="0">
+                <a:latin typeface="APL385 Unicode" panose="020B0709000202000203" pitchFamily="49" charset="0"/>
+              </a:rPr>
+              <a:t>      </a:t>
+            </a:r>
+            <a:r>
+              <a:rPr lang="en-GB" dirty="0">
+                <a:solidFill>
+                  <a:srgbClr val="0000FF"/>
+                </a:solidFill>
+                <a:latin typeface="APL385 Unicode" panose="020B0709000202000203" pitchFamily="49" charset="0"/>
+              </a:rPr>
+              <a:t>≠ </a:t>
+            </a:r>
+            <a:r>
+              <a:rPr lang="en-GB" dirty="0">
+                <a:solidFill>
+                  <a:srgbClr val="494949"/>
+                </a:solidFill>
+                <a:latin typeface="APL385 Unicode" panose="020B0709000202000203" pitchFamily="49" charset="0"/>
+              </a:rPr>
+              <a:t>3 1 4 1 5</a:t>
+            </a:r>
+          </a:p>
+          <a:p>
+            <a:pPr marL="0" indent="0">
+              <a:buNone/>
+            </a:pPr>
+            <a:r>
+              <a:rPr lang="en-GB" dirty="0">
+                <a:latin typeface="APL385 Unicode" panose="020B0709000202000203" pitchFamily="49" charset="0"/>
+              </a:rPr>
+              <a:t>1 1 1 0 1</a:t>
+            </a:r>
+          </a:p>
+          <a:p>
+            <a:pPr marL="0" indent="0">
+              <a:buNone/>
+            </a:pPr>
+            <a:r>
+              <a:rPr lang="en-GB" dirty="0">
+                <a:latin typeface="APL385 Unicode" panose="020B0709000202000203" pitchFamily="49" charset="0"/>
+              </a:rPr>
+              <a:t>      </a:t>
+            </a:r>
+            <a:r>
+              <a:rPr lang="en-GB" dirty="0">
+                <a:solidFill>
+                  <a:srgbClr val="494949"/>
+                </a:solidFill>
+                <a:latin typeface="APL385 Unicode" panose="020B0709000202000203" pitchFamily="49" charset="0"/>
+              </a:rPr>
+              <a:t>1 1 1 0 1</a:t>
+            </a:r>
+            <a:r>
+              <a:rPr lang="en-GB" dirty="0">
+                <a:latin typeface="APL385 Unicode" panose="020B0709000202000203" pitchFamily="49" charset="0"/>
+              </a:rPr>
+              <a:t> </a:t>
+            </a:r>
+            <a:r>
+              <a:rPr lang="en-GB" dirty="0">
+                <a:solidFill>
+                  <a:srgbClr val="0000FF"/>
+                </a:solidFill>
+                <a:latin typeface="APL385 Unicode" panose="020B0709000202000203" pitchFamily="49" charset="0"/>
+              </a:rPr>
+              <a:t>/</a:t>
+            </a:r>
+            <a:r>
+              <a:rPr lang="en-GB" dirty="0">
+                <a:latin typeface="APL385 Unicode" panose="020B0709000202000203" pitchFamily="49" charset="0"/>
+              </a:rPr>
+              <a:t> </a:t>
+            </a:r>
+            <a:r>
+              <a:rPr lang="en-GB" dirty="0">
+                <a:solidFill>
+                  <a:srgbClr val="494949"/>
+                </a:solidFill>
+                <a:latin typeface="APL385 Unicode" panose="020B0709000202000203" pitchFamily="49" charset="0"/>
+              </a:rPr>
+              <a:t>'Moses'</a:t>
+            </a:r>
+          </a:p>
+          <a:p>
+            <a:pPr marL="0" indent="0">
+              <a:buNone/>
+            </a:pPr>
+            <a:r>
+              <a:rPr lang="en-GB" dirty="0">
+                <a:latin typeface="APL385 Unicode" panose="020B0709000202000203" pitchFamily="49" charset="0"/>
+              </a:rPr>
+              <a:t>Moss</a:t>
+            </a:r>
+          </a:p>
+        </p:txBody>
+      </p:sp>
+      <p:sp>
+        <p:nvSpPr>
+          <p:cNvPr id="4" name="Content Placeholder 3">
+            <a:extLst>
+              <a:ext uri="{FF2B5EF4-FFF2-40B4-BE49-F238E27FC236}">
+                <a16:creationId xmlns:a16="http://schemas.microsoft.com/office/drawing/2014/main" id="{889F208F-8544-4186-AAB6-E4AE943013A2}"/>
+              </a:ext>
+            </a:extLst>
+          </p:cNvPr>
+          <p:cNvSpPr>
+            <a:spLocks noGrp="1"/>
+          </p:cNvSpPr>
+          <p:nvPr>
+            <p:ph sz="quarter" idx="4294967295"/>
+          </p:nvPr>
+        </p:nvSpPr>
+        <p:spPr>
+          <a:xfrm>
+            <a:off x="5929200" y="2917869"/>
+            <a:ext cx="3214800" cy="2225631"/>
+          </a:xfrm>
+        </p:spPr>
+        <p:txBody>
+          <a:bodyPr/>
+          <a:lstStyle/>
+          <a:p>
+            <a:endParaRPr lang="en-GB"/>
+          </a:p>
+        </p:txBody>
+      </p:sp>
+    </p:spTree>
+    <p:extLst>
+      <p:ext uri="{BB962C8B-B14F-4D97-AF65-F5344CB8AC3E}">
+        <p14:creationId xmlns:p14="http://schemas.microsoft.com/office/powerpoint/2010/main" val="3470889931"/>
+      </p:ext>
+    </p:extLst>
+  </p:cSld>
+  <p:clrMapOvr>
+    <a:masterClrMapping/>
+  </p:clrMapOvr>
+</p:sld>
+</file>
+
+<file path=ppt/slides/slide23.xml><?xml version="1.0" encoding="utf-8"?>
+<p:sld xmlns:a="http://schemas.openxmlformats.org/drawingml/2006/main" xmlns:r="http://schemas.openxmlformats.org/officeDocument/2006/relationships" xmlns:p="http://schemas.openxmlformats.org/presentationml/2006/main">
+  <p:cSld>
+    <p:spTree>
+      <p:nvGrpSpPr>
+        <p:cNvPr id="1" name=""/>
+        <p:cNvGrpSpPr/>
+        <p:nvPr/>
+      </p:nvGrpSpPr>
+      <p:grpSpPr>
+        <a:xfrm>
+          <a:off x="0" y="0"/>
+          <a:ext cx="0" cy="0"/>
+          <a:chOff x="0" y="0"/>
+          <a:chExt cx="0" cy="0"/>
+        </a:xfrm>
+      </p:grpSpPr>
+      <p:sp>
+        <p:nvSpPr>
+          <p:cNvPr id="2" name="Title 1">
+            <a:extLst>
+              <a:ext uri="{FF2B5EF4-FFF2-40B4-BE49-F238E27FC236}">
+                <a16:creationId xmlns:a16="http://schemas.microsoft.com/office/drawing/2014/main" id="{0637BC18-939A-567D-62E4-36AFEBA5910C}"/>
+              </a:ext>
+            </a:extLst>
+          </p:cNvPr>
+          <p:cNvSpPr>
+            <a:spLocks noGrp="1"/>
+          </p:cNvSpPr>
+          <p:nvPr>
+            <p:ph type="title"/>
+          </p:nvPr>
+        </p:nvSpPr>
+        <p:spPr/>
+        <p:txBody>
+          <a:bodyPr/>
+          <a:lstStyle/>
+          <a:p>
+            <a:r>
+              <a:rPr lang="en-GB" dirty="0"/>
+              <a:t>Where</a:t>
+            </a:r>
+          </a:p>
+        </p:txBody>
+      </p:sp>
+      <p:sp>
+        <p:nvSpPr>
+          <p:cNvPr id="3" name="Content Placeholder 2">
+            <a:extLst>
+              <a:ext uri="{FF2B5EF4-FFF2-40B4-BE49-F238E27FC236}">
+                <a16:creationId xmlns:a16="http://schemas.microsoft.com/office/drawing/2014/main" id="{51E2D692-5C66-4F5D-6305-68B7DCB31034}"/>
+              </a:ext>
+            </a:extLst>
+          </p:cNvPr>
+          <p:cNvSpPr>
+            <a:spLocks noGrp="1"/>
+          </p:cNvSpPr>
+          <p:nvPr>
+            <p:ph idx="1"/>
+          </p:nvPr>
+        </p:nvSpPr>
+        <p:spPr/>
+        <p:txBody>
+          <a:bodyPr/>
+          <a:lstStyle/>
+          <a:p>
+            <a:pPr marL="0" indent="0">
+              <a:buNone/>
+            </a:pPr>
+            <a:r>
+              <a:rPr lang="en-GB" dirty="0"/>
+              <a:t>Now accepts non-negative integers (not just Bool!)</a:t>
+            </a:r>
+          </a:p>
+        </p:txBody>
+      </p:sp>
+      <p:sp>
+        <p:nvSpPr>
+          <p:cNvPr id="4" name="Content Placeholder 3">
+            <a:extLst>
+              <a:ext uri="{FF2B5EF4-FFF2-40B4-BE49-F238E27FC236}">
+                <a16:creationId xmlns:a16="http://schemas.microsoft.com/office/drawing/2014/main" id="{8D39B7F2-BC83-CD36-02D9-CE536A5CAF90}"/>
+              </a:ext>
+            </a:extLst>
+          </p:cNvPr>
+          <p:cNvSpPr>
+            <a:spLocks noGrp="1"/>
+          </p:cNvSpPr>
+          <p:nvPr>
+            <p:ph sz="quarter" idx="12"/>
+          </p:nvPr>
+        </p:nvSpPr>
+        <p:spPr/>
+        <p:txBody>
+          <a:bodyPr/>
+          <a:lstStyle/>
+          <a:p>
+            <a:endParaRPr lang="en-GB"/>
+          </a:p>
+        </p:txBody>
+      </p:sp>
+    </p:spTree>
+    <p:extLst>
+      <p:ext uri="{BB962C8B-B14F-4D97-AF65-F5344CB8AC3E}">
+        <p14:creationId xmlns:p14="http://schemas.microsoft.com/office/powerpoint/2010/main" val="761054829"/>
+      </p:ext>
+    </p:extLst>
+  </p:cSld>
+  <p:clrMapOvr>
+    <a:masterClrMapping/>
+  </p:clrMapOvr>
+</p:sld>
+</file>
+
+<file path=ppt/slides/slide24.xml><?xml version="1.0" encoding="utf-8"?>
+<p:sld xmlns:a="http://schemas.openxmlformats.org/drawingml/2006/main" xmlns:r="http://schemas.openxmlformats.org/officeDocument/2006/relationships" xmlns:p="http://schemas.openxmlformats.org/presentationml/2006/main">
+  <p:cSld>
+    <p:spTree>
+      <p:nvGrpSpPr>
+        <p:cNvPr id="1" name=""/>
+        <p:cNvGrpSpPr/>
+        <p:nvPr/>
+      </p:nvGrpSpPr>
+      <p:grpSpPr>
+        <a:xfrm>
+          <a:off x="0" y="0"/>
+          <a:ext cx="0" cy="0"/>
+          <a:chOff x="0" y="0"/>
+          <a:chExt cx="0" cy="0"/>
+        </a:xfrm>
+      </p:grpSpPr>
+      <p:sp>
+        <p:nvSpPr>
+          <p:cNvPr id="2" name="Title 1">
+            <a:extLst>
+              <a:ext uri="{FF2B5EF4-FFF2-40B4-BE49-F238E27FC236}">
+                <a16:creationId xmlns:a16="http://schemas.microsoft.com/office/drawing/2014/main" id="{F007BB04-F697-4219-BF54-058B09D498B7}"/>
+              </a:ext>
+            </a:extLst>
+          </p:cNvPr>
+          <p:cNvSpPr>
+            <a:spLocks noGrp="1"/>
+          </p:cNvSpPr>
+          <p:nvPr>
+            <p:ph type="title"/>
+          </p:nvPr>
+        </p:nvSpPr>
+        <p:spPr/>
+        <p:txBody>
+          <a:bodyPr/>
+          <a:lstStyle/>
+          <a:p>
+            <a:r>
+              <a:rPr lang="en-GB" dirty="0"/>
+              <a:t>History</a:t>
+            </a:r>
+          </a:p>
+        </p:txBody>
+      </p:sp>
+      <p:sp>
+        <p:nvSpPr>
+          <p:cNvPr id="3" name="Content Placeholder 2">
+            <a:extLst>
+              <a:ext uri="{FF2B5EF4-FFF2-40B4-BE49-F238E27FC236}">
+                <a16:creationId xmlns:a16="http://schemas.microsoft.com/office/drawing/2014/main" id="{44B81363-7B7D-43CC-82A6-89126558816D}"/>
+              </a:ext>
+            </a:extLst>
+          </p:cNvPr>
+          <p:cNvSpPr>
+            <a:spLocks noGrp="1"/>
+          </p:cNvSpPr>
+          <p:nvPr>
+            <p:ph idx="1"/>
+          </p:nvPr>
+        </p:nvSpPr>
+        <p:spPr>
+          <a:xfrm>
+            <a:off x="323527" y="1446625"/>
+            <a:ext cx="12529393" cy="3555395"/>
+          </a:xfrm>
+        </p:spPr>
+        <p:txBody>
+          <a:bodyPr>
+            <a:normAutofit/>
+          </a:bodyPr>
+          <a:lstStyle/>
+          <a:p>
+            <a:pPr marL="0" indent="0">
+              <a:spcBef>
+                <a:spcPts val="0"/>
+              </a:spcBef>
+              <a:buNone/>
+            </a:pPr>
+            <a:r>
+              <a:rPr lang="en-GB" sz="2000" cap="all" dirty="0">
+                <a:latin typeface="APL385 Unicode" panose="020B0709000202000203" pitchFamily="49" charset="0"/>
+              </a:rPr>
+              <a:t>      </a:t>
+            </a:r>
+            <a:r>
+              <a:rPr lang="en-US" sz="2000" cap="all" dirty="0">
+                <a:latin typeface="APL385 Unicode" panose="020B0709000202000203" pitchFamily="49" charset="0"/>
+              </a:rPr>
+              <a:t>price</a:t>
+            </a:r>
+            <a:r>
+              <a:rPr lang="en-US" sz="2000" cap="all" dirty="0">
+                <a:solidFill>
+                  <a:srgbClr val="0000FF"/>
+                </a:solidFill>
+                <a:latin typeface="APL385 Unicode" panose="020B0709000202000203" pitchFamily="49" charset="0"/>
+              </a:rPr>
+              <a:t>←</a:t>
+            </a:r>
+            <a:r>
+              <a:rPr lang="en-US" sz="2000" cap="all" dirty="0">
+                <a:solidFill>
+                  <a:srgbClr val="494949"/>
+                </a:solidFill>
+                <a:latin typeface="APL385 Unicode" panose="020B0709000202000203" pitchFamily="49" charset="0"/>
+              </a:rPr>
+              <a:t>71 82 81 82 84 59</a:t>
+            </a:r>
+            <a:endParaRPr lang="en-GB" sz="2000" cap="all" dirty="0">
+              <a:solidFill>
+                <a:srgbClr val="494949"/>
+              </a:solidFill>
+              <a:latin typeface="APL385 Unicode" panose="020B0709000202000203" pitchFamily="49" charset="0"/>
+            </a:endParaRPr>
+          </a:p>
+          <a:p>
+            <a:pPr marL="0" indent="0">
+              <a:spcBef>
+                <a:spcPts val="0"/>
+              </a:spcBef>
+              <a:buNone/>
+            </a:pPr>
+            <a:r>
+              <a:rPr lang="en-GB" sz="2000" cap="all" dirty="0">
+                <a:latin typeface="APL385 Unicode" panose="020B0709000202000203" pitchFamily="49" charset="0"/>
+              </a:rPr>
+              <a:t>      </a:t>
+            </a:r>
+            <a:r>
+              <a:rPr lang="en-GB" sz="2000" cap="all" dirty="0">
+                <a:solidFill>
+                  <a:srgbClr val="0000FF"/>
+                </a:solidFill>
+                <a:latin typeface="APL385 Unicode" panose="020B0709000202000203" pitchFamily="49" charset="0"/>
+              </a:rPr>
+              <a:t>(</a:t>
+            </a:r>
+            <a:r>
+              <a:rPr lang="en-GB" sz="2000" cap="all" dirty="0">
+                <a:solidFill>
+                  <a:srgbClr val="494949"/>
+                </a:solidFill>
+                <a:latin typeface="APL385 Unicode" panose="020B0709000202000203" pitchFamily="49" charset="0"/>
+              </a:rPr>
+              <a:t>75</a:t>
+            </a:r>
+            <a:r>
+              <a:rPr lang="en-GB" sz="2000" cap="all" dirty="0">
+                <a:solidFill>
+                  <a:srgbClr val="0000FF"/>
+                </a:solidFill>
+                <a:latin typeface="APL385 Unicode" panose="020B0709000202000203" pitchFamily="49" charset="0"/>
+              </a:rPr>
+              <a:t>≤</a:t>
+            </a:r>
+            <a:r>
+              <a:rPr lang="en-US" sz="2000" cap="all" dirty="0">
+                <a:latin typeface="APL385 Unicode" panose="020B0709000202000203" pitchFamily="49" charset="0"/>
+              </a:rPr>
+              <a:t>price</a:t>
+            </a:r>
+            <a:r>
+              <a:rPr lang="en-GB" sz="2000" cap="all" dirty="0">
+                <a:solidFill>
+                  <a:srgbClr val="0000FF"/>
+                </a:solidFill>
+                <a:latin typeface="APL385 Unicode" panose="020B0709000202000203" pitchFamily="49" charset="0"/>
+              </a:rPr>
+              <a:t>)/</a:t>
+            </a:r>
+            <a:r>
+              <a:rPr lang="en-US" sz="2000" cap="all" dirty="0">
+                <a:latin typeface="APL385 Unicode" panose="020B0709000202000203" pitchFamily="49" charset="0"/>
+              </a:rPr>
+              <a:t>price</a:t>
+            </a:r>
+            <a:endParaRPr lang="en-GB" sz="2000" cap="all" dirty="0">
+              <a:latin typeface="APL385 Unicode" panose="020B0709000202000203" pitchFamily="49" charset="0"/>
+            </a:endParaRPr>
+          </a:p>
+          <a:p>
+            <a:pPr marL="0" indent="0">
+              <a:spcBef>
+                <a:spcPts val="0"/>
+              </a:spcBef>
+              <a:buNone/>
+            </a:pPr>
+            <a:r>
+              <a:rPr lang="en-GB" sz="2000" cap="all" dirty="0">
+                <a:latin typeface="APL385 Unicode" panose="020B0709000202000203" pitchFamily="49" charset="0"/>
+              </a:rPr>
+              <a:t>82 81 82 84</a:t>
+            </a:r>
+          </a:p>
+          <a:p>
+            <a:pPr marL="0" indent="0">
+              <a:spcBef>
+                <a:spcPts val="0"/>
+              </a:spcBef>
+              <a:buNone/>
+            </a:pPr>
+            <a:r>
+              <a:rPr lang="en-GB" sz="2000" cap="all" dirty="0">
+                <a:latin typeface="APL385 Unicode" panose="020B0709000202000203" pitchFamily="49" charset="0"/>
+              </a:rPr>
+              <a:t>      </a:t>
+            </a:r>
+            <a:r>
+              <a:rPr lang="en-GB" sz="2000" cap="all" dirty="0">
+                <a:solidFill>
+                  <a:srgbClr val="0000FF"/>
+                </a:solidFill>
+                <a:latin typeface="APL385 Unicode" panose="020B0709000202000203" pitchFamily="49" charset="0"/>
+              </a:rPr>
+              <a:t>(</a:t>
+            </a:r>
+            <a:r>
+              <a:rPr lang="en-GB" sz="2000" cap="all" dirty="0">
+                <a:solidFill>
+                  <a:srgbClr val="494949"/>
+                </a:solidFill>
+                <a:latin typeface="APL385 Unicode" panose="020B0709000202000203" pitchFamily="49" charset="0"/>
+              </a:rPr>
+              <a:t>75</a:t>
+            </a:r>
+            <a:r>
+              <a:rPr lang="en-GB" sz="2000" cap="all" dirty="0">
+                <a:solidFill>
+                  <a:srgbClr val="0000FF"/>
+                </a:solidFill>
+                <a:latin typeface="APL385 Unicode" panose="020B0709000202000203" pitchFamily="49" charset="0"/>
+              </a:rPr>
+              <a:t>≤</a:t>
+            </a:r>
+            <a:r>
+              <a:rPr lang="en-US" sz="2000" cap="all" dirty="0">
+                <a:latin typeface="APL385 Unicode" panose="020B0709000202000203" pitchFamily="49" charset="0"/>
+              </a:rPr>
+              <a:t>price</a:t>
+            </a:r>
+            <a:r>
+              <a:rPr lang="en-GB" sz="2000" cap="all" dirty="0">
+                <a:solidFill>
+                  <a:srgbClr val="0000FF"/>
+                </a:solidFill>
+                <a:latin typeface="APL385 Unicode" panose="020B0709000202000203" pitchFamily="49" charset="0"/>
+              </a:rPr>
+              <a:t>)/⍳⍴</a:t>
+            </a:r>
+            <a:r>
+              <a:rPr lang="en-US" sz="2000" cap="all" dirty="0">
+                <a:latin typeface="APL385 Unicode" panose="020B0709000202000203" pitchFamily="49" charset="0"/>
+              </a:rPr>
+              <a:t>price</a:t>
+            </a:r>
+            <a:endParaRPr lang="en-GB" sz="2000" cap="all" dirty="0">
+              <a:latin typeface="APL385 Unicode" panose="020B0709000202000203" pitchFamily="49" charset="0"/>
+            </a:endParaRPr>
+          </a:p>
+          <a:p>
+            <a:pPr marL="0" indent="0">
+              <a:spcBef>
+                <a:spcPts val="0"/>
+              </a:spcBef>
+              <a:buNone/>
+            </a:pPr>
+            <a:r>
+              <a:rPr lang="en-GB" sz="2000" cap="all" dirty="0">
+                <a:latin typeface="APL385 Unicode" panose="020B0709000202000203" pitchFamily="49" charset="0"/>
+              </a:rPr>
+              <a:t>2 3 4 5</a:t>
+            </a:r>
+          </a:p>
+        </p:txBody>
+      </p:sp>
+      <p:sp>
+        <p:nvSpPr>
+          <p:cNvPr id="7" name="66">
+            <a:extLst>
+              <a:ext uri="{FF2B5EF4-FFF2-40B4-BE49-F238E27FC236}">
+                <a16:creationId xmlns:a16="http://schemas.microsoft.com/office/drawing/2014/main" id="{B20FA708-3BF2-4366-AED5-D49CD2E82FAA}"/>
+              </a:ext>
+            </a:extLst>
+          </p:cNvPr>
+          <p:cNvSpPr/>
+          <p:nvPr/>
+        </p:nvSpPr>
+        <p:spPr>
+          <a:xfrm>
+            <a:off x="4707015" y="1899948"/>
+            <a:ext cx="1350150" cy="941832"/>
+          </a:xfrm>
+          <a:prstGeom prst="wedgeEllipseCallout">
+            <a:avLst>
+              <a:gd name="adj1" fmla="val -92560"/>
+              <a:gd name="adj2" fmla="val -43509"/>
+            </a:avLst>
+          </a:prstGeom>
+          <a:solidFill>
+            <a:schemeClr val="bg1"/>
+          </a:solidFill>
+          <a:ln>
+            <a:solidFill>
+              <a:srgbClr val="F58220"/>
+            </a:solidFill>
+          </a:ln>
+          <a:effectLst/>
+        </p:spPr>
+        <p:style>
+          <a:lnRef idx="2">
+            <a:schemeClr val="accent1">
+              <a:shade val="50000"/>
+            </a:schemeClr>
+          </a:lnRef>
+          <a:fillRef idx="1">
+            <a:schemeClr val="accent1"/>
+          </a:fillRef>
+          <a:effectRef idx="0">
+            <a:schemeClr val="accent1"/>
+          </a:effectRef>
+          <a:fontRef idx="minor">
+            <a:schemeClr val="lt1"/>
+          </a:fontRef>
+        </p:style>
+        <p:txBody>
+          <a:bodyPr lIns="0" tIns="0" rIns="0" bIns="0" rtlCol="0" anchor="ctr"/>
+          <a:lstStyle/>
+          <a:p>
+            <a:pPr algn="ctr"/>
+            <a:r>
+              <a:rPr lang="en-GB" sz="2400" dirty="0">
+                <a:solidFill>
+                  <a:schemeClr val="accent6">
+                    <a:lumMod val="75000"/>
+                  </a:schemeClr>
+                </a:solidFill>
+                <a:latin typeface="MV Boli" panose="02000500030200090000" pitchFamily="2" charset="0"/>
+                <a:cs typeface="MV Boli" panose="02000500030200090000" pitchFamily="2" charset="0"/>
+              </a:rPr>
+              <a:t>1966</a:t>
+            </a:r>
+          </a:p>
+        </p:txBody>
+      </p:sp>
+      <p:sp>
+        <p:nvSpPr>
+          <p:cNvPr id="8" name="60">
+            <a:extLst>
+              <a:ext uri="{FF2B5EF4-FFF2-40B4-BE49-F238E27FC236}">
+                <a16:creationId xmlns:a16="http://schemas.microsoft.com/office/drawing/2014/main" id="{3AF9C7EE-58AA-4679-8110-CAEBBD11DB9E}"/>
+              </a:ext>
+            </a:extLst>
+          </p:cNvPr>
+          <p:cNvSpPr/>
+          <p:nvPr/>
+        </p:nvSpPr>
+        <p:spPr>
+          <a:xfrm>
+            <a:off x="4707015" y="1899948"/>
+            <a:ext cx="1350150" cy="941832"/>
+          </a:xfrm>
+          <a:prstGeom prst="wedgeEllipseCallout">
+            <a:avLst>
+              <a:gd name="adj1" fmla="val -92560"/>
+              <a:gd name="adj2" fmla="val -43509"/>
+            </a:avLst>
+          </a:prstGeom>
+          <a:solidFill>
+            <a:schemeClr val="bg1"/>
+          </a:solidFill>
+          <a:ln>
+            <a:solidFill>
+              <a:srgbClr val="F58220"/>
+            </a:solidFill>
+          </a:ln>
+          <a:effectLst/>
+        </p:spPr>
+        <p:style>
+          <a:lnRef idx="2">
+            <a:schemeClr val="accent1">
+              <a:shade val="50000"/>
+            </a:schemeClr>
+          </a:lnRef>
+          <a:fillRef idx="1">
+            <a:schemeClr val="accent1"/>
+          </a:fillRef>
+          <a:effectRef idx="0">
+            <a:schemeClr val="accent1"/>
+          </a:effectRef>
+          <a:fontRef idx="minor">
+            <a:schemeClr val="lt1"/>
+          </a:fontRef>
+        </p:style>
+        <p:txBody>
+          <a:bodyPr lIns="0" tIns="0" rIns="0" bIns="0" rtlCol="0" anchor="ctr"/>
+          <a:lstStyle/>
+          <a:p>
+            <a:pPr algn="ctr"/>
+            <a:r>
+              <a:rPr lang="en-GB" sz="2400" dirty="0">
+                <a:solidFill>
+                  <a:schemeClr val="accent6">
+                    <a:lumMod val="75000"/>
+                  </a:schemeClr>
+                </a:solidFill>
+                <a:latin typeface="MV Boli" panose="02000500030200090000" pitchFamily="2" charset="0"/>
+                <a:cs typeface="MV Boli" panose="02000500030200090000" pitchFamily="2" charset="0"/>
+              </a:rPr>
+              <a:t>1960</a:t>
+            </a:r>
+          </a:p>
+        </p:txBody>
+      </p:sp>
+      <p:sp>
+        <p:nvSpPr>
+          <p:cNvPr id="4" name="Content Placeholder 3">
+            <a:extLst>
+              <a:ext uri="{FF2B5EF4-FFF2-40B4-BE49-F238E27FC236}">
+                <a16:creationId xmlns:a16="http://schemas.microsoft.com/office/drawing/2014/main" id="{B73D9B4A-829D-4692-8DA4-53DB8C3E5219}"/>
+              </a:ext>
+            </a:extLst>
+          </p:cNvPr>
+          <p:cNvSpPr>
+            <a:spLocks noGrp="1"/>
+          </p:cNvSpPr>
+          <p:nvPr>
+            <p:ph sz="quarter" idx="12"/>
+          </p:nvPr>
+        </p:nvSpPr>
+        <p:spPr/>
+        <p:txBody>
+          <a:bodyPr/>
+          <a:lstStyle/>
+          <a:p>
+            <a:endParaRPr lang="en-GB" dirty="0"/>
+          </a:p>
+        </p:txBody>
+      </p:sp>
+    </p:spTree>
+    <p:extLst>
+      <p:ext uri="{BB962C8B-B14F-4D97-AF65-F5344CB8AC3E}">
+        <p14:creationId xmlns:p14="http://schemas.microsoft.com/office/powerpoint/2010/main" val="3617691358"/>
+      </p:ext>
+    </p:extLst>
+  </p:cSld>
+  <p:clrMapOvr>
+    <a:masterClrMapping/>
+  </p:clrMapOvr>
+  <p:timing>
+    <p:tnLst>
+      <p:par>
+        <p:cTn id="1" dur="indefinite" restart="never" nodeType="tmRoot">
+          <p:childTnLst>
+            <p:seq concurrent="1" nextAc="seek">
+              <p:cTn id="2" dur="indefinite" nodeType="mainSeq">
+                <p:childTnLst>
+                  <p:par>
+                    <p:cTn id="3" fill="hold">
+                      <p:stCondLst>
+                        <p:cond delay="indefinite"/>
+                      </p:stCondLst>
+                      <p:childTnLst>
+                        <p:par>
+                          <p:cTn id="4" fill="hold">
+                            <p:stCondLst>
+                              <p:cond delay="0"/>
+                            </p:stCondLst>
+                            <p:childTnLst>
+                              <p:par>
+                                <p:cTn id="5" presetID="1" presetClass="entr" presetSubtype="0" fill="hold" nodeType="clickEffect">
+                                  <p:stCondLst>
+                                    <p:cond delay="0"/>
+                                  </p:stCondLst>
+                                  <p:childTnLst>
+                                    <p:set>
+                                      <p:cBhvr>
+                                        <p:cTn id="6" dur="1" fill="hold">
+                                          <p:stCondLst>
+                                            <p:cond delay="0"/>
+                                          </p:stCondLst>
+                                        </p:cTn>
+                                        <p:tgtEl>
+                                          <p:spTgt spid="3">
+                                            <p:txEl>
+                                              <p:pRg st="1" end="1"/>
+                                            </p:txEl>
+                                          </p:spTgt>
+                                        </p:tgtEl>
+                                        <p:attrNameLst>
+                                          <p:attrName>style.visibility</p:attrName>
+                                        </p:attrNameLst>
+                                      </p:cBhvr>
+                                      <p:to>
+                                        <p:strVal val="visible"/>
+                                      </p:to>
+                                    </p:set>
+                                  </p:childTnLst>
+                                </p:cTn>
+                              </p:par>
+                              <p:par>
+                                <p:cTn id="7" presetID="1" presetClass="entr" presetSubtype="0" fill="hold" nodeType="withEffect">
+                                  <p:stCondLst>
+                                    <p:cond delay="0"/>
+                                  </p:stCondLst>
+                                  <p:childTnLst>
+                                    <p:set>
+                                      <p:cBhvr>
+                                        <p:cTn id="8" dur="1" fill="hold">
+                                          <p:stCondLst>
+                                            <p:cond delay="0"/>
+                                          </p:stCondLst>
+                                        </p:cTn>
+                                        <p:tgtEl>
+                                          <p:spTgt spid="3">
+                                            <p:txEl>
+                                              <p:pRg st="2" end="2"/>
+                                            </p:txEl>
+                                          </p:spTgt>
+                                        </p:tgtEl>
+                                        <p:attrNameLst>
+                                          <p:attrName>style.visibility</p:attrName>
+                                        </p:attrNameLst>
+                                      </p:cBhvr>
+                                      <p:to>
+                                        <p:strVal val="visible"/>
+                                      </p:to>
+                                    </p:set>
+                                  </p:childTnLst>
+                                </p:cTn>
+                              </p:par>
+                              <p:par>
+                                <p:cTn id="9" presetID="1" presetClass="exit" presetSubtype="0" fill="hold" grpId="0" nodeType="withEffect">
+                                  <p:stCondLst>
+                                    <p:cond delay="0"/>
+                                  </p:stCondLst>
+                                  <p:childTnLst>
+                                    <p:set>
+                                      <p:cBhvr>
+                                        <p:cTn id="10" dur="1" fill="hold">
+                                          <p:stCondLst>
+                                            <p:cond delay="0"/>
+                                          </p:stCondLst>
+                                        </p:cTn>
+                                        <p:tgtEl>
+                                          <p:spTgt spid="8"/>
+                                        </p:tgtEl>
+                                        <p:attrNameLst>
+                                          <p:attrName>style.visibility</p:attrName>
+                                        </p:attrNameLst>
+                                      </p:cBhvr>
+                                      <p:to>
+                                        <p:strVal val="hidden"/>
+                                      </p:to>
+                                    </p:set>
+                                  </p:childTnLst>
+                                </p:cTn>
+                              </p:par>
+                            </p:childTnLst>
+                          </p:cTn>
+                        </p:par>
+                      </p:childTnLst>
+                    </p:cTn>
+                  </p:par>
+                  <p:par>
+                    <p:cTn id="11" fill="hold">
+                      <p:stCondLst>
+                        <p:cond delay="indefinite"/>
+                      </p:stCondLst>
+                      <p:childTnLst>
+                        <p:par>
+                          <p:cTn id="12" fill="hold">
+                            <p:stCondLst>
+                              <p:cond delay="0"/>
+                            </p:stCondLst>
+                            <p:childTnLst>
+                              <p:par>
+                                <p:cTn id="13" presetID="1" presetClass="entr" presetSubtype="0" fill="hold" nodeType="clickEffect">
+                                  <p:stCondLst>
+                                    <p:cond delay="0"/>
+                                  </p:stCondLst>
+                                  <p:childTnLst>
+                                    <p:set>
+                                      <p:cBhvr>
+                                        <p:cTn id="14" dur="1" fill="hold">
+                                          <p:stCondLst>
+                                            <p:cond delay="0"/>
+                                          </p:stCondLst>
+                                        </p:cTn>
+                                        <p:tgtEl>
+                                          <p:spTgt spid="3">
+                                            <p:txEl>
+                                              <p:pRg st="3" end="3"/>
+                                            </p:txEl>
+                                          </p:spTgt>
+                                        </p:tgtEl>
+                                        <p:attrNameLst>
+                                          <p:attrName>style.visibility</p:attrName>
+                                        </p:attrNameLst>
+                                      </p:cBhvr>
+                                      <p:to>
+                                        <p:strVal val="visible"/>
+                                      </p:to>
+                                    </p:set>
+                                  </p:childTnLst>
+                                </p:cTn>
+                              </p:par>
+                              <p:par>
+                                <p:cTn id="15" presetID="1" presetClass="entr" presetSubtype="0" fill="hold" nodeType="withEffect">
+                                  <p:stCondLst>
+                                    <p:cond delay="0"/>
+                                  </p:stCondLst>
+                                  <p:childTnLst>
+                                    <p:set>
+                                      <p:cBhvr>
+                                        <p:cTn id="16" dur="1" fill="hold">
+                                          <p:stCondLst>
+                                            <p:cond delay="0"/>
+                                          </p:stCondLst>
+                                        </p:cTn>
+                                        <p:tgtEl>
+                                          <p:spTgt spid="3">
+                                            <p:txEl>
+                                              <p:pRg st="4" end="4"/>
+                                            </p:txEl>
+                                          </p:spTgt>
+                                        </p:tgtEl>
+                                        <p:attrNameLst>
+                                          <p:attrName>style.visibility</p:attrName>
+                                        </p:attrNameLst>
+                                      </p:cBhvr>
+                                      <p:to>
+                                        <p:strVal val="visible"/>
+                                      </p:to>
+                                    </p:set>
+                                  </p:childTnLst>
+                                </p:cTn>
+                              </p:par>
+                            </p:childTnLst>
+                          </p:cTn>
+                        </p:par>
+                      </p:childTnLst>
+                    </p:cTn>
+                  </p:par>
+                </p:childTnLst>
+              </p:cTn>
+              <p:prevCondLst>
+                <p:cond evt="onPrev" delay="0">
+                  <p:tgtEl>
+                    <p:sldTgt/>
+                  </p:tgtEl>
+                </p:cond>
+              </p:prevCondLst>
+              <p:nextCondLst>
+                <p:cond evt="onNext" delay="0">
+                  <p:tgtEl>
+                    <p:sldTgt/>
+                  </p:tgtEl>
+                </p:cond>
+              </p:nextCondLst>
+            </p:seq>
+          </p:childTnLst>
+        </p:cTn>
+      </p:par>
+    </p:tnLst>
+    <p:bldLst>
+      <p:bldP spid="8" grpId="0" animBg="1"/>
+    </p:bldLst>
+  </p:timing>
+</p:sld>
+</file>
+
+<file path=ppt/slides/slide25.xml><?xml version="1.0" encoding="utf-8"?>
+<p:sld xmlns:a="http://schemas.openxmlformats.org/drawingml/2006/main" xmlns:r="http://schemas.openxmlformats.org/officeDocument/2006/relationships" xmlns:p="http://schemas.openxmlformats.org/presentationml/2006/main">
+  <p:cSld>
+    <p:spTree>
+      <p:nvGrpSpPr>
+        <p:cNvPr id="1" name=""/>
+        <p:cNvGrpSpPr/>
+        <p:nvPr/>
+      </p:nvGrpSpPr>
+      <p:grpSpPr>
+        <a:xfrm>
+          <a:off x="0" y="0"/>
+          <a:ext cx="0" cy="0"/>
+          <a:chOff x="0" y="0"/>
+          <a:chExt cx="0" cy="0"/>
+        </a:xfrm>
+      </p:grpSpPr>
+      <p:sp>
+        <p:nvSpPr>
+          <p:cNvPr id="2" name="Title 1">
+            <a:extLst>
+              <a:ext uri="{FF2B5EF4-FFF2-40B4-BE49-F238E27FC236}">
+                <a16:creationId xmlns:a16="http://schemas.microsoft.com/office/drawing/2014/main" id="{F007BB04-F697-4219-BF54-058B09D498B7}"/>
+              </a:ext>
+            </a:extLst>
+          </p:cNvPr>
+          <p:cNvSpPr>
+            <a:spLocks noGrp="1"/>
+          </p:cNvSpPr>
+          <p:nvPr>
+            <p:ph type="title"/>
+          </p:nvPr>
+        </p:nvSpPr>
+        <p:spPr/>
+        <p:txBody>
+          <a:bodyPr/>
+          <a:lstStyle/>
+          <a:p>
+            <a:r>
+              <a:rPr lang="en-GB" dirty="0"/>
+              <a:t>History</a:t>
+            </a:r>
+          </a:p>
+        </p:txBody>
+      </p:sp>
+      <p:sp>
+        <p:nvSpPr>
+          <p:cNvPr id="3" name="Content Placeholder 2">
+            <a:extLst>
+              <a:ext uri="{FF2B5EF4-FFF2-40B4-BE49-F238E27FC236}">
+                <a16:creationId xmlns:a16="http://schemas.microsoft.com/office/drawing/2014/main" id="{44B81363-7B7D-43CC-82A6-89126558816D}"/>
+              </a:ext>
+            </a:extLst>
+          </p:cNvPr>
+          <p:cNvSpPr>
+            <a:spLocks noGrp="1"/>
+          </p:cNvSpPr>
+          <p:nvPr>
+            <p:ph idx="1"/>
+          </p:nvPr>
+        </p:nvSpPr>
+        <p:spPr>
+          <a:xfrm>
+            <a:off x="323527" y="1446625"/>
+            <a:ext cx="12529393" cy="3555395"/>
+          </a:xfrm>
+        </p:spPr>
+        <p:txBody>
+          <a:bodyPr>
+            <a:normAutofit/>
+          </a:bodyPr>
+          <a:lstStyle/>
+          <a:p>
+            <a:pPr marL="0" indent="0">
+              <a:spcBef>
+                <a:spcPts val="0"/>
+              </a:spcBef>
+              <a:buNone/>
+            </a:pPr>
+            <a:r>
+              <a:rPr lang="en-GB" sz="2000" cap="all" dirty="0">
+                <a:latin typeface="APL385 Unicode" panose="020B0709000202000203" pitchFamily="49" charset="0"/>
+              </a:rPr>
+              <a:t>      </a:t>
+            </a:r>
+            <a:r>
+              <a:rPr lang="en-US" sz="2000" cap="all" dirty="0">
+                <a:latin typeface="APL385 Unicode" panose="020B0709000202000203" pitchFamily="49" charset="0"/>
+              </a:rPr>
+              <a:t>price</a:t>
+            </a:r>
+            <a:r>
+              <a:rPr lang="en-US" sz="2000" cap="all" dirty="0">
+                <a:solidFill>
+                  <a:srgbClr val="0000FF"/>
+                </a:solidFill>
+                <a:latin typeface="APL385 Unicode" panose="020B0709000202000203" pitchFamily="49" charset="0"/>
+              </a:rPr>
+              <a:t>←</a:t>
+            </a:r>
+            <a:r>
+              <a:rPr lang="en-US" sz="2000" cap="all" dirty="0">
+                <a:solidFill>
+                  <a:srgbClr val="494949"/>
+                </a:solidFill>
+                <a:latin typeface="APL385 Unicode" panose="020B0709000202000203" pitchFamily="49" charset="0"/>
+              </a:rPr>
+              <a:t>71 82 81 82 84 59</a:t>
+            </a:r>
+            <a:endParaRPr lang="en-GB" sz="2000" cap="all" dirty="0">
+              <a:solidFill>
+                <a:srgbClr val="494949"/>
+              </a:solidFill>
+              <a:latin typeface="APL385 Unicode" panose="020B0709000202000203" pitchFamily="49" charset="0"/>
+            </a:endParaRPr>
+          </a:p>
+          <a:p>
+            <a:pPr marL="0" indent="0">
+              <a:spcBef>
+                <a:spcPts val="0"/>
+              </a:spcBef>
+              <a:buNone/>
+            </a:pPr>
+            <a:r>
+              <a:rPr lang="en-GB" sz="2000" cap="all" dirty="0">
+                <a:latin typeface="APL385 Unicode" panose="020B0709000202000203" pitchFamily="49" charset="0"/>
+              </a:rPr>
+              <a:t>      </a:t>
+            </a:r>
+            <a:r>
+              <a:rPr lang="en-GB" sz="2000" cap="all" dirty="0">
+                <a:solidFill>
+                  <a:srgbClr val="0000FF"/>
+                </a:solidFill>
+                <a:latin typeface="APL385 Unicode" panose="020B0709000202000203" pitchFamily="49" charset="0"/>
+              </a:rPr>
+              <a:t>(</a:t>
+            </a:r>
+            <a:r>
+              <a:rPr lang="en-GB" sz="2000" cap="all" dirty="0">
+                <a:solidFill>
+                  <a:srgbClr val="494949"/>
+                </a:solidFill>
+                <a:latin typeface="APL385 Unicode" panose="020B0709000202000203" pitchFamily="49" charset="0"/>
+              </a:rPr>
+              <a:t>75</a:t>
+            </a:r>
+            <a:r>
+              <a:rPr lang="en-GB" sz="2000" cap="all" dirty="0">
+                <a:solidFill>
+                  <a:srgbClr val="0000FF"/>
+                </a:solidFill>
+                <a:latin typeface="APL385 Unicode" panose="020B0709000202000203" pitchFamily="49" charset="0"/>
+              </a:rPr>
+              <a:t>≤</a:t>
+            </a:r>
+            <a:r>
+              <a:rPr lang="en-GB" sz="2000" cap="all" dirty="0">
+                <a:latin typeface="APL385 Unicode" panose="020B0709000202000203" pitchFamily="49" charset="0"/>
+              </a:rPr>
+              <a:t>price</a:t>
+            </a:r>
+            <a:r>
+              <a:rPr lang="en-GB" sz="2000" cap="all" dirty="0">
+                <a:solidFill>
+                  <a:srgbClr val="0000FF"/>
+                </a:solidFill>
+                <a:latin typeface="APL385 Unicode" panose="020B0709000202000203" pitchFamily="49" charset="0"/>
+              </a:rPr>
+              <a:t>)/</a:t>
+            </a:r>
+            <a:r>
+              <a:rPr lang="en-GB" sz="2000" cap="all" dirty="0">
+                <a:latin typeface="APL385 Unicode" panose="020B0709000202000203" pitchFamily="49" charset="0"/>
+              </a:rPr>
+              <a:t>price</a:t>
+            </a:r>
+          </a:p>
+          <a:p>
+            <a:pPr marL="0" indent="0">
+              <a:spcBef>
+                <a:spcPts val="0"/>
+              </a:spcBef>
+              <a:buNone/>
+            </a:pPr>
+            <a:r>
+              <a:rPr lang="en-GB" sz="2000" cap="all" dirty="0">
+                <a:latin typeface="APL385 Unicode" panose="020B0709000202000203" pitchFamily="49" charset="0"/>
+              </a:rPr>
+              <a:t>82 81 82 84</a:t>
+            </a:r>
+          </a:p>
+          <a:p>
+            <a:pPr marL="0" indent="0">
+              <a:spcBef>
+                <a:spcPts val="0"/>
+              </a:spcBef>
+              <a:buNone/>
+            </a:pPr>
+            <a:r>
+              <a:rPr lang="en-GB" sz="2000" cap="all" dirty="0">
+                <a:latin typeface="APL385 Unicode" panose="020B0709000202000203" pitchFamily="49" charset="0"/>
+              </a:rPr>
+              <a:t>      </a:t>
+            </a:r>
+            <a:r>
+              <a:rPr lang="en-GB" sz="2000" cap="all" dirty="0">
+                <a:solidFill>
+                  <a:srgbClr val="0000FF"/>
+                </a:solidFill>
+                <a:latin typeface="APL385 Unicode" panose="020B0709000202000203" pitchFamily="49" charset="0"/>
+              </a:rPr>
+              <a:t>(</a:t>
+            </a:r>
+            <a:r>
+              <a:rPr lang="en-GB" sz="2000" cap="all" dirty="0">
+                <a:solidFill>
+                  <a:srgbClr val="494949"/>
+                </a:solidFill>
+                <a:latin typeface="APL385 Unicode" panose="020B0709000202000203" pitchFamily="49" charset="0"/>
+              </a:rPr>
+              <a:t>75</a:t>
+            </a:r>
+            <a:r>
+              <a:rPr lang="en-GB" sz="2000" cap="all" dirty="0">
+                <a:solidFill>
+                  <a:srgbClr val="0000FF"/>
+                </a:solidFill>
+                <a:latin typeface="APL385 Unicode" panose="020B0709000202000203" pitchFamily="49" charset="0"/>
+              </a:rPr>
+              <a:t>≤</a:t>
+            </a:r>
+            <a:r>
+              <a:rPr lang="en-GB" sz="2000" cap="all" dirty="0">
+                <a:latin typeface="APL385 Unicode" panose="020B0709000202000203" pitchFamily="49" charset="0"/>
+              </a:rPr>
+              <a:t>price</a:t>
+            </a:r>
+            <a:r>
+              <a:rPr lang="en-GB" sz="2000" cap="all" dirty="0">
+                <a:solidFill>
+                  <a:srgbClr val="0000FF"/>
+                </a:solidFill>
+                <a:latin typeface="APL385 Unicode" panose="020B0709000202000203" pitchFamily="49" charset="0"/>
+              </a:rPr>
+              <a:t>)</a:t>
+            </a:r>
+            <a:r>
+              <a:rPr lang="en-GB" sz="2000" cap="all" dirty="0">
+                <a:solidFill>
+                  <a:srgbClr val="0000FF"/>
+                </a:solidFill>
+                <a:highlight>
+                  <a:srgbClr val="FFFF00"/>
+                </a:highlight>
+                <a:latin typeface="APL385 Unicode" panose="020B0709000202000203" pitchFamily="49" charset="0"/>
+              </a:rPr>
+              <a:t>/⍳⍴</a:t>
+            </a:r>
+            <a:r>
+              <a:rPr lang="en-GB" sz="2000" cap="all" dirty="0">
+                <a:latin typeface="APL385 Unicode" panose="020B0709000202000203" pitchFamily="49" charset="0"/>
+              </a:rPr>
+              <a:t>price</a:t>
+            </a:r>
+          </a:p>
+          <a:p>
+            <a:pPr marL="0" indent="0">
+              <a:spcBef>
+                <a:spcPts val="0"/>
+              </a:spcBef>
+              <a:buNone/>
+            </a:pPr>
+            <a:r>
+              <a:rPr lang="en-GB" sz="2000" cap="all" dirty="0">
+                <a:latin typeface="APL385 Unicode" panose="020B0709000202000203" pitchFamily="49" charset="0"/>
+              </a:rPr>
+              <a:t>2 3 4 5</a:t>
+            </a:r>
+          </a:p>
+          <a:p>
+            <a:pPr marL="0" indent="0">
+              <a:spcBef>
+                <a:spcPts val="0"/>
+              </a:spcBef>
+              <a:buNone/>
+            </a:pPr>
+            <a:r>
+              <a:rPr lang="en-GB" sz="2000" cap="all" dirty="0">
+                <a:latin typeface="APL385 Unicode" panose="020B0709000202000203" pitchFamily="49" charset="0"/>
+              </a:rPr>
+              <a:t>      </a:t>
+            </a:r>
+            <a:r>
+              <a:rPr lang="en-GB" sz="2000" cap="all" dirty="0">
+                <a:solidFill>
+                  <a:srgbClr val="0000FF"/>
+                </a:solidFill>
+                <a:latin typeface="APL385 Unicode" panose="020B0709000202000203" pitchFamily="49" charset="0"/>
+              </a:rPr>
+              <a:t>⍸</a:t>
+            </a:r>
+            <a:r>
+              <a:rPr lang="en-GB" sz="2000" cap="all" dirty="0">
+                <a:solidFill>
+                  <a:srgbClr val="494949"/>
+                </a:solidFill>
+                <a:latin typeface="APL385 Unicode" panose="020B0709000202000203" pitchFamily="49" charset="0"/>
+              </a:rPr>
+              <a:t>75</a:t>
+            </a:r>
+            <a:r>
+              <a:rPr lang="en-GB" sz="2000" cap="all" dirty="0">
+                <a:solidFill>
+                  <a:srgbClr val="0000FF"/>
+                </a:solidFill>
+                <a:latin typeface="APL385 Unicode" panose="020B0709000202000203" pitchFamily="49" charset="0"/>
+              </a:rPr>
+              <a:t>≤</a:t>
+            </a:r>
+            <a:r>
+              <a:rPr lang="en-GB" sz="2000" cap="all" dirty="0">
+                <a:latin typeface="APL385 Unicode" panose="020B0709000202000203" pitchFamily="49" charset="0"/>
+              </a:rPr>
+              <a:t>price</a:t>
+            </a:r>
+          </a:p>
+          <a:p>
+            <a:pPr marL="0" indent="0">
+              <a:spcBef>
+                <a:spcPts val="0"/>
+              </a:spcBef>
+              <a:buNone/>
+            </a:pPr>
+            <a:r>
+              <a:rPr lang="en-GB" sz="2000" cap="all" dirty="0">
+                <a:latin typeface="APL385 Unicode" panose="020B0709000202000203" pitchFamily="49" charset="0"/>
+              </a:rPr>
+              <a:t>2 3 4 5</a:t>
+            </a:r>
+          </a:p>
+        </p:txBody>
+      </p:sp>
+      <p:sp>
+        <p:nvSpPr>
+          <p:cNvPr id="4" name="Content Placeholder 3">
+            <a:extLst>
+              <a:ext uri="{FF2B5EF4-FFF2-40B4-BE49-F238E27FC236}">
+                <a16:creationId xmlns:a16="http://schemas.microsoft.com/office/drawing/2014/main" id="{B73D9B4A-829D-4692-8DA4-53DB8C3E5219}"/>
+              </a:ext>
+            </a:extLst>
+          </p:cNvPr>
+          <p:cNvSpPr>
+            <a:spLocks noGrp="1"/>
+          </p:cNvSpPr>
+          <p:nvPr>
+            <p:ph sz="quarter" idx="12"/>
+          </p:nvPr>
+        </p:nvSpPr>
+        <p:spPr/>
+        <p:txBody>
+          <a:bodyPr/>
+          <a:lstStyle/>
+          <a:p>
+            <a:endParaRPr lang="en-GB" dirty="0"/>
+          </a:p>
+        </p:txBody>
+      </p:sp>
+      <p:sp>
+        <p:nvSpPr>
+          <p:cNvPr id="5" name="03">
+            <a:extLst>
+              <a:ext uri="{FF2B5EF4-FFF2-40B4-BE49-F238E27FC236}">
+                <a16:creationId xmlns:a16="http://schemas.microsoft.com/office/drawing/2014/main" id="{A2D8C11A-204E-4148-8BD8-6DFE2978252B}"/>
+              </a:ext>
+            </a:extLst>
+          </p:cNvPr>
+          <p:cNvSpPr/>
+          <p:nvPr/>
+        </p:nvSpPr>
+        <p:spPr>
+          <a:xfrm>
+            <a:off x="4707015" y="1899948"/>
+            <a:ext cx="1350150" cy="941832"/>
+          </a:xfrm>
+          <a:prstGeom prst="wedgeEllipseCallout">
+            <a:avLst>
+              <a:gd name="adj1" fmla="val -83388"/>
+              <a:gd name="adj2" fmla="val 13125"/>
+            </a:avLst>
+          </a:prstGeom>
+          <a:solidFill>
+            <a:schemeClr val="bg1"/>
+          </a:solidFill>
+          <a:ln>
+            <a:solidFill>
+              <a:srgbClr val="F58220"/>
+            </a:solidFill>
+          </a:ln>
+          <a:effectLst/>
+        </p:spPr>
+        <p:style>
+          <a:lnRef idx="2">
+            <a:schemeClr val="accent1">
+              <a:shade val="50000"/>
+            </a:schemeClr>
+          </a:lnRef>
+          <a:fillRef idx="1">
+            <a:schemeClr val="accent1"/>
+          </a:fillRef>
+          <a:effectRef idx="0">
+            <a:schemeClr val="accent1"/>
+          </a:effectRef>
+          <a:fontRef idx="minor">
+            <a:schemeClr val="lt1"/>
+          </a:fontRef>
+        </p:style>
+        <p:txBody>
+          <a:bodyPr lIns="0" tIns="0" rIns="0" bIns="0" rtlCol="0" anchor="ctr"/>
+          <a:lstStyle/>
+          <a:p>
+            <a:pPr algn="ctr"/>
+            <a:r>
+              <a:rPr lang="en-GB" sz="2400" dirty="0">
+                <a:solidFill>
+                  <a:schemeClr val="accent6">
+                    <a:lumMod val="75000"/>
+                  </a:schemeClr>
+                </a:solidFill>
+                <a:latin typeface="MV Boli" panose="02000500030200090000" pitchFamily="2" charset="0"/>
+                <a:cs typeface="MV Boli" panose="02000500030200090000" pitchFamily="2" charset="0"/>
+              </a:rPr>
+              <a:t>2003</a:t>
+            </a:r>
+          </a:p>
+        </p:txBody>
+      </p:sp>
+      <p:sp>
+        <p:nvSpPr>
+          <p:cNvPr id="6" name="17">
+            <a:extLst>
+              <a:ext uri="{FF2B5EF4-FFF2-40B4-BE49-F238E27FC236}">
+                <a16:creationId xmlns:a16="http://schemas.microsoft.com/office/drawing/2014/main" id="{3CB5D2C2-2DC5-4E48-A500-1E1E493DB824}"/>
+              </a:ext>
+            </a:extLst>
+          </p:cNvPr>
+          <p:cNvSpPr/>
+          <p:nvPr/>
+        </p:nvSpPr>
+        <p:spPr>
+          <a:xfrm>
+            <a:off x="4707015" y="1899948"/>
+            <a:ext cx="1350150" cy="941832"/>
+          </a:xfrm>
+          <a:prstGeom prst="wedgeEllipseCallout">
+            <a:avLst>
+              <a:gd name="adj1" fmla="val -137204"/>
+              <a:gd name="adj2" fmla="val 60709"/>
+            </a:avLst>
+          </a:prstGeom>
+          <a:solidFill>
+            <a:schemeClr val="bg1"/>
+          </a:solidFill>
+          <a:ln>
+            <a:solidFill>
+              <a:srgbClr val="F58220"/>
+            </a:solidFill>
+          </a:ln>
+          <a:effectLst/>
+        </p:spPr>
+        <p:style>
+          <a:lnRef idx="2">
+            <a:schemeClr val="accent1">
+              <a:shade val="50000"/>
+            </a:schemeClr>
+          </a:lnRef>
+          <a:fillRef idx="1">
+            <a:schemeClr val="accent1"/>
+          </a:fillRef>
+          <a:effectRef idx="0">
+            <a:schemeClr val="accent1"/>
+          </a:effectRef>
+          <a:fontRef idx="minor">
+            <a:schemeClr val="lt1"/>
+          </a:fontRef>
+        </p:style>
+        <p:txBody>
+          <a:bodyPr lIns="0" tIns="0" rIns="0" bIns="0" rtlCol="0" anchor="ctr"/>
+          <a:lstStyle/>
+          <a:p>
+            <a:pPr algn="ctr"/>
+            <a:r>
+              <a:rPr lang="en-GB" sz="2400" dirty="0">
+                <a:solidFill>
+                  <a:schemeClr val="accent6">
+                    <a:lumMod val="75000"/>
+                  </a:schemeClr>
+                </a:solidFill>
+                <a:latin typeface="MV Boli" panose="02000500030200090000" pitchFamily="2" charset="0"/>
+                <a:cs typeface="MV Boli" panose="02000500030200090000" pitchFamily="2" charset="0"/>
+              </a:rPr>
+              <a:t>2017</a:t>
+            </a:r>
+          </a:p>
+        </p:txBody>
+      </p:sp>
+    </p:spTree>
+    <p:extLst>
+      <p:ext uri="{BB962C8B-B14F-4D97-AF65-F5344CB8AC3E}">
+        <p14:creationId xmlns:p14="http://schemas.microsoft.com/office/powerpoint/2010/main" val="1616592533"/>
+      </p:ext>
+    </p:extLst>
+  </p:cSld>
+  <p:clrMapOvr>
+    <a:masterClrMapping/>
+  </p:clrMapOvr>
+  <p:timing>
+    <p:tnLst>
+      <p:par>
+        <p:cTn id="1" dur="indefinite" restart="never" nodeType="tmRoot">
+          <p:childTnLst>
+            <p:seq concurrent="1" nextAc="seek">
+              <p:cTn id="2" dur="indefinite" nodeType="mainSeq">
+                <p:childTnLst>
+                  <p:par>
+                    <p:cTn id="3" fill="hold">
+                      <p:stCondLst>
+                        <p:cond delay="indefinite"/>
+                      </p:stCondLst>
+                      <p:childTnLst>
+                        <p:par>
+                          <p:cTn id="4" fill="hold">
+                            <p:stCondLst>
+                              <p:cond delay="0"/>
+                            </p:stCondLst>
+                            <p:childTnLst>
+                              <p:par>
+                                <p:cTn id="5" presetID="1" presetClass="entr" presetSubtype="0" fill="hold" nodeType="clickEffect">
+                                  <p:stCondLst>
+                                    <p:cond delay="0"/>
+                                  </p:stCondLst>
+                                  <p:childTnLst>
+                                    <p:set>
+                                      <p:cBhvr>
+                                        <p:cTn id="6" dur="1" fill="hold">
+                                          <p:stCondLst>
+                                            <p:cond delay="0"/>
+                                          </p:stCondLst>
+                                        </p:cTn>
+                                        <p:tgtEl>
+                                          <p:spTgt spid="3">
+                                            <p:txEl>
+                                              <p:pRg st="5" end="5"/>
+                                            </p:txEl>
+                                          </p:spTgt>
+                                        </p:tgtEl>
+                                        <p:attrNameLst>
+                                          <p:attrName>style.visibility</p:attrName>
+                                        </p:attrNameLst>
+                                      </p:cBhvr>
+                                      <p:to>
+                                        <p:strVal val="visible"/>
+                                      </p:to>
+                                    </p:set>
+                                  </p:childTnLst>
+                                </p:cTn>
+                              </p:par>
+                              <p:par>
+                                <p:cTn id="7" presetID="1" presetClass="entr" presetSubtype="0" fill="hold" nodeType="withEffect">
+                                  <p:stCondLst>
+                                    <p:cond delay="0"/>
+                                  </p:stCondLst>
+                                  <p:childTnLst>
+                                    <p:set>
+                                      <p:cBhvr>
+                                        <p:cTn id="8" dur="1" fill="hold">
+                                          <p:stCondLst>
+                                            <p:cond delay="0"/>
+                                          </p:stCondLst>
+                                        </p:cTn>
+                                        <p:tgtEl>
+                                          <p:spTgt spid="3">
+                                            <p:txEl>
+                                              <p:pRg st="6" end="6"/>
+                                            </p:txEl>
+                                          </p:spTgt>
+                                        </p:tgtEl>
+                                        <p:attrNameLst>
+                                          <p:attrName>style.visibility</p:attrName>
+                                        </p:attrNameLst>
+                                      </p:cBhvr>
+                                      <p:to>
+                                        <p:strVal val="visible"/>
+                                      </p:to>
+                                    </p:set>
+                                  </p:childTnLst>
+                                </p:cTn>
+                              </p:par>
+                              <p:par>
+                                <p:cTn id="9" presetID="1" presetClass="entr" presetSubtype="0" fill="hold" grpId="0" nodeType="withEffect">
+                                  <p:stCondLst>
+                                    <p:cond delay="0"/>
+                                  </p:stCondLst>
+                                  <p:childTnLst>
+                                    <p:set>
+                                      <p:cBhvr>
+                                        <p:cTn id="10" dur="1" fill="hold">
+                                          <p:stCondLst>
+                                            <p:cond delay="0"/>
+                                          </p:stCondLst>
+                                        </p:cTn>
+                                        <p:tgtEl>
+                                          <p:spTgt spid="6"/>
+                                        </p:tgtEl>
+                                        <p:attrNameLst>
+                                          <p:attrName>style.visibility</p:attrName>
+                                        </p:attrNameLst>
+                                      </p:cBhvr>
+                                      <p:to>
+                                        <p:strVal val="visible"/>
+                                      </p:to>
+                                    </p:set>
+                                  </p:childTnLst>
+                                </p:cTn>
+                              </p:par>
+                              <p:par>
+                                <p:cTn id="11" presetID="1" presetClass="exit" presetSubtype="0" fill="hold" grpId="0" nodeType="withEffect">
+                                  <p:stCondLst>
+                                    <p:cond delay="0"/>
+                                  </p:stCondLst>
+                                  <p:childTnLst>
+                                    <p:set>
+                                      <p:cBhvr>
+                                        <p:cTn id="12" dur="1" fill="hold">
+                                          <p:stCondLst>
+                                            <p:cond delay="0"/>
+                                          </p:stCondLst>
+                                        </p:cTn>
+                                        <p:tgtEl>
+                                          <p:spTgt spid="5"/>
+                                        </p:tgtEl>
+                                        <p:attrNameLst>
+                                          <p:attrName>style.visibility</p:attrName>
+                                        </p:attrNameLst>
+                                      </p:cBhvr>
+                                      <p:to>
+                                        <p:strVal val="hidden"/>
+                                      </p:to>
+                                    </p:set>
+                                  </p:childTnLst>
+                                </p:cTn>
+                              </p:par>
+                            </p:childTnLst>
+                          </p:cTn>
+                        </p:par>
+                      </p:childTnLst>
+                    </p:cTn>
+                  </p:par>
+                </p:childTnLst>
+              </p:cTn>
+              <p:prevCondLst>
+                <p:cond evt="onPrev" delay="0">
+                  <p:tgtEl>
+                    <p:sldTgt/>
+                  </p:tgtEl>
+                </p:cond>
+              </p:prevCondLst>
+              <p:nextCondLst>
+                <p:cond evt="onNext" delay="0">
+                  <p:tgtEl>
+                    <p:sldTgt/>
+                  </p:tgtEl>
+                </p:cond>
+              </p:nextCondLst>
+            </p:seq>
+          </p:childTnLst>
+        </p:cTn>
+      </p:par>
+    </p:tnLst>
+    <p:bldLst>
+      <p:bldP spid="5" grpId="0" animBg="1"/>
+      <p:bldP spid="6" grpId="0" animBg="1"/>
+    </p:bldLst>
+  </p:timing>
+</p:sld>
+</file>
+
+<file path=ppt/slides/slide26.xml><?xml version="1.0" encoding="utf-8"?>
+<p:sld xmlns:a="http://schemas.openxmlformats.org/drawingml/2006/main" xmlns:r="http://schemas.openxmlformats.org/officeDocument/2006/relationships" xmlns:p="http://schemas.openxmlformats.org/presentationml/2006/main">
+  <p:cSld>
+    <p:spTree>
+      <p:nvGrpSpPr>
+        <p:cNvPr id="1" name=""/>
+        <p:cNvGrpSpPr/>
+        <p:nvPr/>
+      </p:nvGrpSpPr>
+      <p:grpSpPr>
+        <a:xfrm>
+          <a:off x="0" y="0"/>
+          <a:ext cx="0" cy="0"/>
+          <a:chOff x="0" y="0"/>
+          <a:chExt cx="0" cy="0"/>
+        </a:xfrm>
+      </p:grpSpPr>
+      <p:sp>
+        <p:nvSpPr>
+          <p:cNvPr id="3" name="Content Placeholder 2">
+            <a:extLst>
+              <a:ext uri="{FF2B5EF4-FFF2-40B4-BE49-F238E27FC236}">
+                <a16:creationId xmlns:a16="http://schemas.microsoft.com/office/drawing/2014/main" id="{DDBAEF9D-D291-4DB1-8A1D-685B725CE604}"/>
+              </a:ext>
+            </a:extLst>
+          </p:cNvPr>
+          <p:cNvSpPr>
+            <a:spLocks noGrp="1"/>
+          </p:cNvSpPr>
+          <p:nvPr>
+            <p:ph idx="1"/>
+          </p:nvPr>
+        </p:nvSpPr>
+        <p:spPr>
+          <a:xfrm>
+            <a:off x="341531" y="771550"/>
+            <a:ext cx="8379244" cy="3847046"/>
+          </a:xfrm>
+        </p:spPr>
+        <p:txBody>
+          <a:bodyPr>
+            <a:noAutofit/>
+          </a:bodyPr>
+          <a:lstStyle/>
+          <a:p>
+            <a:pPr marL="0" indent="0" algn="ctr">
+              <a:spcBef>
+                <a:spcPts val="0"/>
+              </a:spcBef>
+              <a:buNone/>
+              <a:tabLst>
+                <a:tab pos="3657600" algn="l"/>
+              </a:tabLst>
+            </a:pPr>
+            <a:endParaRPr lang="en-US" sz="3600" b="1" dirty="0">
+              <a:latin typeface="Titillium Web" panose="00000500000000000000" pitchFamily="2" charset="0"/>
+            </a:endParaRPr>
+          </a:p>
+          <a:p>
+            <a:pPr marL="0" indent="0" algn="ctr">
+              <a:spcBef>
+                <a:spcPts val="0"/>
+              </a:spcBef>
+              <a:buNone/>
+              <a:tabLst>
+                <a:tab pos="3657600" algn="l"/>
+              </a:tabLst>
+            </a:pPr>
+            <a:r>
+              <a:rPr lang="en-US" sz="3600" b="1" dirty="0">
+                <a:latin typeface="Titillium Web" panose="00000500000000000000" pitchFamily="2" charset="0"/>
+              </a:rPr>
+              <a:t>Selection</a:t>
+            </a:r>
+          </a:p>
+          <a:p>
+            <a:pPr marL="0" indent="0" algn="ctr">
+              <a:spcBef>
+                <a:spcPts val="0"/>
+              </a:spcBef>
+              <a:buNone/>
+              <a:tabLst>
+                <a:tab pos="3657600" algn="l"/>
+              </a:tabLst>
+            </a:pPr>
+            <a:r>
+              <a:rPr lang="da-DK" sz="3600" baseline="30000" dirty="0"/>
+              <a:t>Using Where</a:t>
+            </a:r>
+            <a:r>
+              <a:rPr lang="da-DK" sz="3600" dirty="0"/>
+              <a:t> </a:t>
+            </a:r>
+            <a:endParaRPr lang="en-US" sz="3600" b="1" dirty="0">
+              <a:solidFill>
+                <a:srgbClr val="0000FF"/>
+              </a:solidFill>
+              <a:latin typeface="APL385 Unicode" panose="020B0709000202000203" pitchFamily="49" charset="0"/>
+            </a:endParaRPr>
+          </a:p>
+          <a:p>
+            <a:pPr marL="0" indent="0" algn="ctr">
+              <a:spcBef>
+                <a:spcPts val="0"/>
+              </a:spcBef>
+              <a:buNone/>
+              <a:tabLst>
+                <a:tab pos="3657600" algn="l"/>
+              </a:tabLst>
+            </a:pPr>
+            <a:r>
+              <a:rPr lang="en-US" sz="3600" dirty="0">
+                <a:solidFill>
+                  <a:srgbClr val="0000FF"/>
+                </a:solidFill>
+                <a:latin typeface="APL385 Unicode" panose="020B0709000202000203" pitchFamily="49" charset="0"/>
+              </a:rPr>
+              <a:t>⍸</a:t>
+            </a:r>
+            <a:endParaRPr lang="en-US" sz="3600" b="1" dirty="0">
+              <a:solidFill>
+                <a:srgbClr val="0000FF"/>
+              </a:solidFill>
+              <a:latin typeface="APL385 Unicode" panose="020B0709000202000203" pitchFamily="49" charset="0"/>
+            </a:endParaRPr>
+          </a:p>
+          <a:p>
+            <a:pPr marL="0" indent="0" algn="ctr">
+              <a:spcBef>
+                <a:spcPts val="0"/>
+              </a:spcBef>
+              <a:buNone/>
+              <a:tabLst>
+                <a:tab pos="3657600" algn="l"/>
+              </a:tabLst>
+            </a:pPr>
+            <a:endParaRPr lang="en-US" sz="3600" b="1" dirty="0">
+              <a:solidFill>
+                <a:srgbClr val="0000FF"/>
+              </a:solidFill>
+              <a:latin typeface="APL385 Unicode" panose="020B0709000202000203" pitchFamily="49" charset="0"/>
+            </a:endParaRPr>
+          </a:p>
+          <a:p>
+            <a:pPr marL="0" indent="0" algn="ctr">
+              <a:spcBef>
+                <a:spcPts val="0"/>
+              </a:spcBef>
+              <a:buNone/>
+              <a:tabLst>
+                <a:tab pos="3657600" algn="l"/>
+              </a:tabLst>
+            </a:pPr>
+            <a:endParaRPr lang="da-DK" sz="2400" b="1" dirty="0">
+              <a:solidFill>
+                <a:srgbClr val="0000FF"/>
+              </a:solidFill>
+              <a:latin typeface="APL385 Unicode" panose="020B0709000202000203" pitchFamily="49" charset="0"/>
+            </a:endParaRPr>
+          </a:p>
+        </p:txBody>
+      </p:sp>
+      <p:sp>
+        <p:nvSpPr>
+          <p:cNvPr id="4" name="PiP">
+            <a:extLst>
+              <a:ext uri="{FF2B5EF4-FFF2-40B4-BE49-F238E27FC236}">
+                <a16:creationId xmlns:a16="http://schemas.microsoft.com/office/drawing/2014/main" id="{98E3A286-49AA-4DB1-9A2F-6834ABC55744}"/>
+              </a:ext>
+            </a:extLst>
+          </p:cNvPr>
+          <p:cNvSpPr txBox="1"/>
+          <p:nvPr/>
+        </p:nvSpPr>
+        <p:spPr>
+          <a:xfrm>
+            <a:off x="5929200" y="2917869"/>
+            <a:ext cx="3214800" cy="2225631"/>
+          </a:xfrm>
+          <a:prstGeom prst="rect">
+            <a:avLst/>
+          </a:prstGeom>
+          <a:noFill/>
+        </p:spPr>
+        <p:txBody>
+          <a:bodyPr wrap="square" rtlCol="0">
+            <a:spAutoFit/>
+          </a:bodyPr>
+          <a:lstStyle/>
+          <a:p>
+            <a:endParaRPr lang="en-GB" dirty="0"/>
+          </a:p>
+        </p:txBody>
+      </p:sp>
+    </p:spTree>
+    <p:extLst>
+      <p:ext uri="{BB962C8B-B14F-4D97-AF65-F5344CB8AC3E}">
+        <p14:creationId xmlns:p14="http://schemas.microsoft.com/office/powerpoint/2010/main" val="4244373031"/>
+      </p:ext>
+    </p:extLst>
+  </p:cSld>
+  <p:clrMapOvr>
+    <a:masterClrMapping/>
+  </p:clrMapOvr>
+</p:sld>
+</file>
+
+<file path=ppt/slides/slide27.xml><?xml version="1.0" encoding="utf-8"?>
+<p:sld xmlns:a="http://schemas.openxmlformats.org/drawingml/2006/main" xmlns:r="http://schemas.openxmlformats.org/officeDocument/2006/relationships" xmlns:p="http://schemas.openxmlformats.org/presentationml/2006/main">
+  <p:cSld>
+    <p:spTree>
+      <p:nvGrpSpPr>
+        <p:cNvPr id="1" name=""/>
+        <p:cNvGrpSpPr/>
+        <p:nvPr/>
+      </p:nvGrpSpPr>
+      <p:grpSpPr>
+        <a:xfrm>
+          <a:off x="0" y="0"/>
+          <a:ext cx="0" cy="0"/>
+          <a:chOff x="0" y="0"/>
+          <a:chExt cx="0" cy="0"/>
+        </a:xfrm>
+      </p:grpSpPr>
+      <p:sp>
+        <p:nvSpPr>
+          <p:cNvPr id="2" name="Title 1">
+            <a:extLst>
+              <a:ext uri="{FF2B5EF4-FFF2-40B4-BE49-F238E27FC236}">
+                <a16:creationId xmlns:a16="http://schemas.microsoft.com/office/drawing/2014/main" id="{F007BB04-F697-4219-BF54-058B09D498B7}"/>
+              </a:ext>
+            </a:extLst>
+          </p:cNvPr>
+          <p:cNvSpPr>
+            <a:spLocks noGrp="1"/>
+          </p:cNvSpPr>
+          <p:nvPr>
+            <p:ph type="title"/>
+          </p:nvPr>
+        </p:nvSpPr>
+        <p:spPr/>
+        <p:txBody>
+          <a:bodyPr/>
+          <a:lstStyle/>
+          <a:p>
+            <a:r>
+              <a:rPr lang="en-GB" dirty="0"/>
+              <a:t>Use case: selection</a:t>
+            </a:r>
+          </a:p>
+        </p:txBody>
+      </p:sp>
+      <p:sp>
+        <p:nvSpPr>
+          <p:cNvPr id="3" name="Content Placeholder 2">
+            <a:extLst>
+              <a:ext uri="{FF2B5EF4-FFF2-40B4-BE49-F238E27FC236}">
+                <a16:creationId xmlns:a16="http://schemas.microsoft.com/office/drawing/2014/main" id="{44B81363-7B7D-43CC-82A6-89126558816D}"/>
+              </a:ext>
+            </a:extLst>
+          </p:cNvPr>
+          <p:cNvSpPr>
+            <a:spLocks noGrp="1"/>
+          </p:cNvSpPr>
+          <p:nvPr>
+            <p:ph idx="1"/>
+          </p:nvPr>
+        </p:nvSpPr>
+        <p:spPr>
+          <a:xfrm>
+            <a:off x="323527" y="1397008"/>
+            <a:ext cx="12529393" cy="3555395"/>
+          </a:xfrm>
+        </p:spPr>
+        <p:txBody>
+          <a:bodyPr>
+            <a:normAutofit lnSpcReduction="10000"/>
+          </a:bodyPr>
+          <a:lstStyle/>
+          <a:p>
+            <a:pPr marL="0" indent="0">
+              <a:spcBef>
+                <a:spcPts val="0"/>
+              </a:spcBef>
+              <a:buNone/>
+            </a:pPr>
+            <a:r>
+              <a:rPr lang="en-GB" sz="2000" dirty="0">
+                <a:latin typeface="APL385 Unicode" panose="020B0709000202000203" pitchFamily="49" charset="0"/>
+              </a:rPr>
+              <a:t>      </a:t>
+            </a:r>
+            <a:r>
+              <a:rPr lang="en-GB" sz="2000" dirty="0" err="1">
+                <a:latin typeface="APL385 Unicode" panose="020B0709000202000203" pitchFamily="49" charset="0"/>
+              </a:rPr>
+              <a:t>fruit</a:t>
+            </a:r>
+            <a:r>
+              <a:rPr lang="en-GB" sz="2000" dirty="0" err="1">
+                <a:solidFill>
+                  <a:srgbClr val="0000FF"/>
+                </a:solidFill>
+                <a:latin typeface="APL385 Unicode" panose="020B0709000202000203" pitchFamily="49" charset="0"/>
+              </a:rPr>
+              <a:t>←</a:t>
+            </a:r>
+            <a:r>
+              <a:rPr lang="en-GB" sz="2000" dirty="0" err="1">
+                <a:solidFill>
+                  <a:srgbClr val="494949"/>
+                </a:solidFill>
+                <a:latin typeface="APL385 Unicode" panose="020B0709000202000203" pitchFamily="49" charset="0"/>
+              </a:rPr>
+              <a:t>'Apple</a:t>
+            </a:r>
+            <a:r>
+              <a:rPr lang="en-GB" sz="2000" dirty="0">
+                <a:solidFill>
+                  <a:srgbClr val="494949"/>
+                </a:solidFill>
+                <a:latin typeface="APL385 Unicode" panose="020B0709000202000203" pitchFamily="49" charset="0"/>
+              </a:rPr>
+              <a:t>' 'Banana' 'Cherry' 'Date' 'Elderberry'</a:t>
+            </a:r>
+          </a:p>
+          <a:p>
+            <a:pPr marL="0" indent="0">
+              <a:spcBef>
+                <a:spcPts val="0"/>
+              </a:spcBef>
+              <a:buNone/>
+            </a:pPr>
+            <a:r>
+              <a:rPr lang="en-GB" sz="2000" dirty="0">
+                <a:latin typeface="APL385 Unicode" panose="020B0709000202000203" pitchFamily="49" charset="0"/>
+              </a:rPr>
+              <a:t>      select</a:t>
+            </a:r>
+            <a:r>
+              <a:rPr lang="en-GB" sz="2000" dirty="0">
+                <a:solidFill>
+                  <a:srgbClr val="0000FF"/>
+                </a:solidFill>
+                <a:latin typeface="APL385 Unicode" panose="020B0709000202000203" pitchFamily="49" charset="0"/>
+              </a:rPr>
+              <a:t>←</a:t>
+            </a:r>
+            <a:r>
+              <a:rPr lang="en-GB" sz="2000" dirty="0">
+                <a:solidFill>
+                  <a:srgbClr val="494949"/>
+                </a:solidFill>
+                <a:latin typeface="APL385 Unicode" panose="020B0709000202000203" pitchFamily="49" charset="0"/>
+              </a:rPr>
+              <a:t>1 1 0 1 0</a:t>
+            </a:r>
+          </a:p>
+          <a:p>
+            <a:pPr marL="0" indent="0">
+              <a:spcBef>
+                <a:spcPts val="0"/>
+              </a:spcBef>
+              <a:buNone/>
+            </a:pPr>
+            <a:r>
+              <a:rPr lang="en-GB" sz="2000" dirty="0">
+                <a:latin typeface="APL385 Unicode" panose="020B0709000202000203" pitchFamily="49" charset="0"/>
+              </a:rPr>
+              <a:t>      select</a:t>
+            </a:r>
+            <a:r>
+              <a:rPr lang="en-GB" sz="2000" dirty="0">
+                <a:solidFill>
+                  <a:srgbClr val="0000FF"/>
+                </a:solidFill>
+                <a:latin typeface="APL385 Unicode" panose="020B0709000202000203" pitchFamily="49" charset="0"/>
+              </a:rPr>
+              <a:t>/</a:t>
+            </a:r>
+            <a:r>
+              <a:rPr lang="en-GB" sz="2000" dirty="0">
+                <a:latin typeface="APL385 Unicode" panose="020B0709000202000203" pitchFamily="49" charset="0"/>
+              </a:rPr>
+              <a:t>fruit</a:t>
+            </a:r>
+          </a:p>
+          <a:p>
+            <a:pPr marL="0" indent="0">
+              <a:spcBef>
+                <a:spcPts val="0"/>
+              </a:spcBef>
+              <a:buNone/>
+            </a:pPr>
+            <a:r>
+              <a:rPr lang="en-GB" sz="2000" dirty="0">
+                <a:latin typeface="APL385 Unicode" panose="020B0709000202000203" pitchFamily="49" charset="0"/>
+              </a:rPr>
+              <a:t> Apple  Banana  Date </a:t>
+            </a:r>
+          </a:p>
+          <a:p>
+            <a:pPr marL="0" indent="0">
+              <a:spcBef>
+                <a:spcPts val="0"/>
+              </a:spcBef>
+              <a:buNone/>
+            </a:pPr>
+            <a:r>
+              <a:rPr lang="en-GB" sz="2000" dirty="0">
+                <a:latin typeface="APL385 Unicode" panose="020B0709000202000203" pitchFamily="49" charset="0"/>
+              </a:rPr>
+              <a:t>      select</a:t>
+            </a:r>
+            <a:r>
+              <a:rPr lang="en-GB" sz="2000" dirty="0">
+                <a:solidFill>
+                  <a:srgbClr val="0000FF"/>
+                </a:solidFill>
+                <a:highlight>
+                  <a:srgbClr val="FFFF00"/>
+                </a:highlight>
+                <a:latin typeface="APL385 Unicode" panose="020B0709000202000203" pitchFamily="49" charset="0"/>
+              </a:rPr>
+              <a:t>/⍳⍴</a:t>
+            </a:r>
+            <a:r>
+              <a:rPr lang="en-GB" sz="2000" dirty="0">
+                <a:latin typeface="APL385 Unicode" panose="020B0709000202000203" pitchFamily="49" charset="0"/>
+              </a:rPr>
+              <a:t>select</a:t>
+            </a:r>
+          </a:p>
+          <a:p>
+            <a:pPr marL="0" indent="0">
+              <a:spcBef>
+                <a:spcPts val="0"/>
+              </a:spcBef>
+              <a:buNone/>
+            </a:pPr>
+            <a:r>
+              <a:rPr lang="en-GB" sz="2000" dirty="0">
+                <a:latin typeface="APL385 Unicode" panose="020B0709000202000203" pitchFamily="49" charset="0"/>
+              </a:rPr>
+              <a:t>1 2 4</a:t>
+            </a:r>
+          </a:p>
+          <a:p>
+            <a:pPr marL="0" indent="0">
+              <a:spcBef>
+                <a:spcPts val="0"/>
+              </a:spcBef>
+              <a:buNone/>
+            </a:pPr>
+            <a:r>
+              <a:rPr lang="en-GB" sz="2000" dirty="0">
+                <a:latin typeface="APL385 Unicode" panose="020B0709000202000203" pitchFamily="49" charset="0"/>
+              </a:rPr>
+              <a:t>      </a:t>
+            </a:r>
+            <a:r>
+              <a:rPr lang="en-GB" sz="2000" dirty="0">
+                <a:solidFill>
+                  <a:srgbClr val="0000FF"/>
+                </a:solidFill>
+                <a:latin typeface="APL385 Unicode" panose="020B0709000202000203" pitchFamily="49" charset="0"/>
+              </a:rPr>
+              <a:t>⍸</a:t>
+            </a:r>
+            <a:r>
+              <a:rPr lang="en-GB" sz="2000" dirty="0">
+                <a:latin typeface="APL385 Unicode" panose="020B0709000202000203" pitchFamily="49" charset="0"/>
+              </a:rPr>
+              <a:t>select</a:t>
+            </a:r>
+          </a:p>
+          <a:p>
+            <a:pPr marL="0" indent="0">
+              <a:spcBef>
+                <a:spcPts val="0"/>
+              </a:spcBef>
+              <a:buNone/>
+            </a:pPr>
+            <a:r>
+              <a:rPr lang="en-GB" sz="2000" dirty="0">
+                <a:latin typeface="APL385 Unicode" panose="020B0709000202000203" pitchFamily="49" charset="0"/>
+              </a:rPr>
+              <a:t>1 2 4</a:t>
+            </a:r>
+          </a:p>
+        </p:txBody>
+      </p:sp>
+      <p:sp>
+        <p:nvSpPr>
+          <p:cNvPr id="4" name="Content Placeholder 3">
+            <a:extLst>
+              <a:ext uri="{FF2B5EF4-FFF2-40B4-BE49-F238E27FC236}">
+                <a16:creationId xmlns:a16="http://schemas.microsoft.com/office/drawing/2014/main" id="{B73D9B4A-829D-4692-8DA4-53DB8C3E5219}"/>
+              </a:ext>
+            </a:extLst>
+          </p:cNvPr>
+          <p:cNvSpPr>
+            <a:spLocks noGrp="1"/>
+          </p:cNvSpPr>
+          <p:nvPr>
+            <p:ph sz="quarter" idx="12"/>
+          </p:nvPr>
+        </p:nvSpPr>
+        <p:spPr/>
+        <p:txBody>
+          <a:bodyPr/>
+          <a:lstStyle/>
+          <a:p>
+            <a:endParaRPr lang="en-GB" dirty="0"/>
+          </a:p>
+        </p:txBody>
+      </p:sp>
+    </p:spTree>
+    <p:extLst>
+      <p:ext uri="{BB962C8B-B14F-4D97-AF65-F5344CB8AC3E}">
+        <p14:creationId xmlns:p14="http://schemas.microsoft.com/office/powerpoint/2010/main" val="4049889650"/>
+      </p:ext>
+    </p:extLst>
+  </p:cSld>
+  <p:clrMapOvr>
+    <a:masterClrMapping/>
+  </p:clrMapOvr>
+  <p:timing>
+    <p:tnLst>
+      <p:par>
+        <p:cTn id="1" dur="indefinite" restart="never" nodeType="tmRoot">
+          <p:childTnLst>
+            <p:seq concurrent="1" nextAc="seek">
+              <p:cTn id="2" dur="indefinite" nodeType="mainSeq">
+                <p:childTnLst>
+                  <p:par>
+                    <p:cTn id="3" fill="hold">
+                      <p:stCondLst>
+                        <p:cond delay="indefinite"/>
+                      </p:stCondLst>
+                      <p:childTnLst>
+                        <p:par>
+                          <p:cTn id="4" fill="hold">
+                            <p:stCondLst>
+                              <p:cond delay="0"/>
+                            </p:stCondLst>
+                            <p:childTnLst>
+                              <p:par>
+                                <p:cTn id="5" presetID="1" presetClass="entr" presetSubtype="0" fill="hold" nodeType="clickEffect">
+                                  <p:stCondLst>
+                                    <p:cond delay="0"/>
+                                  </p:stCondLst>
+                                  <p:childTnLst>
+                                    <p:set>
+                                      <p:cBhvr>
+                                        <p:cTn id="6" dur="1" fill="hold">
+                                          <p:stCondLst>
+                                            <p:cond delay="0"/>
+                                          </p:stCondLst>
+                                        </p:cTn>
+                                        <p:tgtEl>
+                                          <p:spTgt spid="3">
+                                            <p:txEl>
+                                              <p:pRg st="1" end="1"/>
+                                            </p:txEl>
+                                          </p:spTgt>
+                                        </p:tgtEl>
+                                        <p:attrNameLst>
+                                          <p:attrName>style.visibility</p:attrName>
+                                        </p:attrNameLst>
+                                      </p:cBhvr>
+                                      <p:to>
+                                        <p:strVal val="visible"/>
+                                      </p:to>
+                                    </p:set>
+                                  </p:childTnLst>
+                                </p:cTn>
+                              </p:par>
+                            </p:childTnLst>
+                          </p:cTn>
+                        </p:par>
+                      </p:childTnLst>
+                    </p:cTn>
+                  </p:par>
+                  <p:par>
+                    <p:cTn id="7" fill="hold">
+                      <p:stCondLst>
+                        <p:cond delay="indefinite"/>
+                      </p:stCondLst>
+                      <p:childTnLst>
+                        <p:par>
+                          <p:cTn id="8" fill="hold">
+                            <p:stCondLst>
+                              <p:cond delay="0"/>
+                            </p:stCondLst>
+                            <p:childTnLst>
+                              <p:par>
+                                <p:cTn id="9" presetID="1" presetClass="entr" presetSubtype="0" fill="hold" nodeType="clickEffect">
+                                  <p:stCondLst>
+                                    <p:cond delay="0"/>
+                                  </p:stCondLst>
+                                  <p:childTnLst>
+                                    <p:set>
+                                      <p:cBhvr>
+                                        <p:cTn id="10" dur="1" fill="hold">
+                                          <p:stCondLst>
+                                            <p:cond delay="0"/>
+                                          </p:stCondLst>
+                                        </p:cTn>
+                                        <p:tgtEl>
+                                          <p:spTgt spid="3">
+                                            <p:txEl>
+                                              <p:pRg st="2" end="2"/>
+                                            </p:txEl>
+                                          </p:spTgt>
+                                        </p:tgtEl>
+                                        <p:attrNameLst>
+                                          <p:attrName>style.visibility</p:attrName>
+                                        </p:attrNameLst>
+                                      </p:cBhvr>
+                                      <p:to>
+                                        <p:strVal val="visible"/>
+                                      </p:to>
+                                    </p:set>
+                                  </p:childTnLst>
+                                </p:cTn>
+                              </p:par>
+                              <p:par>
+                                <p:cTn id="11" presetID="1" presetClass="entr" presetSubtype="0" fill="hold" nodeType="withEffect">
+                                  <p:stCondLst>
+                                    <p:cond delay="0"/>
+                                  </p:stCondLst>
+                                  <p:childTnLst>
+                                    <p:set>
+                                      <p:cBhvr>
+                                        <p:cTn id="12" dur="1" fill="hold">
+                                          <p:stCondLst>
+                                            <p:cond delay="0"/>
+                                          </p:stCondLst>
+                                        </p:cTn>
+                                        <p:tgtEl>
+                                          <p:spTgt spid="3">
+                                            <p:txEl>
+                                              <p:pRg st="3" end="3"/>
+                                            </p:txEl>
+                                          </p:spTgt>
+                                        </p:tgtEl>
+                                        <p:attrNameLst>
+                                          <p:attrName>style.visibility</p:attrName>
+                                        </p:attrNameLst>
+                                      </p:cBhvr>
+                                      <p:to>
+                                        <p:strVal val="visible"/>
+                                      </p:to>
+                                    </p:set>
+                                  </p:childTnLst>
+                                </p:cTn>
+                              </p:par>
+                            </p:childTnLst>
+                          </p:cTn>
+                        </p:par>
+                      </p:childTnLst>
+                    </p:cTn>
+                  </p:par>
+                  <p:par>
+                    <p:cTn id="13" fill="hold">
+                      <p:stCondLst>
+                        <p:cond delay="indefinite"/>
+                      </p:stCondLst>
+                      <p:childTnLst>
+                        <p:par>
+                          <p:cTn id="14" fill="hold">
+                            <p:stCondLst>
+                              <p:cond delay="0"/>
+                            </p:stCondLst>
+                            <p:childTnLst>
+                              <p:par>
+                                <p:cTn id="15" presetID="1" presetClass="entr" presetSubtype="0" fill="hold" nodeType="clickEffect">
+                                  <p:stCondLst>
+                                    <p:cond delay="0"/>
+                                  </p:stCondLst>
+                                  <p:childTnLst>
+                                    <p:set>
+                                      <p:cBhvr>
+                                        <p:cTn id="16" dur="1" fill="hold">
+                                          <p:stCondLst>
+                                            <p:cond delay="0"/>
+                                          </p:stCondLst>
+                                        </p:cTn>
+                                        <p:tgtEl>
+                                          <p:spTgt spid="3">
+                                            <p:txEl>
+                                              <p:pRg st="4" end="4"/>
+                                            </p:txEl>
+                                          </p:spTgt>
+                                        </p:tgtEl>
+                                        <p:attrNameLst>
+                                          <p:attrName>style.visibility</p:attrName>
+                                        </p:attrNameLst>
+                                      </p:cBhvr>
+                                      <p:to>
+                                        <p:strVal val="visible"/>
+                                      </p:to>
+                                    </p:set>
+                                  </p:childTnLst>
+                                </p:cTn>
+                              </p:par>
+                              <p:par>
+                                <p:cTn id="17" presetID="1" presetClass="entr" presetSubtype="0" fill="hold" nodeType="withEffect">
+                                  <p:stCondLst>
+                                    <p:cond delay="0"/>
+                                  </p:stCondLst>
+                                  <p:childTnLst>
+                                    <p:set>
+                                      <p:cBhvr>
+                                        <p:cTn id="18" dur="1" fill="hold">
+                                          <p:stCondLst>
+                                            <p:cond delay="0"/>
+                                          </p:stCondLst>
+                                        </p:cTn>
+                                        <p:tgtEl>
+                                          <p:spTgt spid="3">
+                                            <p:txEl>
+                                              <p:pRg st="5" end="5"/>
+                                            </p:txEl>
+                                          </p:spTgt>
+                                        </p:tgtEl>
+                                        <p:attrNameLst>
+                                          <p:attrName>style.visibility</p:attrName>
+                                        </p:attrNameLst>
+                                      </p:cBhvr>
+                                      <p:to>
+                                        <p:strVal val="visible"/>
+                                      </p:to>
+                                    </p:set>
+                                  </p:childTnLst>
+                                </p:cTn>
+                              </p:par>
+                            </p:childTnLst>
+                          </p:cTn>
+                        </p:par>
+                      </p:childTnLst>
+                    </p:cTn>
+                  </p:par>
+                  <p:par>
+                    <p:cTn id="19" fill="hold">
+                      <p:stCondLst>
+                        <p:cond delay="indefinite"/>
+                      </p:stCondLst>
+                      <p:childTnLst>
+                        <p:par>
+                          <p:cTn id="20" fill="hold">
+                            <p:stCondLst>
+                              <p:cond delay="0"/>
+                            </p:stCondLst>
+                            <p:childTnLst>
+                              <p:par>
+                                <p:cTn id="21" presetID="1" presetClass="entr" presetSubtype="0" fill="hold" nodeType="clickEffect">
+                                  <p:stCondLst>
+                                    <p:cond delay="0"/>
+                                  </p:stCondLst>
+                                  <p:childTnLst>
+                                    <p:set>
+                                      <p:cBhvr>
+                                        <p:cTn id="22" dur="1" fill="hold">
+                                          <p:stCondLst>
+                                            <p:cond delay="0"/>
+                                          </p:stCondLst>
+                                        </p:cTn>
+                                        <p:tgtEl>
+                                          <p:spTgt spid="3">
+                                            <p:txEl>
+                                              <p:pRg st="6" end="6"/>
+                                            </p:txEl>
+                                          </p:spTgt>
+                                        </p:tgtEl>
+                                        <p:attrNameLst>
+                                          <p:attrName>style.visibility</p:attrName>
+                                        </p:attrNameLst>
+                                      </p:cBhvr>
+                                      <p:to>
+                                        <p:strVal val="visible"/>
+                                      </p:to>
+                                    </p:set>
+                                  </p:childTnLst>
+                                </p:cTn>
+                              </p:par>
+                              <p:par>
+                                <p:cTn id="23" presetID="1" presetClass="entr" presetSubtype="0" fill="hold" nodeType="withEffect">
+                                  <p:stCondLst>
+                                    <p:cond delay="0"/>
+                                  </p:stCondLst>
+                                  <p:childTnLst>
+                                    <p:set>
+                                      <p:cBhvr>
+                                        <p:cTn id="24" dur="1" fill="hold">
+                                          <p:stCondLst>
+                                            <p:cond delay="0"/>
+                                          </p:stCondLst>
+                                        </p:cTn>
+                                        <p:tgtEl>
+                                          <p:spTgt spid="3">
+                                            <p:txEl>
+                                              <p:pRg st="7" end="7"/>
+                                            </p:txEl>
+                                          </p:spTgt>
+                                        </p:tgtEl>
+                                        <p:attrNameLst>
+                                          <p:attrName>style.visibility</p:attrName>
+                                        </p:attrNameLst>
+                                      </p:cBhvr>
+                                      <p:to>
+                                        <p:strVal val="visible"/>
+                                      </p:to>
+                                    </p:set>
+                                  </p:childTnLst>
+                                </p:cTn>
+                              </p:par>
+                            </p:childTnLst>
+                          </p:cTn>
+                        </p:par>
+                      </p:childTnLst>
+                    </p:cTn>
+                  </p:par>
+                </p:childTnLst>
+              </p:cTn>
+              <p:prevCondLst>
+                <p:cond evt="onPrev" delay="0">
+                  <p:tgtEl>
+                    <p:sldTgt/>
+                  </p:tgtEl>
+                </p:cond>
+              </p:prevCondLst>
+              <p:nextCondLst>
+                <p:cond evt="onNext" delay="0">
+                  <p:tgtEl>
+                    <p:sldTgt/>
+                  </p:tgtEl>
+                </p:cond>
+              </p:nextCondLst>
+            </p:seq>
+          </p:childTnLst>
+        </p:cTn>
+      </p:par>
+    </p:tnLst>
+  </p:timing>
+</p:sld>
+</file>
+
+<file path=ppt/slides/slide28.xml><?xml version="1.0" encoding="utf-8"?>
+<p:sld xmlns:a="http://schemas.openxmlformats.org/drawingml/2006/main" xmlns:r="http://schemas.openxmlformats.org/officeDocument/2006/relationships" xmlns:p="http://schemas.openxmlformats.org/presentationml/2006/main">
+  <p:cSld>
+    <p:spTree>
+      <p:nvGrpSpPr>
+        <p:cNvPr id="1" name=""/>
+        <p:cNvGrpSpPr/>
+        <p:nvPr/>
+      </p:nvGrpSpPr>
+      <p:grpSpPr>
+        <a:xfrm>
+          <a:off x="0" y="0"/>
+          <a:ext cx="0" cy="0"/>
+          <a:chOff x="0" y="0"/>
+          <a:chExt cx="0" cy="0"/>
+        </a:xfrm>
+      </p:grpSpPr>
+      <p:sp>
+        <p:nvSpPr>
+          <p:cNvPr id="2" name="Title 1">
+            <a:extLst>
+              <a:ext uri="{FF2B5EF4-FFF2-40B4-BE49-F238E27FC236}">
+                <a16:creationId xmlns:a16="http://schemas.microsoft.com/office/drawing/2014/main" id="{F007BB04-F697-4219-BF54-058B09D498B7}"/>
+              </a:ext>
+            </a:extLst>
+          </p:cNvPr>
+          <p:cNvSpPr>
+            <a:spLocks noGrp="1"/>
+          </p:cNvSpPr>
+          <p:nvPr>
+            <p:ph type="title"/>
+          </p:nvPr>
+        </p:nvSpPr>
+        <p:spPr/>
+        <p:txBody>
+          <a:bodyPr/>
+          <a:lstStyle/>
+          <a:p>
+            <a:r>
+              <a:rPr lang="en-GB" dirty="0"/>
+              <a:t>Use case: selection</a:t>
+            </a:r>
+          </a:p>
+        </p:txBody>
+      </p:sp>
+      <p:sp>
+        <p:nvSpPr>
+          <p:cNvPr id="3" name="Content Placeholder 2">
+            <a:extLst>
+              <a:ext uri="{FF2B5EF4-FFF2-40B4-BE49-F238E27FC236}">
+                <a16:creationId xmlns:a16="http://schemas.microsoft.com/office/drawing/2014/main" id="{44B81363-7B7D-43CC-82A6-89126558816D}"/>
+              </a:ext>
+            </a:extLst>
+          </p:cNvPr>
+          <p:cNvSpPr>
+            <a:spLocks noGrp="1"/>
+          </p:cNvSpPr>
+          <p:nvPr>
+            <p:ph idx="1"/>
+          </p:nvPr>
+        </p:nvSpPr>
+        <p:spPr>
+          <a:xfrm>
+            <a:off x="323527" y="1446625"/>
+            <a:ext cx="12529393" cy="4095455"/>
+          </a:xfrm>
+        </p:spPr>
+        <p:txBody>
+          <a:bodyPr>
+            <a:normAutofit/>
+          </a:bodyPr>
+          <a:lstStyle/>
+          <a:p>
+            <a:pPr marL="0" indent="0">
+              <a:spcBef>
+                <a:spcPts val="0"/>
+              </a:spcBef>
+              <a:buNone/>
+            </a:pPr>
+            <a:r>
+              <a:rPr lang="en-GB" sz="2000" dirty="0">
+                <a:latin typeface="APL385 Unicode" panose="020B0709000202000203" pitchFamily="49" charset="0"/>
+              </a:rPr>
+              <a:t>      </a:t>
+            </a:r>
+            <a:r>
+              <a:rPr lang="en-GB" sz="2000" dirty="0" err="1">
+                <a:latin typeface="APL385 Unicode" panose="020B0709000202000203" pitchFamily="49" charset="0"/>
+              </a:rPr>
+              <a:t>fruit</a:t>
+            </a:r>
+            <a:r>
+              <a:rPr lang="en-GB" sz="2000" dirty="0" err="1">
+                <a:solidFill>
+                  <a:srgbClr val="0000FF"/>
+                </a:solidFill>
+                <a:latin typeface="APL385 Unicode" panose="020B0709000202000203" pitchFamily="49" charset="0"/>
+              </a:rPr>
+              <a:t>←</a:t>
+            </a:r>
+            <a:r>
+              <a:rPr lang="en-GB" sz="2000" dirty="0" err="1">
+                <a:solidFill>
+                  <a:srgbClr val="494949"/>
+                </a:solidFill>
+                <a:latin typeface="APL385 Unicode" panose="020B0709000202000203" pitchFamily="49" charset="0"/>
+              </a:rPr>
+              <a:t>'Apple</a:t>
+            </a:r>
+            <a:r>
+              <a:rPr lang="en-GB" sz="2000" dirty="0">
+                <a:solidFill>
+                  <a:srgbClr val="494949"/>
+                </a:solidFill>
+                <a:latin typeface="APL385 Unicode" panose="020B0709000202000203" pitchFamily="49" charset="0"/>
+              </a:rPr>
+              <a:t>' 'Banana' 'Cherry' 'Date' 'Elderberry'</a:t>
+            </a:r>
+          </a:p>
+          <a:p>
+            <a:pPr marL="0" indent="0">
+              <a:spcBef>
+                <a:spcPts val="0"/>
+              </a:spcBef>
+              <a:buNone/>
+            </a:pPr>
+            <a:r>
+              <a:rPr lang="en-GB" sz="2000" dirty="0">
+                <a:latin typeface="APL385 Unicode" panose="020B0709000202000203" pitchFamily="49" charset="0"/>
+              </a:rPr>
+              <a:t>      select</a:t>
+            </a:r>
+            <a:r>
+              <a:rPr lang="en-GB" sz="2000" dirty="0">
+                <a:solidFill>
+                  <a:srgbClr val="0000FF"/>
+                </a:solidFill>
+                <a:latin typeface="APL385 Unicode" panose="020B0709000202000203" pitchFamily="49" charset="0"/>
+              </a:rPr>
+              <a:t>←</a:t>
+            </a:r>
+            <a:r>
+              <a:rPr lang="en-GB" sz="2000" dirty="0">
+                <a:solidFill>
+                  <a:srgbClr val="494949"/>
+                </a:solidFill>
+                <a:latin typeface="APL385 Unicode" panose="020B0709000202000203" pitchFamily="49" charset="0"/>
+              </a:rPr>
+              <a:t>1 1 0 1 0</a:t>
+            </a:r>
+          </a:p>
+          <a:p>
+            <a:pPr marL="0" indent="0">
+              <a:spcBef>
+                <a:spcPts val="0"/>
+              </a:spcBef>
+              <a:buNone/>
+            </a:pPr>
+            <a:r>
+              <a:rPr lang="en-GB" sz="2000" dirty="0">
+                <a:latin typeface="APL385 Unicode" panose="020B0709000202000203" pitchFamily="49" charset="0"/>
+              </a:rPr>
+              <a:t>      select</a:t>
+            </a:r>
+            <a:r>
+              <a:rPr lang="en-GB" sz="2000" dirty="0">
+                <a:solidFill>
+                  <a:srgbClr val="0000FF"/>
+                </a:solidFill>
+                <a:latin typeface="APL385 Unicode" panose="020B0709000202000203" pitchFamily="49" charset="0"/>
+              </a:rPr>
+              <a:t>/</a:t>
+            </a:r>
+            <a:r>
+              <a:rPr lang="en-GB" sz="2000" dirty="0">
+                <a:latin typeface="APL385 Unicode" panose="020B0709000202000203" pitchFamily="49" charset="0"/>
+              </a:rPr>
+              <a:t>fruit</a:t>
+            </a:r>
+          </a:p>
+          <a:p>
+            <a:pPr marL="0" indent="0">
+              <a:spcBef>
+                <a:spcPts val="0"/>
+              </a:spcBef>
+              <a:buNone/>
+            </a:pPr>
+            <a:r>
+              <a:rPr lang="en-GB" sz="2000" dirty="0">
+                <a:latin typeface="APL385 Unicode" panose="020B0709000202000203" pitchFamily="49" charset="0"/>
+              </a:rPr>
+              <a:t> Apple  Banana  Date </a:t>
+            </a:r>
+          </a:p>
+          <a:p>
+            <a:pPr marL="0" indent="0">
+              <a:spcBef>
+                <a:spcPts val="0"/>
+              </a:spcBef>
+              <a:buNone/>
+            </a:pPr>
+            <a:r>
+              <a:rPr lang="en-GB" sz="2000" dirty="0">
+                <a:latin typeface="APL385 Unicode" panose="020B0709000202000203" pitchFamily="49" charset="0"/>
+              </a:rPr>
+              <a:t>      fruit</a:t>
+            </a:r>
+            <a:r>
+              <a:rPr lang="en-GB" sz="2000" dirty="0">
+                <a:solidFill>
+                  <a:srgbClr val="0000FF"/>
+                </a:solidFill>
+                <a:latin typeface="APL385 Unicode" panose="020B0709000202000203" pitchFamily="49" charset="0"/>
+              </a:rPr>
+              <a:t>[⍸</a:t>
+            </a:r>
+            <a:r>
+              <a:rPr lang="en-GB" sz="2000" dirty="0">
+                <a:latin typeface="APL385 Unicode" panose="020B0709000202000203" pitchFamily="49" charset="0"/>
+              </a:rPr>
+              <a:t>select</a:t>
+            </a:r>
+            <a:r>
+              <a:rPr lang="en-GB" sz="2000" dirty="0">
+                <a:solidFill>
+                  <a:srgbClr val="0000FF"/>
+                </a:solidFill>
+                <a:latin typeface="APL385 Unicode" panose="020B0709000202000203" pitchFamily="49" charset="0"/>
+              </a:rPr>
+              <a:t>]</a:t>
+            </a:r>
+          </a:p>
+          <a:p>
+            <a:pPr marL="0" indent="0">
+              <a:spcBef>
+                <a:spcPts val="0"/>
+              </a:spcBef>
+              <a:buNone/>
+            </a:pPr>
+            <a:r>
+              <a:rPr lang="en-GB" sz="2000" dirty="0">
+                <a:latin typeface="APL385 Unicode" panose="020B0709000202000203" pitchFamily="49" charset="0"/>
+              </a:rPr>
+              <a:t> Apple  Banana  Date </a:t>
+            </a:r>
+          </a:p>
+        </p:txBody>
+      </p:sp>
+      <p:sp>
+        <p:nvSpPr>
+          <p:cNvPr id="4" name="Content Placeholder 3">
+            <a:extLst>
+              <a:ext uri="{FF2B5EF4-FFF2-40B4-BE49-F238E27FC236}">
+                <a16:creationId xmlns:a16="http://schemas.microsoft.com/office/drawing/2014/main" id="{B73D9B4A-829D-4692-8DA4-53DB8C3E5219}"/>
+              </a:ext>
+            </a:extLst>
+          </p:cNvPr>
+          <p:cNvSpPr>
+            <a:spLocks noGrp="1"/>
+          </p:cNvSpPr>
+          <p:nvPr>
+            <p:ph sz="quarter" idx="12"/>
+          </p:nvPr>
+        </p:nvSpPr>
+        <p:spPr/>
+        <p:txBody>
+          <a:bodyPr/>
+          <a:lstStyle/>
+          <a:p>
+            <a:endParaRPr lang="en-GB" dirty="0"/>
+          </a:p>
+        </p:txBody>
+      </p:sp>
+    </p:spTree>
+    <p:extLst>
+      <p:ext uri="{BB962C8B-B14F-4D97-AF65-F5344CB8AC3E}">
+        <p14:creationId xmlns:p14="http://schemas.microsoft.com/office/powerpoint/2010/main" val="3823988643"/>
+      </p:ext>
+    </p:extLst>
+  </p:cSld>
+  <p:clrMapOvr>
+    <a:masterClrMapping/>
+  </p:clrMapOvr>
+  <p:timing>
+    <p:tnLst>
+      <p:par>
+        <p:cTn id="1" dur="indefinite" restart="never" nodeType="tmRoot">
+          <p:childTnLst>
+            <p:seq concurrent="1" nextAc="seek">
+              <p:cTn id="2" dur="indefinite" nodeType="mainSeq">
+                <p:childTnLst>
+                  <p:par>
+                    <p:cTn id="3" fill="hold">
+                      <p:stCondLst>
+                        <p:cond delay="indefinite"/>
+                      </p:stCondLst>
+                      <p:childTnLst>
+                        <p:par>
+                          <p:cTn id="4" fill="hold">
+                            <p:stCondLst>
+                              <p:cond delay="0"/>
+                            </p:stCondLst>
+                            <p:childTnLst>
+                              <p:par>
+                                <p:cTn id="5" presetID="1" presetClass="entr" presetSubtype="0" fill="hold" nodeType="clickEffect">
+                                  <p:stCondLst>
+                                    <p:cond delay="0"/>
+                                  </p:stCondLst>
+                                  <p:childTnLst>
+                                    <p:set>
+                                      <p:cBhvr>
+                                        <p:cTn id="6" dur="1" fill="hold">
+                                          <p:stCondLst>
+                                            <p:cond delay="0"/>
+                                          </p:stCondLst>
+                                        </p:cTn>
+                                        <p:tgtEl>
+                                          <p:spTgt spid="3">
+                                            <p:txEl>
+                                              <p:pRg st="5" end="5"/>
+                                            </p:txEl>
+                                          </p:spTgt>
+                                        </p:tgtEl>
+                                        <p:attrNameLst>
+                                          <p:attrName>style.visibility</p:attrName>
+                                        </p:attrNameLst>
+                                      </p:cBhvr>
+                                      <p:to>
+                                        <p:strVal val="visible"/>
+                                      </p:to>
+                                    </p:set>
+                                  </p:childTnLst>
+                                </p:cTn>
+                              </p:par>
+                            </p:childTnLst>
+                          </p:cTn>
+                        </p:par>
+                      </p:childTnLst>
+                    </p:cTn>
+                  </p:par>
+                </p:childTnLst>
+              </p:cTn>
+              <p:prevCondLst>
+                <p:cond evt="onPrev" delay="0">
+                  <p:tgtEl>
+                    <p:sldTgt/>
+                  </p:tgtEl>
+                </p:cond>
+              </p:prevCondLst>
+              <p:nextCondLst>
+                <p:cond evt="onNext" delay="0">
+                  <p:tgtEl>
+                    <p:sldTgt/>
+                  </p:tgtEl>
+                </p:cond>
+              </p:nextCondLst>
+            </p:seq>
+          </p:childTnLst>
+        </p:cTn>
+      </p:par>
+    </p:tnLst>
+  </p:timing>
+</p:sld>
+</file>
+
+<file path=ppt/slides/slide29.xml><?xml version="1.0" encoding="utf-8"?>
+<p:sld xmlns:a="http://schemas.openxmlformats.org/drawingml/2006/main" xmlns:r="http://schemas.openxmlformats.org/officeDocument/2006/relationships" xmlns:p="http://schemas.openxmlformats.org/presentationml/2006/main">
+  <p:cSld>
+    <p:spTree>
+      <p:nvGrpSpPr>
+        <p:cNvPr id="1" name=""/>
+        <p:cNvGrpSpPr/>
+        <p:nvPr/>
+      </p:nvGrpSpPr>
+      <p:grpSpPr>
+        <a:xfrm>
+          <a:off x="0" y="0"/>
+          <a:ext cx="0" cy="0"/>
+          <a:chOff x="0" y="0"/>
+          <a:chExt cx="0" cy="0"/>
+        </a:xfrm>
+      </p:grpSpPr>
+      <p:sp>
+        <p:nvSpPr>
+          <p:cNvPr id="2" name="Title 1">
+            <a:extLst>
+              <a:ext uri="{FF2B5EF4-FFF2-40B4-BE49-F238E27FC236}">
+                <a16:creationId xmlns:a16="http://schemas.microsoft.com/office/drawing/2014/main" id="{F007BB04-F697-4219-BF54-058B09D498B7}"/>
+              </a:ext>
+            </a:extLst>
+          </p:cNvPr>
+          <p:cNvSpPr>
+            <a:spLocks noGrp="1"/>
+          </p:cNvSpPr>
+          <p:nvPr>
+            <p:ph type="title"/>
+          </p:nvPr>
+        </p:nvSpPr>
+        <p:spPr/>
+        <p:txBody>
+          <a:bodyPr/>
+          <a:lstStyle/>
+          <a:p>
+            <a:r>
+              <a:rPr lang="en-GB" dirty="0"/>
+              <a:t>Use case: multi-selection</a:t>
+            </a:r>
+          </a:p>
+        </p:txBody>
+      </p:sp>
+      <p:sp>
+        <p:nvSpPr>
+          <p:cNvPr id="3" name="Content Placeholder 2">
+            <a:extLst>
+              <a:ext uri="{FF2B5EF4-FFF2-40B4-BE49-F238E27FC236}">
+                <a16:creationId xmlns:a16="http://schemas.microsoft.com/office/drawing/2014/main" id="{44B81363-7B7D-43CC-82A6-89126558816D}"/>
+              </a:ext>
+            </a:extLst>
+          </p:cNvPr>
+          <p:cNvSpPr>
+            <a:spLocks noGrp="1"/>
+          </p:cNvSpPr>
+          <p:nvPr>
+            <p:ph idx="1"/>
+          </p:nvPr>
+        </p:nvSpPr>
+        <p:spPr>
+          <a:xfrm>
+            <a:off x="323527" y="1446625"/>
+            <a:ext cx="12529393" cy="4095455"/>
+          </a:xfrm>
+        </p:spPr>
+        <p:txBody>
+          <a:bodyPr>
+            <a:normAutofit/>
+          </a:bodyPr>
+          <a:lstStyle/>
+          <a:p>
+            <a:pPr marL="0" indent="0">
+              <a:spcBef>
+                <a:spcPts val="0"/>
+              </a:spcBef>
+              <a:buNone/>
+            </a:pPr>
+            <a:r>
+              <a:rPr lang="en-GB" sz="2000" dirty="0">
+                <a:latin typeface="APL385 Unicode" panose="020B0709000202000203" pitchFamily="49" charset="0"/>
+              </a:rPr>
+              <a:t>      </a:t>
+            </a:r>
+            <a:r>
+              <a:rPr lang="en-GB" sz="2000" dirty="0" err="1">
+                <a:latin typeface="APL385 Unicode" panose="020B0709000202000203" pitchFamily="49" charset="0"/>
+              </a:rPr>
+              <a:t>fruit</a:t>
+            </a:r>
+            <a:r>
+              <a:rPr lang="en-GB" sz="2000" dirty="0" err="1">
+                <a:solidFill>
+                  <a:srgbClr val="0000FF"/>
+                </a:solidFill>
+                <a:latin typeface="APL385 Unicode" panose="020B0709000202000203" pitchFamily="49" charset="0"/>
+              </a:rPr>
+              <a:t>←</a:t>
+            </a:r>
+            <a:r>
+              <a:rPr lang="en-GB" sz="2000" dirty="0" err="1">
+                <a:solidFill>
+                  <a:srgbClr val="494949"/>
+                </a:solidFill>
+                <a:latin typeface="APL385 Unicode" panose="020B0709000202000203" pitchFamily="49" charset="0"/>
+              </a:rPr>
+              <a:t>'Apple</a:t>
+            </a:r>
+            <a:r>
+              <a:rPr lang="en-GB" sz="2000" dirty="0">
+                <a:solidFill>
+                  <a:srgbClr val="494949"/>
+                </a:solidFill>
+                <a:latin typeface="APL385 Unicode" panose="020B0709000202000203" pitchFamily="49" charset="0"/>
+              </a:rPr>
+              <a:t>' 'Banana' 'Cherry' 'Date' 'Elderberry'</a:t>
+            </a:r>
+          </a:p>
+          <a:p>
+            <a:pPr marL="0" indent="0">
+              <a:spcBef>
+                <a:spcPts val="0"/>
+              </a:spcBef>
+              <a:buNone/>
+            </a:pPr>
+            <a:r>
+              <a:rPr lang="en-GB" sz="2000" dirty="0">
+                <a:latin typeface="APL385 Unicode" panose="020B0709000202000203" pitchFamily="49" charset="0"/>
+              </a:rPr>
+              <a:t>      select</a:t>
+            </a:r>
+            <a:r>
+              <a:rPr lang="en-GB" sz="2000" dirty="0">
+                <a:solidFill>
+                  <a:srgbClr val="0000FF"/>
+                </a:solidFill>
+                <a:latin typeface="APL385 Unicode" panose="020B0709000202000203" pitchFamily="49" charset="0"/>
+              </a:rPr>
+              <a:t>←</a:t>
+            </a:r>
+            <a:r>
+              <a:rPr lang="en-GB" sz="2000" dirty="0">
+                <a:solidFill>
+                  <a:srgbClr val="494949"/>
+                </a:solidFill>
+                <a:latin typeface="APL385 Unicode" panose="020B0709000202000203" pitchFamily="49" charset="0"/>
+              </a:rPr>
+              <a:t>1 2 0 1 0</a:t>
+            </a:r>
+          </a:p>
+          <a:p>
+            <a:pPr marL="0" indent="0">
+              <a:spcBef>
+                <a:spcPts val="0"/>
+              </a:spcBef>
+              <a:buNone/>
+            </a:pPr>
+            <a:r>
+              <a:rPr lang="en-GB" sz="2000" dirty="0">
+                <a:latin typeface="APL385 Unicode" panose="020B0709000202000203" pitchFamily="49" charset="0"/>
+              </a:rPr>
+              <a:t>      select</a:t>
+            </a:r>
+            <a:r>
+              <a:rPr lang="en-GB" sz="2000" dirty="0">
+                <a:solidFill>
+                  <a:srgbClr val="0000FF"/>
+                </a:solidFill>
+                <a:latin typeface="APL385 Unicode" panose="020B0709000202000203" pitchFamily="49" charset="0"/>
+              </a:rPr>
+              <a:t>/</a:t>
+            </a:r>
+            <a:r>
+              <a:rPr lang="en-GB" sz="2000" dirty="0">
+                <a:latin typeface="APL385 Unicode" panose="020B0709000202000203" pitchFamily="49" charset="0"/>
+              </a:rPr>
+              <a:t>fruit</a:t>
+            </a:r>
+          </a:p>
+          <a:p>
+            <a:pPr marL="0" indent="0">
+              <a:spcBef>
+                <a:spcPts val="0"/>
+              </a:spcBef>
+              <a:buNone/>
+            </a:pPr>
+            <a:r>
+              <a:rPr lang="en-GB" sz="2000" dirty="0">
+                <a:latin typeface="APL385 Unicode" panose="020B0709000202000203" pitchFamily="49" charset="0"/>
+              </a:rPr>
+              <a:t> Apple  Banana  </a:t>
+            </a:r>
+            <a:r>
+              <a:rPr lang="en-GB" sz="2000" dirty="0" err="1">
+                <a:latin typeface="APL385 Unicode" panose="020B0709000202000203" pitchFamily="49" charset="0"/>
+              </a:rPr>
+              <a:t>Banana</a:t>
+            </a:r>
+            <a:r>
+              <a:rPr lang="en-GB" sz="2000" dirty="0">
+                <a:latin typeface="APL385 Unicode" panose="020B0709000202000203" pitchFamily="49" charset="0"/>
+              </a:rPr>
+              <a:t>  Date </a:t>
+            </a:r>
+          </a:p>
+          <a:p>
+            <a:pPr marL="0" indent="0">
+              <a:spcBef>
+                <a:spcPts val="0"/>
+              </a:spcBef>
+              <a:buNone/>
+            </a:pPr>
+            <a:r>
+              <a:rPr lang="en-GB" sz="2000" dirty="0">
+                <a:latin typeface="APL385 Unicode" panose="020B0709000202000203" pitchFamily="49" charset="0"/>
+              </a:rPr>
+              <a:t>      fruit</a:t>
+            </a:r>
+            <a:r>
+              <a:rPr lang="en-GB" sz="2000" dirty="0">
+                <a:solidFill>
+                  <a:srgbClr val="0000FF"/>
+                </a:solidFill>
+                <a:latin typeface="APL385 Unicode" panose="020B0709000202000203" pitchFamily="49" charset="0"/>
+              </a:rPr>
+              <a:t>[⍸</a:t>
+            </a:r>
+            <a:r>
+              <a:rPr lang="en-GB" sz="2000" dirty="0">
+                <a:latin typeface="APL385 Unicode" panose="020B0709000202000203" pitchFamily="49" charset="0"/>
+              </a:rPr>
+              <a:t>select</a:t>
+            </a:r>
+            <a:r>
+              <a:rPr lang="en-GB" sz="2000" dirty="0">
+                <a:solidFill>
+                  <a:srgbClr val="0000FF"/>
+                </a:solidFill>
+                <a:latin typeface="APL385 Unicode" panose="020B0709000202000203" pitchFamily="49" charset="0"/>
+              </a:rPr>
+              <a:t>]</a:t>
+            </a:r>
+          </a:p>
+          <a:p>
+            <a:pPr marL="0" indent="0">
+              <a:spcBef>
+                <a:spcPts val="0"/>
+              </a:spcBef>
+              <a:buNone/>
+            </a:pPr>
+            <a:r>
+              <a:rPr lang="en-GB" sz="2000" dirty="0">
+                <a:latin typeface="APL385 Unicode" panose="020B0709000202000203" pitchFamily="49" charset="0"/>
+              </a:rPr>
+              <a:t>DOMAIN ERROR</a:t>
+            </a:r>
+          </a:p>
+          <a:p>
+            <a:pPr marL="0" indent="0">
+              <a:spcBef>
+                <a:spcPts val="0"/>
+              </a:spcBef>
+              <a:buNone/>
+            </a:pPr>
+            <a:r>
+              <a:rPr lang="en-GB" sz="2000" dirty="0">
+                <a:latin typeface="APL385 Unicode" panose="020B0709000202000203" pitchFamily="49" charset="0"/>
+              </a:rPr>
+              <a:t>      fruit[⍸select]</a:t>
+            </a:r>
+          </a:p>
+          <a:p>
+            <a:pPr marL="0" indent="0">
+              <a:spcBef>
+                <a:spcPts val="0"/>
+              </a:spcBef>
+              <a:buNone/>
+            </a:pPr>
+            <a:r>
+              <a:rPr lang="en-GB" sz="2000" dirty="0">
+                <a:latin typeface="APL385 Unicode" panose="020B0709000202000203" pitchFamily="49" charset="0"/>
+              </a:rPr>
+              <a:t>            ∧</a:t>
+            </a:r>
+          </a:p>
+        </p:txBody>
+      </p:sp>
+      <p:sp>
+        <p:nvSpPr>
+          <p:cNvPr id="4" name="Content Placeholder 3">
+            <a:extLst>
+              <a:ext uri="{FF2B5EF4-FFF2-40B4-BE49-F238E27FC236}">
+                <a16:creationId xmlns:a16="http://schemas.microsoft.com/office/drawing/2014/main" id="{B73D9B4A-829D-4692-8DA4-53DB8C3E5219}"/>
+              </a:ext>
+            </a:extLst>
+          </p:cNvPr>
+          <p:cNvSpPr>
+            <a:spLocks noGrp="1"/>
+          </p:cNvSpPr>
+          <p:nvPr>
+            <p:ph sz="quarter" idx="12"/>
+          </p:nvPr>
+        </p:nvSpPr>
+        <p:spPr/>
+        <p:txBody>
+          <a:bodyPr/>
+          <a:lstStyle/>
+          <a:p>
+            <a:endParaRPr lang="en-GB" dirty="0"/>
+          </a:p>
+        </p:txBody>
+      </p:sp>
+      <p:sp>
+        <p:nvSpPr>
+          <p:cNvPr id="8" name="Speech Bubble: Oval 7">
+            <a:extLst>
+              <a:ext uri="{FF2B5EF4-FFF2-40B4-BE49-F238E27FC236}">
+                <a16:creationId xmlns:a16="http://schemas.microsoft.com/office/drawing/2014/main" id="{7F1AFBDE-9255-4C43-9EAF-2536C7E75EB2}"/>
+              </a:ext>
+            </a:extLst>
+          </p:cNvPr>
+          <p:cNvSpPr/>
+          <p:nvPr/>
+        </p:nvSpPr>
+        <p:spPr>
+          <a:xfrm>
+            <a:off x="323527" y="3559768"/>
+            <a:ext cx="945105" cy="941832"/>
+          </a:xfrm>
+          <a:prstGeom prst="wedgeEllipseCallout">
+            <a:avLst>
+              <a:gd name="adj1" fmla="val 51557"/>
+              <a:gd name="adj2" fmla="val -50070"/>
+            </a:avLst>
+          </a:prstGeom>
+          <a:solidFill>
+            <a:schemeClr val="bg1"/>
+          </a:solidFill>
+          <a:ln>
+            <a:solidFill>
+              <a:srgbClr val="F58220"/>
+            </a:solidFill>
+          </a:ln>
+          <a:effectLst/>
+        </p:spPr>
+        <p:style>
+          <a:lnRef idx="2">
+            <a:schemeClr val="accent1">
+              <a:shade val="50000"/>
+            </a:schemeClr>
+          </a:lnRef>
+          <a:fillRef idx="1">
+            <a:schemeClr val="accent1"/>
+          </a:fillRef>
+          <a:effectRef idx="0">
+            <a:schemeClr val="accent1"/>
+          </a:effectRef>
+          <a:fontRef idx="minor">
+            <a:schemeClr val="lt1"/>
+          </a:fontRef>
+        </p:style>
+        <p:txBody>
+          <a:bodyPr lIns="0" tIns="0" rIns="0" bIns="0" rtlCol="0" anchor="ctr"/>
+          <a:lstStyle/>
+          <a:p>
+            <a:pPr algn="ctr"/>
+            <a:r>
+              <a:rPr lang="en-GB" sz="2400" dirty="0">
+                <a:solidFill>
+                  <a:schemeClr val="accent6">
+                    <a:lumMod val="75000"/>
+                  </a:schemeClr>
+                </a:solidFill>
+                <a:latin typeface="MV Boli" panose="02000500030200090000" pitchFamily="2" charset="0"/>
+                <a:cs typeface="MV Boli" panose="02000500030200090000" pitchFamily="2" charset="0"/>
+              </a:rPr>
+              <a:t>17.1</a:t>
+            </a:r>
+          </a:p>
+        </p:txBody>
+      </p:sp>
+      <p:sp>
+        <p:nvSpPr>
+          <p:cNvPr id="6" name="Speech Bubble: Oval 5">
+            <a:extLst>
+              <a:ext uri="{FF2B5EF4-FFF2-40B4-BE49-F238E27FC236}">
+                <a16:creationId xmlns:a16="http://schemas.microsoft.com/office/drawing/2014/main" id="{1F1F1B10-F7AD-4A0E-B53B-F2802E5D2008}"/>
+              </a:ext>
+            </a:extLst>
+          </p:cNvPr>
+          <p:cNvSpPr/>
+          <p:nvPr/>
+        </p:nvSpPr>
+        <p:spPr>
+          <a:xfrm>
+            <a:off x="4797025" y="1940033"/>
+            <a:ext cx="1350150" cy="941832"/>
+          </a:xfrm>
+          <a:prstGeom prst="wedgeEllipseCallout">
+            <a:avLst>
+              <a:gd name="adj1" fmla="val -99614"/>
+              <a:gd name="adj2" fmla="val -13170"/>
+            </a:avLst>
+          </a:prstGeom>
+          <a:solidFill>
+            <a:schemeClr val="bg1"/>
+          </a:solidFill>
+          <a:ln>
+            <a:solidFill>
+              <a:srgbClr val="F58220"/>
+            </a:solidFill>
+          </a:ln>
+          <a:effectLst/>
+        </p:spPr>
+        <p:style>
+          <a:lnRef idx="2">
+            <a:schemeClr val="accent1">
+              <a:shade val="50000"/>
+            </a:schemeClr>
+          </a:lnRef>
+          <a:fillRef idx="1">
+            <a:schemeClr val="accent1"/>
+          </a:fillRef>
+          <a:effectRef idx="0">
+            <a:schemeClr val="accent1"/>
+          </a:effectRef>
+          <a:fontRef idx="minor">
+            <a:schemeClr val="lt1"/>
+          </a:fontRef>
+        </p:style>
+        <p:txBody>
+          <a:bodyPr lIns="0" tIns="0" rIns="0" bIns="0" rtlCol="0" anchor="ctr"/>
+          <a:lstStyle/>
+          <a:p>
+            <a:pPr algn="ctr"/>
+            <a:r>
+              <a:rPr lang="en-GB" sz="2400" dirty="0">
+                <a:solidFill>
+                  <a:schemeClr val="accent6">
+                    <a:lumMod val="75000"/>
+                  </a:schemeClr>
+                </a:solidFill>
+                <a:latin typeface="MV Boli" panose="02000500030200090000" pitchFamily="2" charset="0"/>
+                <a:cs typeface="MV Boli" panose="02000500030200090000" pitchFamily="2" charset="0"/>
+              </a:rPr>
+              <a:t>1980</a:t>
+            </a:r>
+          </a:p>
+        </p:txBody>
+      </p:sp>
+    </p:spTree>
+    <p:extLst>
+      <p:ext uri="{BB962C8B-B14F-4D97-AF65-F5344CB8AC3E}">
+        <p14:creationId xmlns:p14="http://schemas.microsoft.com/office/powerpoint/2010/main" val="1811634276"/>
+      </p:ext>
+    </p:extLst>
+  </p:cSld>
+  <p:clrMapOvr>
+    <a:masterClrMapping/>
+  </p:clrMapOvr>
+  <p:timing>
+    <p:tnLst>
+      <p:par>
+        <p:cTn id="1" dur="indefinite" restart="never" nodeType="tmRoot">
+          <p:childTnLst>
+            <p:seq concurrent="1" nextAc="seek">
+              <p:cTn id="2" dur="indefinite" nodeType="mainSeq">
+                <p:childTnLst>
+                  <p:par>
+                    <p:cTn id="3" fill="hold">
+                      <p:stCondLst>
+                        <p:cond delay="indefinite"/>
+                      </p:stCondLst>
+                      <p:childTnLst>
+                        <p:par>
+                          <p:cTn id="4" fill="hold">
+                            <p:stCondLst>
+                              <p:cond delay="0"/>
+                            </p:stCondLst>
+                            <p:childTnLst>
+                              <p:par>
+                                <p:cTn id="5" presetID="1" presetClass="entr" presetSubtype="0" fill="hold" nodeType="clickEffect">
+                                  <p:stCondLst>
+                                    <p:cond delay="0"/>
+                                  </p:stCondLst>
+                                  <p:childTnLst>
+                                    <p:set>
+                                      <p:cBhvr>
+                                        <p:cTn id="6" dur="1" fill="hold">
+                                          <p:stCondLst>
+                                            <p:cond delay="0"/>
+                                          </p:stCondLst>
+                                        </p:cTn>
+                                        <p:tgtEl>
+                                          <p:spTgt spid="3">
+                                            <p:txEl>
+                                              <p:pRg st="2" end="2"/>
+                                            </p:txEl>
+                                          </p:spTgt>
+                                        </p:tgtEl>
+                                        <p:attrNameLst>
+                                          <p:attrName>style.visibility</p:attrName>
+                                        </p:attrNameLst>
+                                      </p:cBhvr>
+                                      <p:to>
+                                        <p:strVal val="visible"/>
+                                      </p:to>
+                                    </p:set>
+                                  </p:childTnLst>
+                                </p:cTn>
+                              </p:par>
+                              <p:par>
+                                <p:cTn id="7" presetID="1" presetClass="entr" presetSubtype="0" fill="hold" nodeType="withEffect">
+                                  <p:stCondLst>
+                                    <p:cond delay="0"/>
+                                  </p:stCondLst>
+                                  <p:childTnLst>
+                                    <p:set>
+                                      <p:cBhvr>
+                                        <p:cTn id="8" dur="1" fill="hold">
+                                          <p:stCondLst>
+                                            <p:cond delay="0"/>
+                                          </p:stCondLst>
+                                        </p:cTn>
+                                        <p:tgtEl>
+                                          <p:spTgt spid="3">
+                                            <p:txEl>
+                                              <p:pRg st="3" end="3"/>
+                                            </p:txEl>
+                                          </p:spTgt>
+                                        </p:tgtEl>
+                                        <p:attrNameLst>
+                                          <p:attrName>style.visibility</p:attrName>
+                                        </p:attrNameLst>
+                                      </p:cBhvr>
+                                      <p:to>
+                                        <p:strVal val="visible"/>
+                                      </p:to>
+                                    </p:set>
+                                  </p:childTnLst>
+                                </p:cTn>
+                              </p:par>
+                              <p:par>
+                                <p:cTn id="9" presetID="1" presetClass="entr" presetSubtype="0" fill="hold" grpId="0" nodeType="withEffect">
+                                  <p:stCondLst>
+                                    <p:cond delay="0"/>
+                                  </p:stCondLst>
+                                  <p:childTnLst>
+                                    <p:set>
+                                      <p:cBhvr>
+                                        <p:cTn id="10" dur="1" fill="hold">
+                                          <p:stCondLst>
+                                            <p:cond delay="0"/>
+                                          </p:stCondLst>
+                                        </p:cTn>
+                                        <p:tgtEl>
+                                          <p:spTgt spid="6"/>
+                                        </p:tgtEl>
+                                        <p:attrNameLst>
+                                          <p:attrName>style.visibility</p:attrName>
+                                        </p:attrNameLst>
+                                      </p:cBhvr>
+                                      <p:to>
+                                        <p:strVal val="visible"/>
+                                      </p:to>
+                                    </p:set>
+                                  </p:childTnLst>
+                                </p:cTn>
+                              </p:par>
+                            </p:childTnLst>
+                          </p:cTn>
+                        </p:par>
+                      </p:childTnLst>
+                    </p:cTn>
+                  </p:par>
+                  <p:par>
+                    <p:cTn id="11" fill="hold">
+                      <p:stCondLst>
+                        <p:cond delay="indefinite"/>
+                      </p:stCondLst>
+                      <p:childTnLst>
+                        <p:par>
+                          <p:cTn id="12" fill="hold">
+                            <p:stCondLst>
+                              <p:cond delay="0"/>
+                            </p:stCondLst>
+                            <p:childTnLst>
+                              <p:par>
+                                <p:cTn id="13" presetID="1" presetClass="entr" presetSubtype="0" fill="hold" nodeType="clickEffect">
+                                  <p:stCondLst>
+                                    <p:cond delay="0"/>
+                                  </p:stCondLst>
+                                  <p:childTnLst>
+                                    <p:set>
+                                      <p:cBhvr>
+                                        <p:cTn id="14" dur="1" fill="hold">
+                                          <p:stCondLst>
+                                            <p:cond delay="0"/>
+                                          </p:stCondLst>
+                                        </p:cTn>
+                                        <p:tgtEl>
+                                          <p:spTgt spid="3">
+                                            <p:txEl>
+                                              <p:pRg st="4" end="4"/>
+                                            </p:txEl>
+                                          </p:spTgt>
+                                        </p:tgtEl>
+                                        <p:attrNameLst>
+                                          <p:attrName>style.visibility</p:attrName>
+                                        </p:attrNameLst>
+                                      </p:cBhvr>
+                                      <p:to>
+                                        <p:strVal val="visible"/>
+                                      </p:to>
+                                    </p:set>
+                                  </p:childTnLst>
+                                </p:cTn>
+                              </p:par>
+                              <p:par>
+                                <p:cTn id="15" presetID="1" presetClass="entr" presetSubtype="0" fill="hold" nodeType="withEffect">
+                                  <p:stCondLst>
+                                    <p:cond delay="0"/>
+                                  </p:stCondLst>
+                                  <p:childTnLst>
+                                    <p:set>
+                                      <p:cBhvr>
+                                        <p:cTn id="16" dur="1" fill="hold">
+                                          <p:stCondLst>
+                                            <p:cond delay="0"/>
+                                          </p:stCondLst>
+                                        </p:cTn>
+                                        <p:tgtEl>
+                                          <p:spTgt spid="3">
+                                            <p:txEl>
+                                              <p:pRg st="5" end="5"/>
+                                            </p:txEl>
+                                          </p:spTgt>
+                                        </p:tgtEl>
+                                        <p:attrNameLst>
+                                          <p:attrName>style.visibility</p:attrName>
+                                        </p:attrNameLst>
+                                      </p:cBhvr>
+                                      <p:to>
+                                        <p:strVal val="visible"/>
+                                      </p:to>
+                                    </p:set>
+                                  </p:childTnLst>
+                                </p:cTn>
+                              </p:par>
+                              <p:par>
+                                <p:cTn id="17" presetID="1" presetClass="entr" presetSubtype="0" fill="hold" nodeType="withEffect">
+                                  <p:stCondLst>
+                                    <p:cond delay="0"/>
+                                  </p:stCondLst>
+                                  <p:childTnLst>
+                                    <p:set>
+                                      <p:cBhvr>
+                                        <p:cTn id="18" dur="1" fill="hold">
+                                          <p:stCondLst>
+                                            <p:cond delay="0"/>
+                                          </p:stCondLst>
+                                        </p:cTn>
+                                        <p:tgtEl>
+                                          <p:spTgt spid="3">
+                                            <p:txEl>
+                                              <p:pRg st="6" end="6"/>
+                                            </p:txEl>
+                                          </p:spTgt>
+                                        </p:tgtEl>
+                                        <p:attrNameLst>
+                                          <p:attrName>style.visibility</p:attrName>
+                                        </p:attrNameLst>
+                                      </p:cBhvr>
+                                      <p:to>
+                                        <p:strVal val="visible"/>
+                                      </p:to>
+                                    </p:set>
+                                  </p:childTnLst>
+                                </p:cTn>
+                              </p:par>
+                              <p:par>
+                                <p:cTn id="19" presetID="1" presetClass="entr" presetSubtype="0" fill="hold" nodeType="withEffect">
+                                  <p:stCondLst>
+                                    <p:cond delay="0"/>
+                                  </p:stCondLst>
+                                  <p:childTnLst>
+                                    <p:set>
+                                      <p:cBhvr>
+                                        <p:cTn id="20" dur="1" fill="hold">
+                                          <p:stCondLst>
+                                            <p:cond delay="0"/>
+                                          </p:stCondLst>
+                                        </p:cTn>
+                                        <p:tgtEl>
+                                          <p:spTgt spid="3">
+                                            <p:txEl>
+                                              <p:pRg st="7" end="7"/>
+                                            </p:txEl>
+                                          </p:spTgt>
+                                        </p:tgtEl>
+                                        <p:attrNameLst>
+                                          <p:attrName>style.visibility</p:attrName>
+                                        </p:attrNameLst>
+                                      </p:cBhvr>
+                                      <p:to>
+                                        <p:strVal val="visible"/>
+                                      </p:to>
+                                    </p:set>
+                                  </p:childTnLst>
+                                </p:cTn>
+                              </p:par>
+                              <p:par>
+                                <p:cTn id="21" presetID="1" presetClass="entr" presetSubtype="0" fill="hold" grpId="0" nodeType="withEffect">
+                                  <p:stCondLst>
+                                    <p:cond delay="0"/>
+                                  </p:stCondLst>
+                                  <p:childTnLst>
+                                    <p:set>
+                                      <p:cBhvr>
+                                        <p:cTn id="22" dur="1" fill="hold">
+                                          <p:stCondLst>
+                                            <p:cond delay="0"/>
+                                          </p:stCondLst>
+                                        </p:cTn>
+                                        <p:tgtEl>
+                                          <p:spTgt spid="8"/>
+                                        </p:tgtEl>
+                                        <p:attrNameLst>
+                                          <p:attrName>style.visibility</p:attrName>
+                                        </p:attrNameLst>
+                                      </p:cBhvr>
+                                      <p:to>
+                                        <p:strVal val="visible"/>
+                                      </p:to>
+                                    </p:set>
+                                  </p:childTnLst>
+                                </p:cTn>
+                              </p:par>
+                              <p:par>
+                                <p:cTn id="23" presetID="1" presetClass="exit" presetSubtype="0" fill="hold" grpId="1" nodeType="withEffect">
+                                  <p:stCondLst>
+                                    <p:cond delay="0"/>
+                                  </p:stCondLst>
+                                  <p:childTnLst>
+                                    <p:set>
+                                      <p:cBhvr>
+                                        <p:cTn id="24" dur="1" fill="hold">
+                                          <p:stCondLst>
+                                            <p:cond delay="0"/>
+                                          </p:stCondLst>
+                                        </p:cTn>
+                                        <p:tgtEl>
+                                          <p:spTgt spid="6"/>
+                                        </p:tgtEl>
+                                        <p:attrNameLst>
+                                          <p:attrName>style.visibility</p:attrName>
+                                        </p:attrNameLst>
+                                      </p:cBhvr>
+                                      <p:to>
+                                        <p:strVal val="hidden"/>
+                                      </p:to>
+                                    </p:set>
+                                  </p:childTnLst>
+                                </p:cTn>
+                              </p:par>
+                            </p:childTnLst>
+                          </p:cTn>
+                        </p:par>
+                      </p:childTnLst>
+                    </p:cTn>
+                  </p:par>
+                </p:childTnLst>
+              </p:cTn>
+              <p:prevCondLst>
+                <p:cond evt="onPrev" delay="0">
+                  <p:tgtEl>
+                    <p:sldTgt/>
+                  </p:tgtEl>
+                </p:cond>
+              </p:prevCondLst>
+              <p:nextCondLst>
+                <p:cond evt="onNext" delay="0">
+                  <p:tgtEl>
+                    <p:sldTgt/>
+                  </p:tgtEl>
+                </p:cond>
+              </p:nextCondLst>
+            </p:seq>
+          </p:childTnLst>
+        </p:cTn>
+      </p:par>
+    </p:tnLst>
+    <p:bldLst>
+      <p:bldP spid="8" grpId="0" animBg="1"/>
+      <p:bldP spid="6" grpId="0" animBg="1"/>
+      <p:bldP spid="6" grpId="1" animBg="1"/>
+    </p:bldLst>
+  </p:timing>
 </p:sld>
 </file>
 
@@ -8784,6 +14156,3210 @@
     <p:extLst>
       <p:ext uri="{BB962C8B-B14F-4D97-AF65-F5344CB8AC3E}">
         <p14:creationId xmlns:p14="http://schemas.microsoft.com/office/powerpoint/2010/main" val="3945748508"/>
+      </p:ext>
+    </p:extLst>
+  </p:cSld>
+  <p:clrMapOvr>
+    <a:masterClrMapping/>
+  </p:clrMapOvr>
+</p:sld>
+</file>
+
+<file path=ppt/slides/slide30.xml><?xml version="1.0" encoding="utf-8"?>
+<p:sld xmlns:a="http://schemas.openxmlformats.org/drawingml/2006/main" xmlns:r="http://schemas.openxmlformats.org/officeDocument/2006/relationships" xmlns:p="http://schemas.openxmlformats.org/presentationml/2006/main">
+  <p:cSld>
+    <p:spTree>
+      <p:nvGrpSpPr>
+        <p:cNvPr id="1" name=""/>
+        <p:cNvGrpSpPr/>
+        <p:nvPr/>
+      </p:nvGrpSpPr>
+      <p:grpSpPr>
+        <a:xfrm>
+          <a:off x="0" y="0"/>
+          <a:ext cx="0" cy="0"/>
+          <a:chOff x="0" y="0"/>
+          <a:chExt cx="0" cy="0"/>
+        </a:xfrm>
+      </p:grpSpPr>
+      <p:sp>
+        <p:nvSpPr>
+          <p:cNvPr id="2" name="Title 1">
+            <a:extLst>
+              <a:ext uri="{FF2B5EF4-FFF2-40B4-BE49-F238E27FC236}">
+                <a16:creationId xmlns:a16="http://schemas.microsoft.com/office/drawing/2014/main" id="{F007BB04-F697-4219-BF54-058B09D498B7}"/>
+              </a:ext>
+            </a:extLst>
+          </p:cNvPr>
+          <p:cNvSpPr>
+            <a:spLocks noGrp="1"/>
+          </p:cNvSpPr>
+          <p:nvPr>
+            <p:ph type="title"/>
+          </p:nvPr>
+        </p:nvSpPr>
+        <p:spPr/>
+        <p:txBody>
+          <a:bodyPr/>
+          <a:lstStyle/>
+          <a:p>
+            <a:r>
+              <a:rPr lang="en-GB" dirty="0"/>
+              <a:t>Use case: multi-selection</a:t>
+            </a:r>
+          </a:p>
+        </p:txBody>
+      </p:sp>
+      <p:sp>
+        <p:nvSpPr>
+          <p:cNvPr id="3" name="Content Placeholder 2">
+            <a:extLst>
+              <a:ext uri="{FF2B5EF4-FFF2-40B4-BE49-F238E27FC236}">
+                <a16:creationId xmlns:a16="http://schemas.microsoft.com/office/drawing/2014/main" id="{44B81363-7B7D-43CC-82A6-89126558816D}"/>
+              </a:ext>
+            </a:extLst>
+          </p:cNvPr>
+          <p:cNvSpPr>
+            <a:spLocks noGrp="1"/>
+          </p:cNvSpPr>
+          <p:nvPr>
+            <p:ph idx="1"/>
+          </p:nvPr>
+        </p:nvSpPr>
+        <p:spPr>
+          <a:xfrm>
+            <a:off x="323527" y="1446625"/>
+            <a:ext cx="12529393" cy="4095455"/>
+          </a:xfrm>
+        </p:spPr>
+        <p:txBody>
+          <a:bodyPr>
+            <a:normAutofit/>
+          </a:bodyPr>
+          <a:lstStyle/>
+          <a:p>
+            <a:pPr marL="0" indent="0">
+              <a:spcBef>
+                <a:spcPts val="0"/>
+              </a:spcBef>
+              <a:buNone/>
+            </a:pPr>
+            <a:r>
+              <a:rPr lang="en-GB" sz="2000" dirty="0">
+                <a:latin typeface="APL385 Unicode" panose="020B0709000202000203" pitchFamily="49" charset="0"/>
+              </a:rPr>
+              <a:t>      </a:t>
+            </a:r>
+            <a:r>
+              <a:rPr lang="en-GB" sz="2000" dirty="0" err="1">
+                <a:latin typeface="APL385 Unicode" panose="020B0709000202000203" pitchFamily="49" charset="0"/>
+              </a:rPr>
+              <a:t>fruit</a:t>
+            </a:r>
+            <a:r>
+              <a:rPr lang="en-GB" sz="2000" dirty="0" err="1">
+                <a:solidFill>
+                  <a:srgbClr val="0000FF"/>
+                </a:solidFill>
+                <a:latin typeface="APL385 Unicode" panose="020B0709000202000203" pitchFamily="49" charset="0"/>
+              </a:rPr>
+              <a:t>←</a:t>
+            </a:r>
+            <a:r>
+              <a:rPr lang="en-GB" sz="2000" dirty="0" err="1">
+                <a:solidFill>
+                  <a:srgbClr val="494949"/>
+                </a:solidFill>
+                <a:latin typeface="APL385 Unicode" panose="020B0709000202000203" pitchFamily="49" charset="0"/>
+              </a:rPr>
+              <a:t>'Apple</a:t>
+            </a:r>
+            <a:r>
+              <a:rPr lang="en-GB" sz="2000" dirty="0">
+                <a:solidFill>
+                  <a:srgbClr val="494949"/>
+                </a:solidFill>
+                <a:latin typeface="APL385 Unicode" panose="020B0709000202000203" pitchFamily="49" charset="0"/>
+              </a:rPr>
+              <a:t>' 'Banana' 'Cherry' 'Date' 'Elderberry'</a:t>
+            </a:r>
+          </a:p>
+          <a:p>
+            <a:pPr marL="0" indent="0">
+              <a:spcBef>
+                <a:spcPts val="0"/>
+              </a:spcBef>
+              <a:buNone/>
+            </a:pPr>
+            <a:r>
+              <a:rPr lang="en-GB" sz="2000" dirty="0">
+                <a:latin typeface="APL385 Unicode" panose="020B0709000202000203" pitchFamily="49" charset="0"/>
+              </a:rPr>
+              <a:t>      select</a:t>
+            </a:r>
+            <a:r>
+              <a:rPr lang="en-GB" sz="2000" dirty="0">
+                <a:solidFill>
+                  <a:srgbClr val="0000FF"/>
+                </a:solidFill>
+                <a:latin typeface="APL385 Unicode" panose="020B0709000202000203" pitchFamily="49" charset="0"/>
+              </a:rPr>
+              <a:t>←</a:t>
+            </a:r>
+            <a:r>
+              <a:rPr lang="en-GB" sz="2000" dirty="0">
+                <a:solidFill>
+                  <a:srgbClr val="494949"/>
+                </a:solidFill>
+                <a:latin typeface="APL385 Unicode" panose="020B0709000202000203" pitchFamily="49" charset="0"/>
+              </a:rPr>
+              <a:t>1 2 0 1 0</a:t>
+            </a:r>
+          </a:p>
+          <a:p>
+            <a:pPr marL="0" indent="0">
+              <a:spcBef>
+                <a:spcPts val="0"/>
+              </a:spcBef>
+              <a:buNone/>
+            </a:pPr>
+            <a:r>
+              <a:rPr lang="en-GB" sz="2000" dirty="0">
+                <a:latin typeface="APL385 Unicode" panose="020B0709000202000203" pitchFamily="49" charset="0"/>
+              </a:rPr>
+              <a:t>      select</a:t>
+            </a:r>
+            <a:r>
+              <a:rPr lang="en-GB" sz="2000" dirty="0">
+                <a:solidFill>
+                  <a:srgbClr val="0000FF"/>
+                </a:solidFill>
+                <a:latin typeface="APL385 Unicode" panose="020B0709000202000203" pitchFamily="49" charset="0"/>
+              </a:rPr>
+              <a:t>/</a:t>
+            </a:r>
+            <a:r>
+              <a:rPr lang="en-GB" sz="2000" dirty="0">
+                <a:latin typeface="APL385 Unicode" panose="020B0709000202000203" pitchFamily="49" charset="0"/>
+              </a:rPr>
+              <a:t>fruit</a:t>
+            </a:r>
+          </a:p>
+          <a:p>
+            <a:pPr marL="0" indent="0">
+              <a:spcBef>
+                <a:spcPts val="0"/>
+              </a:spcBef>
+              <a:buNone/>
+            </a:pPr>
+            <a:r>
+              <a:rPr lang="en-GB" sz="2000" dirty="0">
+                <a:latin typeface="APL385 Unicode" panose="020B0709000202000203" pitchFamily="49" charset="0"/>
+              </a:rPr>
+              <a:t> Apple  Banana  </a:t>
+            </a:r>
+            <a:r>
+              <a:rPr lang="en-GB" sz="2000" dirty="0" err="1">
+                <a:latin typeface="APL385 Unicode" panose="020B0709000202000203" pitchFamily="49" charset="0"/>
+              </a:rPr>
+              <a:t>Banana</a:t>
+            </a:r>
+            <a:r>
+              <a:rPr lang="en-GB" sz="2000" dirty="0">
+                <a:latin typeface="APL385 Unicode" panose="020B0709000202000203" pitchFamily="49" charset="0"/>
+              </a:rPr>
+              <a:t>  Date </a:t>
+            </a:r>
+          </a:p>
+          <a:p>
+            <a:pPr marL="0" indent="0">
+              <a:spcBef>
+                <a:spcPts val="0"/>
+              </a:spcBef>
+              <a:buNone/>
+            </a:pPr>
+            <a:r>
+              <a:rPr lang="en-GB" sz="2000" dirty="0">
+                <a:latin typeface="APL385 Unicode" panose="020B0709000202000203" pitchFamily="49" charset="0"/>
+              </a:rPr>
+              <a:t>      fruit</a:t>
+            </a:r>
+            <a:r>
+              <a:rPr lang="en-GB" sz="2000" dirty="0">
+                <a:solidFill>
+                  <a:srgbClr val="0000FF"/>
+                </a:solidFill>
+                <a:latin typeface="APL385 Unicode" panose="020B0709000202000203" pitchFamily="49" charset="0"/>
+              </a:rPr>
+              <a:t>[⍸</a:t>
+            </a:r>
+            <a:r>
+              <a:rPr lang="en-GB" sz="2000" dirty="0">
+                <a:latin typeface="APL385 Unicode" panose="020B0709000202000203" pitchFamily="49" charset="0"/>
+              </a:rPr>
+              <a:t>select</a:t>
+            </a:r>
+            <a:r>
+              <a:rPr lang="en-GB" sz="2000" dirty="0">
+                <a:solidFill>
+                  <a:srgbClr val="0000FF"/>
+                </a:solidFill>
+                <a:latin typeface="APL385 Unicode" panose="020B0709000202000203" pitchFamily="49" charset="0"/>
+              </a:rPr>
+              <a:t>]</a:t>
+            </a:r>
+          </a:p>
+          <a:p>
+            <a:pPr marL="0" indent="0">
+              <a:spcBef>
+                <a:spcPts val="0"/>
+              </a:spcBef>
+              <a:buNone/>
+            </a:pPr>
+            <a:r>
+              <a:rPr lang="en-GB" sz="2000" dirty="0">
+                <a:latin typeface="APL385 Unicode" panose="020B0709000202000203" pitchFamily="49" charset="0"/>
+              </a:rPr>
+              <a:t> Apple  Banana  </a:t>
+            </a:r>
+            <a:r>
+              <a:rPr lang="en-GB" sz="2000" dirty="0" err="1">
+                <a:latin typeface="APL385 Unicode" panose="020B0709000202000203" pitchFamily="49" charset="0"/>
+              </a:rPr>
+              <a:t>Banana</a:t>
+            </a:r>
+            <a:r>
+              <a:rPr lang="en-GB" sz="2000" dirty="0">
+                <a:latin typeface="APL385 Unicode" panose="020B0709000202000203" pitchFamily="49" charset="0"/>
+              </a:rPr>
+              <a:t>  Date </a:t>
+            </a:r>
+          </a:p>
+        </p:txBody>
+      </p:sp>
+      <p:sp>
+        <p:nvSpPr>
+          <p:cNvPr id="4" name="Content Placeholder 3">
+            <a:extLst>
+              <a:ext uri="{FF2B5EF4-FFF2-40B4-BE49-F238E27FC236}">
+                <a16:creationId xmlns:a16="http://schemas.microsoft.com/office/drawing/2014/main" id="{B73D9B4A-829D-4692-8DA4-53DB8C3E5219}"/>
+              </a:ext>
+            </a:extLst>
+          </p:cNvPr>
+          <p:cNvSpPr>
+            <a:spLocks noGrp="1"/>
+          </p:cNvSpPr>
+          <p:nvPr>
+            <p:ph sz="quarter" idx="12"/>
+          </p:nvPr>
+        </p:nvSpPr>
+        <p:spPr/>
+        <p:txBody>
+          <a:bodyPr/>
+          <a:lstStyle/>
+          <a:p>
+            <a:endParaRPr lang="en-GB" dirty="0"/>
+          </a:p>
+        </p:txBody>
+      </p:sp>
+      <p:sp>
+        <p:nvSpPr>
+          <p:cNvPr id="8" name="Speech Bubble: Oval 7">
+            <a:extLst>
+              <a:ext uri="{FF2B5EF4-FFF2-40B4-BE49-F238E27FC236}">
+                <a16:creationId xmlns:a16="http://schemas.microsoft.com/office/drawing/2014/main" id="{F4145D6A-D230-433F-AC48-1C60AAD0B235}"/>
+              </a:ext>
+            </a:extLst>
+          </p:cNvPr>
+          <p:cNvSpPr/>
+          <p:nvPr/>
+        </p:nvSpPr>
+        <p:spPr>
+          <a:xfrm>
+            <a:off x="323527" y="3559768"/>
+            <a:ext cx="945105" cy="941832"/>
+          </a:xfrm>
+          <a:prstGeom prst="wedgeEllipseCallout">
+            <a:avLst>
+              <a:gd name="adj1" fmla="val 51557"/>
+              <a:gd name="adj2" fmla="val -50070"/>
+            </a:avLst>
+          </a:prstGeom>
+          <a:solidFill>
+            <a:schemeClr val="bg1"/>
+          </a:solidFill>
+          <a:ln>
+            <a:solidFill>
+              <a:srgbClr val="F58220"/>
+            </a:solidFill>
+          </a:ln>
+          <a:effectLst/>
+        </p:spPr>
+        <p:style>
+          <a:lnRef idx="2">
+            <a:schemeClr val="accent1">
+              <a:shade val="50000"/>
+            </a:schemeClr>
+          </a:lnRef>
+          <a:fillRef idx="1">
+            <a:schemeClr val="accent1"/>
+          </a:fillRef>
+          <a:effectRef idx="0">
+            <a:schemeClr val="accent1"/>
+          </a:effectRef>
+          <a:fontRef idx="minor">
+            <a:schemeClr val="lt1"/>
+          </a:fontRef>
+        </p:style>
+        <p:txBody>
+          <a:bodyPr lIns="0" tIns="0" rIns="0" bIns="0" rtlCol="0" anchor="ctr"/>
+          <a:lstStyle/>
+          <a:p>
+            <a:pPr algn="ctr"/>
+            <a:r>
+              <a:rPr lang="en-GB" sz="2400" dirty="0">
+                <a:solidFill>
+                  <a:schemeClr val="accent6">
+                    <a:lumMod val="75000"/>
+                  </a:schemeClr>
+                </a:solidFill>
+                <a:latin typeface="MV Boli" panose="02000500030200090000" pitchFamily="2" charset="0"/>
+                <a:cs typeface="MV Boli" panose="02000500030200090000" pitchFamily="2" charset="0"/>
+              </a:rPr>
+              <a:t>18.0</a:t>
+            </a:r>
+          </a:p>
+        </p:txBody>
+      </p:sp>
+    </p:spTree>
+    <p:extLst>
+      <p:ext uri="{BB962C8B-B14F-4D97-AF65-F5344CB8AC3E}">
+        <p14:creationId xmlns:p14="http://schemas.microsoft.com/office/powerpoint/2010/main" val="2672833122"/>
+      </p:ext>
+    </p:extLst>
+  </p:cSld>
+  <p:clrMapOvr>
+    <a:masterClrMapping/>
+  </p:clrMapOvr>
+</p:sld>
+</file>
+
+<file path=ppt/slides/slide31.xml><?xml version="1.0" encoding="utf-8"?>
+<p:sld xmlns:a="http://schemas.openxmlformats.org/drawingml/2006/main" xmlns:r="http://schemas.openxmlformats.org/officeDocument/2006/relationships" xmlns:p="http://schemas.openxmlformats.org/presentationml/2006/main">
+  <p:cSld>
+    <p:spTree>
+      <p:nvGrpSpPr>
+        <p:cNvPr id="1" name=""/>
+        <p:cNvGrpSpPr/>
+        <p:nvPr/>
+      </p:nvGrpSpPr>
+      <p:grpSpPr>
+        <a:xfrm>
+          <a:off x="0" y="0"/>
+          <a:ext cx="0" cy="0"/>
+          <a:chOff x="0" y="0"/>
+          <a:chExt cx="0" cy="0"/>
+        </a:xfrm>
+      </p:grpSpPr>
+      <p:sp>
+        <p:nvSpPr>
+          <p:cNvPr id="2" name="Title 1">
+            <a:extLst>
+              <a:ext uri="{FF2B5EF4-FFF2-40B4-BE49-F238E27FC236}">
+                <a16:creationId xmlns:a16="http://schemas.microsoft.com/office/drawing/2014/main" id="{F007BB04-F697-4219-BF54-058B09D498B7}"/>
+              </a:ext>
+            </a:extLst>
+          </p:cNvPr>
+          <p:cNvSpPr>
+            <a:spLocks noGrp="1"/>
+          </p:cNvSpPr>
+          <p:nvPr>
+            <p:ph type="title"/>
+          </p:nvPr>
+        </p:nvSpPr>
+        <p:spPr/>
+        <p:txBody>
+          <a:bodyPr/>
+          <a:lstStyle/>
+          <a:p>
+            <a:r>
+              <a:rPr lang="en-GB" dirty="0"/>
+              <a:t>Use case: multi-dimensional selection</a:t>
+            </a:r>
+          </a:p>
+        </p:txBody>
+      </p:sp>
+      <p:sp>
+        <p:nvSpPr>
+          <p:cNvPr id="3" name="Content Placeholder 2">
+            <a:extLst>
+              <a:ext uri="{FF2B5EF4-FFF2-40B4-BE49-F238E27FC236}">
+                <a16:creationId xmlns:a16="http://schemas.microsoft.com/office/drawing/2014/main" id="{44B81363-7B7D-43CC-82A6-89126558816D}"/>
+              </a:ext>
+            </a:extLst>
+          </p:cNvPr>
+          <p:cNvSpPr>
+            <a:spLocks noGrp="1"/>
+          </p:cNvSpPr>
+          <p:nvPr>
+            <p:ph idx="1"/>
+          </p:nvPr>
+        </p:nvSpPr>
+        <p:spPr>
+          <a:xfrm>
+            <a:off x="323527" y="1446625"/>
+            <a:ext cx="12529393" cy="4095455"/>
+          </a:xfrm>
+        </p:spPr>
+        <p:txBody>
+          <a:bodyPr>
+            <a:normAutofit/>
+          </a:bodyPr>
+          <a:lstStyle/>
+          <a:p>
+            <a:pPr marL="0" indent="0">
+              <a:spcBef>
+                <a:spcPts val="0"/>
+              </a:spcBef>
+              <a:buNone/>
+            </a:pPr>
+            <a:r>
+              <a:rPr lang="en-GB" sz="2000" dirty="0">
+                <a:latin typeface="APL385 Unicode" panose="020B0709000202000203" pitchFamily="49" charset="0"/>
+              </a:rPr>
+              <a:t>      </a:t>
+            </a:r>
+            <a:r>
+              <a:rPr lang="it-IT" sz="2000" dirty="0">
+                <a:latin typeface="APL385 Unicode" panose="020B0709000202000203" pitchFamily="49" charset="0"/>
+              </a:rPr>
+              <a:t>spice</a:t>
+            </a:r>
+            <a:r>
+              <a:rPr lang="it-IT" sz="2000" dirty="0">
+                <a:solidFill>
+                  <a:srgbClr val="0000FF"/>
+                </a:solidFill>
+                <a:latin typeface="APL385 Unicode" panose="020B0709000202000203" pitchFamily="49" charset="0"/>
+              </a:rPr>
+              <a:t>←</a:t>
+            </a:r>
+            <a:r>
+              <a:rPr lang="it-IT" sz="2000" dirty="0">
+                <a:solidFill>
+                  <a:srgbClr val="494949"/>
+                </a:solidFill>
+                <a:latin typeface="APL385 Unicode" panose="020B0709000202000203" pitchFamily="49" charset="0"/>
+              </a:rPr>
+              <a:t>'Anise' 'Basil' 'Chili' 'Dill' 'Epazote'</a:t>
+            </a:r>
+            <a:endParaRPr lang="en-GB" sz="2000" dirty="0">
+              <a:solidFill>
+                <a:srgbClr val="494949"/>
+              </a:solidFill>
+              <a:latin typeface="APL385 Unicode" panose="020B0709000202000203" pitchFamily="49" charset="0"/>
+            </a:endParaRPr>
+          </a:p>
+          <a:p>
+            <a:pPr marL="0" indent="0">
+              <a:spcBef>
+                <a:spcPts val="0"/>
+              </a:spcBef>
+              <a:buNone/>
+            </a:pPr>
+            <a:r>
+              <a:rPr lang="en-GB" sz="2000" dirty="0">
+                <a:latin typeface="APL385 Unicode" panose="020B0709000202000203" pitchFamily="49" charset="0"/>
+              </a:rPr>
+              <a:t>      ⎕</a:t>
+            </a:r>
+            <a:r>
+              <a:rPr lang="en-GB" sz="2000" dirty="0">
+                <a:solidFill>
+                  <a:srgbClr val="0000FF"/>
+                </a:solidFill>
+                <a:latin typeface="APL385 Unicode" panose="020B0709000202000203" pitchFamily="49" charset="0"/>
+              </a:rPr>
+              <a:t>←</a:t>
+            </a:r>
+            <a:r>
+              <a:rPr lang="en-GB" sz="2000" dirty="0">
+                <a:latin typeface="APL385 Unicode" panose="020B0709000202000203" pitchFamily="49" charset="0"/>
+              </a:rPr>
+              <a:t>stuff</a:t>
+            </a:r>
+            <a:r>
+              <a:rPr lang="en-GB" sz="2000" dirty="0">
+                <a:solidFill>
+                  <a:srgbClr val="0000FF"/>
+                </a:solidFill>
+                <a:latin typeface="APL385 Unicode" panose="020B0709000202000203" pitchFamily="49" charset="0"/>
+              </a:rPr>
+              <a:t>←↑</a:t>
+            </a:r>
+            <a:r>
+              <a:rPr lang="en-GB" sz="2000" dirty="0">
+                <a:latin typeface="APL385 Unicode" panose="020B0709000202000203" pitchFamily="49" charset="0"/>
+              </a:rPr>
+              <a:t>fruit spice</a:t>
+            </a:r>
+          </a:p>
+          <a:p>
+            <a:pPr marL="0" indent="0">
+              <a:spcBef>
+                <a:spcPts val="0"/>
+              </a:spcBef>
+              <a:buNone/>
+            </a:pPr>
+            <a:r>
+              <a:rPr lang="en-GB" sz="2000" dirty="0">
+                <a:latin typeface="APL385 Unicode" panose="020B0709000202000203" pitchFamily="49" charset="0"/>
+              </a:rPr>
+              <a:t> Apple  Banana  Cherry  Date  Elderberry </a:t>
+            </a:r>
+          </a:p>
+          <a:p>
+            <a:pPr marL="0" indent="0">
+              <a:spcBef>
+                <a:spcPts val="0"/>
+              </a:spcBef>
+              <a:buNone/>
+            </a:pPr>
+            <a:r>
+              <a:rPr lang="en-GB" sz="2000" dirty="0">
+                <a:latin typeface="APL385 Unicode" panose="020B0709000202000203" pitchFamily="49" charset="0"/>
+              </a:rPr>
+              <a:t> Anise  Basil   Chili   Dill  Epazote    </a:t>
+            </a:r>
+          </a:p>
+          <a:p>
+            <a:pPr marL="0" indent="0">
+              <a:spcBef>
+                <a:spcPts val="0"/>
+              </a:spcBef>
+              <a:buNone/>
+            </a:pPr>
+            <a:r>
+              <a:rPr lang="en-GB" sz="2000" dirty="0">
+                <a:latin typeface="APL385 Unicode" panose="020B0709000202000203" pitchFamily="49" charset="0"/>
+              </a:rPr>
+              <a:t>      ⎕</a:t>
+            </a:r>
+            <a:r>
+              <a:rPr lang="en-GB" sz="2000" dirty="0">
+                <a:solidFill>
+                  <a:srgbClr val="0000FF"/>
+                </a:solidFill>
+                <a:latin typeface="APL385 Unicode" panose="020B0709000202000203" pitchFamily="49" charset="0"/>
+              </a:rPr>
+              <a:t>←</a:t>
+            </a:r>
+            <a:r>
+              <a:rPr lang="en-GB" sz="2000" dirty="0">
+                <a:latin typeface="APL385 Unicode" panose="020B0709000202000203" pitchFamily="49" charset="0"/>
+              </a:rPr>
+              <a:t>select</a:t>
+            </a:r>
+            <a:r>
+              <a:rPr lang="en-GB" sz="2000" dirty="0">
+                <a:solidFill>
+                  <a:srgbClr val="0000FF"/>
+                </a:solidFill>
+                <a:latin typeface="APL385 Unicode" panose="020B0709000202000203" pitchFamily="49" charset="0"/>
+              </a:rPr>
+              <a:t>←↑</a:t>
+            </a:r>
+            <a:r>
+              <a:rPr lang="en-GB" sz="2000" dirty="0">
+                <a:latin typeface="APL385 Unicode" panose="020B0709000202000203" pitchFamily="49" charset="0"/>
+              </a:rPr>
+              <a:t>select (0 0 0 2 0)</a:t>
+            </a:r>
+          </a:p>
+          <a:p>
+            <a:pPr marL="0" indent="0">
+              <a:spcBef>
+                <a:spcPts val="0"/>
+              </a:spcBef>
+              <a:buNone/>
+            </a:pPr>
+            <a:r>
+              <a:rPr lang="en-GB" sz="2000" dirty="0">
+                <a:latin typeface="APL385 Unicode" panose="020B0709000202000203" pitchFamily="49" charset="0"/>
+              </a:rPr>
+              <a:t>1 2 0 1 0</a:t>
+            </a:r>
+          </a:p>
+          <a:p>
+            <a:pPr marL="0" indent="0">
+              <a:spcBef>
+                <a:spcPts val="0"/>
+              </a:spcBef>
+              <a:buNone/>
+            </a:pPr>
+            <a:r>
+              <a:rPr lang="en-GB" sz="2000" dirty="0">
+                <a:latin typeface="APL385 Unicode" panose="020B0709000202000203" pitchFamily="49" charset="0"/>
+              </a:rPr>
+              <a:t>0 0 0 2 0</a:t>
+            </a:r>
+          </a:p>
+        </p:txBody>
+      </p:sp>
+      <p:sp>
+        <p:nvSpPr>
+          <p:cNvPr id="4" name="Content Placeholder 3">
+            <a:extLst>
+              <a:ext uri="{FF2B5EF4-FFF2-40B4-BE49-F238E27FC236}">
+                <a16:creationId xmlns:a16="http://schemas.microsoft.com/office/drawing/2014/main" id="{B73D9B4A-829D-4692-8DA4-53DB8C3E5219}"/>
+              </a:ext>
+            </a:extLst>
+          </p:cNvPr>
+          <p:cNvSpPr>
+            <a:spLocks noGrp="1"/>
+          </p:cNvSpPr>
+          <p:nvPr>
+            <p:ph sz="quarter" idx="12"/>
+          </p:nvPr>
+        </p:nvSpPr>
+        <p:spPr/>
+        <p:txBody>
+          <a:bodyPr/>
+          <a:lstStyle/>
+          <a:p>
+            <a:endParaRPr lang="en-GB" dirty="0"/>
+          </a:p>
+        </p:txBody>
+      </p:sp>
+    </p:spTree>
+    <p:extLst>
+      <p:ext uri="{BB962C8B-B14F-4D97-AF65-F5344CB8AC3E}">
+        <p14:creationId xmlns:p14="http://schemas.microsoft.com/office/powerpoint/2010/main" val="2569099447"/>
+      </p:ext>
+    </p:extLst>
+  </p:cSld>
+  <p:clrMapOvr>
+    <a:masterClrMapping/>
+  </p:clrMapOvr>
+  <p:timing>
+    <p:tnLst>
+      <p:par>
+        <p:cTn id="1" dur="indefinite" restart="never" nodeType="tmRoot">
+          <p:childTnLst>
+            <p:seq concurrent="1" nextAc="seek">
+              <p:cTn id="2" dur="indefinite" nodeType="mainSeq">
+                <p:childTnLst>
+                  <p:par>
+                    <p:cTn id="3" fill="hold">
+                      <p:stCondLst>
+                        <p:cond delay="indefinite"/>
+                      </p:stCondLst>
+                      <p:childTnLst>
+                        <p:par>
+                          <p:cTn id="4" fill="hold">
+                            <p:stCondLst>
+                              <p:cond delay="0"/>
+                            </p:stCondLst>
+                            <p:childTnLst>
+                              <p:par>
+                                <p:cTn id="5" presetID="1" presetClass="entr" presetSubtype="0" fill="hold" nodeType="clickEffect">
+                                  <p:stCondLst>
+                                    <p:cond delay="0"/>
+                                  </p:stCondLst>
+                                  <p:childTnLst>
+                                    <p:set>
+                                      <p:cBhvr>
+                                        <p:cTn id="6" dur="1" fill="hold">
+                                          <p:stCondLst>
+                                            <p:cond delay="0"/>
+                                          </p:stCondLst>
+                                        </p:cTn>
+                                        <p:tgtEl>
+                                          <p:spTgt spid="3">
+                                            <p:txEl>
+                                              <p:pRg st="1" end="1"/>
+                                            </p:txEl>
+                                          </p:spTgt>
+                                        </p:tgtEl>
+                                        <p:attrNameLst>
+                                          <p:attrName>style.visibility</p:attrName>
+                                        </p:attrNameLst>
+                                      </p:cBhvr>
+                                      <p:to>
+                                        <p:strVal val="visible"/>
+                                      </p:to>
+                                    </p:set>
+                                  </p:childTnLst>
+                                </p:cTn>
+                              </p:par>
+                            </p:childTnLst>
+                          </p:cTn>
+                        </p:par>
+                      </p:childTnLst>
+                    </p:cTn>
+                  </p:par>
+                  <p:par>
+                    <p:cTn id="7" fill="hold">
+                      <p:stCondLst>
+                        <p:cond delay="indefinite"/>
+                      </p:stCondLst>
+                      <p:childTnLst>
+                        <p:par>
+                          <p:cTn id="8" fill="hold">
+                            <p:stCondLst>
+                              <p:cond delay="0"/>
+                            </p:stCondLst>
+                            <p:childTnLst>
+                              <p:par>
+                                <p:cTn id="9" presetID="1" presetClass="entr" presetSubtype="0" fill="hold" nodeType="clickEffect">
+                                  <p:stCondLst>
+                                    <p:cond delay="0"/>
+                                  </p:stCondLst>
+                                  <p:childTnLst>
+                                    <p:set>
+                                      <p:cBhvr>
+                                        <p:cTn id="10" dur="1" fill="hold">
+                                          <p:stCondLst>
+                                            <p:cond delay="0"/>
+                                          </p:stCondLst>
+                                        </p:cTn>
+                                        <p:tgtEl>
+                                          <p:spTgt spid="3">
+                                            <p:txEl>
+                                              <p:pRg st="2" end="2"/>
+                                            </p:txEl>
+                                          </p:spTgt>
+                                        </p:tgtEl>
+                                        <p:attrNameLst>
+                                          <p:attrName>style.visibility</p:attrName>
+                                        </p:attrNameLst>
+                                      </p:cBhvr>
+                                      <p:to>
+                                        <p:strVal val="visible"/>
+                                      </p:to>
+                                    </p:set>
+                                  </p:childTnLst>
+                                </p:cTn>
+                              </p:par>
+                              <p:par>
+                                <p:cTn id="11" presetID="1" presetClass="entr" presetSubtype="0" fill="hold" nodeType="withEffect">
+                                  <p:stCondLst>
+                                    <p:cond delay="0"/>
+                                  </p:stCondLst>
+                                  <p:childTnLst>
+                                    <p:set>
+                                      <p:cBhvr>
+                                        <p:cTn id="12" dur="1" fill="hold">
+                                          <p:stCondLst>
+                                            <p:cond delay="0"/>
+                                          </p:stCondLst>
+                                        </p:cTn>
+                                        <p:tgtEl>
+                                          <p:spTgt spid="3">
+                                            <p:txEl>
+                                              <p:pRg st="3" end="3"/>
+                                            </p:txEl>
+                                          </p:spTgt>
+                                        </p:tgtEl>
+                                        <p:attrNameLst>
+                                          <p:attrName>style.visibility</p:attrName>
+                                        </p:attrNameLst>
+                                      </p:cBhvr>
+                                      <p:to>
+                                        <p:strVal val="visible"/>
+                                      </p:to>
+                                    </p:set>
+                                  </p:childTnLst>
+                                </p:cTn>
+                              </p:par>
+                            </p:childTnLst>
+                          </p:cTn>
+                        </p:par>
+                      </p:childTnLst>
+                    </p:cTn>
+                  </p:par>
+                  <p:par>
+                    <p:cTn id="13" fill="hold">
+                      <p:stCondLst>
+                        <p:cond delay="indefinite"/>
+                      </p:stCondLst>
+                      <p:childTnLst>
+                        <p:par>
+                          <p:cTn id="14" fill="hold">
+                            <p:stCondLst>
+                              <p:cond delay="0"/>
+                            </p:stCondLst>
+                            <p:childTnLst>
+                              <p:par>
+                                <p:cTn id="15" presetID="1" presetClass="entr" presetSubtype="0" fill="hold" nodeType="clickEffect">
+                                  <p:stCondLst>
+                                    <p:cond delay="0"/>
+                                  </p:stCondLst>
+                                  <p:childTnLst>
+                                    <p:set>
+                                      <p:cBhvr>
+                                        <p:cTn id="16" dur="1" fill="hold">
+                                          <p:stCondLst>
+                                            <p:cond delay="0"/>
+                                          </p:stCondLst>
+                                        </p:cTn>
+                                        <p:tgtEl>
+                                          <p:spTgt spid="3">
+                                            <p:txEl>
+                                              <p:pRg st="4" end="4"/>
+                                            </p:txEl>
+                                          </p:spTgt>
+                                        </p:tgtEl>
+                                        <p:attrNameLst>
+                                          <p:attrName>style.visibility</p:attrName>
+                                        </p:attrNameLst>
+                                      </p:cBhvr>
+                                      <p:to>
+                                        <p:strVal val="visible"/>
+                                      </p:to>
+                                    </p:set>
+                                  </p:childTnLst>
+                                </p:cTn>
+                              </p:par>
+                            </p:childTnLst>
+                          </p:cTn>
+                        </p:par>
+                      </p:childTnLst>
+                    </p:cTn>
+                  </p:par>
+                  <p:par>
+                    <p:cTn id="17" fill="hold">
+                      <p:stCondLst>
+                        <p:cond delay="indefinite"/>
+                      </p:stCondLst>
+                      <p:childTnLst>
+                        <p:par>
+                          <p:cTn id="18" fill="hold">
+                            <p:stCondLst>
+                              <p:cond delay="0"/>
+                            </p:stCondLst>
+                            <p:childTnLst>
+                              <p:par>
+                                <p:cTn id="19" presetID="1" presetClass="entr" presetSubtype="0" fill="hold" nodeType="clickEffect">
+                                  <p:stCondLst>
+                                    <p:cond delay="0"/>
+                                  </p:stCondLst>
+                                  <p:childTnLst>
+                                    <p:set>
+                                      <p:cBhvr>
+                                        <p:cTn id="20" dur="1" fill="hold">
+                                          <p:stCondLst>
+                                            <p:cond delay="0"/>
+                                          </p:stCondLst>
+                                        </p:cTn>
+                                        <p:tgtEl>
+                                          <p:spTgt spid="3">
+                                            <p:txEl>
+                                              <p:pRg st="5" end="5"/>
+                                            </p:txEl>
+                                          </p:spTgt>
+                                        </p:tgtEl>
+                                        <p:attrNameLst>
+                                          <p:attrName>style.visibility</p:attrName>
+                                        </p:attrNameLst>
+                                      </p:cBhvr>
+                                      <p:to>
+                                        <p:strVal val="visible"/>
+                                      </p:to>
+                                    </p:set>
+                                  </p:childTnLst>
+                                </p:cTn>
+                              </p:par>
+                              <p:par>
+                                <p:cTn id="21" presetID="1" presetClass="entr" presetSubtype="0" fill="hold" nodeType="withEffect">
+                                  <p:stCondLst>
+                                    <p:cond delay="0"/>
+                                  </p:stCondLst>
+                                  <p:childTnLst>
+                                    <p:set>
+                                      <p:cBhvr>
+                                        <p:cTn id="22" dur="1" fill="hold">
+                                          <p:stCondLst>
+                                            <p:cond delay="0"/>
+                                          </p:stCondLst>
+                                        </p:cTn>
+                                        <p:tgtEl>
+                                          <p:spTgt spid="3">
+                                            <p:txEl>
+                                              <p:pRg st="6" end="6"/>
+                                            </p:txEl>
+                                          </p:spTgt>
+                                        </p:tgtEl>
+                                        <p:attrNameLst>
+                                          <p:attrName>style.visibility</p:attrName>
+                                        </p:attrNameLst>
+                                      </p:cBhvr>
+                                      <p:to>
+                                        <p:strVal val="visible"/>
+                                      </p:to>
+                                    </p:set>
+                                  </p:childTnLst>
+                                </p:cTn>
+                              </p:par>
+                            </p:childTnLst>
+                          </p:cTn>
+                        </p:par>
+                      </p:childTnLst>
+                    </p:cTn>
+                  </p:par>
+                </p:childTnLst>
+              </p:cTn>
+              <p:prevCondLst>
+                <p:cond evt="onPrev" delay="0">
+                  <p:tgtEl>
+                    <p:sldTgt/>
+                  </p:tgtEl>
+                </p:cond>
+              </p:prevCondLst>
+              <p:nextCondLst>
+                <p:cond evt="onNext" delay="0">
+                  <p:tgtEl>
+                    <p:sldTgt/>
+                  </p:tgtEl>
+                </p:cond>
+              </p:nextCondLst>
+            </p:seq>
+          </p:childTnLst>
+        </p:cTn>
+      </p:par>
+    </p:tnLst>
+  </p:timing>
+</p:sld>
+</file>
+
+<file path=ppt/slides/slide32.xml><?xml version="1.0" encoding="utf-8"?>
+<p:sld xmlns:a="http://schemas.openxmlformats.org/drawingml/2006/main" xmlns:r="http://schemas.openxmlformats.org/officeDocument/2006/relationships" xmlns:p="http://schemas.openxmlformats.org/presentationml/2006/main">
+  <p:cSld>
+    <p:spTree>
+      <p:nvGrpSpPr>
+        <p:cNvPr id="1" name=""/>
+        <p:cNvGrpSpPr/>
+        <p:nvPr/>
+      </p:nvGrpSpPr>
+      <p:grpSpPr>
+        <a:xfrm>
+          <a:off x="0" y="0"/>
+          <a:ext cx="0" cy="0"/>
+          <a:chOff x="0" y="0"/>
+          <a:chExt cx="0" cy="0"/>
+        </a:xfrm>
+      </p:grpSpPr>
+      <p:sp>
+        <p:nvSpPr>
+          <p:cNvPr id="2" name="Title 1">
+            <a:extLst>
+              <a:ext uri="{FF2B5EF4-FFF2-40B4-BE49-F238E27FC236}">
+                <a16:creationId xmlns:a16="http://schemas.microsoft.com/office/drawing/2014/main" id="{F007BB04-F697-4219-BF54-058B09D498B7}"/>
+              </a:ext>
+            </a:extLst>
+          </p:cNvPr>
+          <p:cNvSpPr>
+            <a:spLocks noGrp="1"/>
+          </p:cNvSpPr>
+          <p:nvPr>
+            <p:ph type="title"/>
+          </p:nvPr>
+        </p:nvSpPr>
+        <p:spPr>
+          <a:xfrm>
+            <a:off x="323527" y="267657"/>
+            <a:ext cx="7005527" cy="1057869"/>
+          </a:xfrm>
+        </p:spPr>
+        <p:txBody>
+          <a:bodyPr/>
+          <a:lstStyle/>
+          <a:p>
+            <a:r>
+              <a:rPr lang="en-GB" dirty="0"/>
+              <a:t>Use case: multi-dimensional selection</a:t>
+            </a:r>
+          </a:p>
+        </p:txBody>
+      </p:sp>
+      <p:sp>
+        <p:nvSpPr>
+          <p:cNvPr id="3" name="Content Placeholder 2">
+            <a:extLst>
+              <a:ext uri="{FF2B5EF4-FFF2-40B4-BE49-F238E27FC236}">
+                <a16:creationId xmlns:a16="http://schemas.microsoft.com/office/drawing/2014/main" id="{44B81363-7B7D-43CC-82A6-89126558816D}"/>
+              </a:ext>
+            </a:extLst>
+          </p:cNvPr>
+          <p:cNvSpPr>
+            <a:spLocks noGrp="1"/>
+          </p:cNvSpPr>
+          <p:nvPr>
+            <p:ph idx="1"/>
+          </p:nvPr>
+        </p:nvSpPr>
+        <p:spPr>
+          <a:xfrm>
+            <a:off x="323527" y="1446625"/>
+            <a:ext cx="12529393" cy="4095455"/>
+          </a:xfrm>
+        </p:spPr>
+        <p:txBody>
+          <a:bodyPr>
+            <a:normAutofit/>
+          </a:bodyPr>
+          <a:lstStyle/>
+          <a:p>
+            <a:pPr marL="0" indent="0">
+              <a:spcBef>
+                <a:spcPts val="0"/>
+              </a:spcBef>
+              <a:buNone/>
+            </a:pPr>
+            <a:r>
+              <a:rPr lang="en-GB" sz="2000" dirty="0">
+                <a:latin typeface="APL385 Unicode" panose="020B0709000202000203" pitchFamily="49" charset="0"/>
+              </a:rPr>
+              <a:t>      stuff</a:t>
+            </a:r>
+            <a:r>
+              <a:rPr lang="en-GB" sz="2000" dirty="0">
+                <a:solidFill>
+                  <a:srgbClr val="0000FF"/>
+                </a:solidFill>
+                <a:latin typeface="APL385 Unicode" panose="020B0709000202000203" pitchFamily="49" charset="0"/>
+              </a:rPr>
+              <a:t>[⍸</a:t>
+            </a:r>
+            <a:r>
+              <a:rPr lang="en-GB" sz="2000" dirty="0">
+                <a:latin typeface="APL385 Unicode" panose="020B0709000202000203" pitchFamily="49" charset="0"/>
+              </a:rPr>
+              <a:t>select</a:t>
+            </a:r>
+            <a:r>
+              <a:rPr lang="en-GB" sz="2000" dirty="0">
+                <a:solidFill>
+                  <a:srgbClr val="0000FF"/>
+                </a:solidFill>
+                <a:latin typeface="APL385 Unicode" panose="020B0709000202000203" pitchFamily="49" charset="0"/>
+              </a:rPr>
+              <a:t>]</a:t>
+            </a:r>
+          </a:p>
+          <a:p>
+            <a:pPr marL="0" indent="0">
+              <a:spcBef>
+                <a:spcPts val="0"/>
+              </a:spcBef>
+              <a:buNone/>
+            </a:pPr>
+            <a:r>
+              <a:rPr lang="it-IT" sz="2000" dirty="0">
+                <a:latin typeface="APL385 Unicode" panose="020B0709000202000203" pitchFamily="49" charset="0"/>
+              </a:rPr>
+              <a:t> Apple  Banana  Banana  Date  Dill  Dill</a:t>
+            </a:r>
+          </a:p>
+          <a:p>
+            <a:pPr marL="0" indent="0">
+              <a:spcBef>
+                <a:spcPts val="0"/>
+              </a:spcBef>
+              <a:buNone/>
+            </a:pPr>
+            <a:endParaRPr lang="en-US" sz="2000" dirty="0">
+              <a:latin typeface="APL385 Unicode" panose="020B0709000202000203" pitchFamily="49" charset="0"/>
+            </a:endParaRPr>
+          </a:p>
+          <a:p>
+            <a:pPr marL="0" indent="0">
+              <a:spcBef>
+                <a:spcPts val="0"/>
+              </a:spcBef>
+              <a:buNone/>
+            </a:pPr>
+            <a:r>
+              <a:rPr lang="en-US" sz="2000" dirty="0">
+                <a:latin typeface="APL385 Unicode" panose="020B0709000202000203" pitchFamily="49" charset="0"/>
+              </a:rPr>
+              <a:t>      select</a:t>
+            </a:r>
+            <a:r>
+              <a:rPr lang="en-US" sz="2000" dirty="0">
+                <a:solidFill>
+                  <a:srgbClr val="0000FF"/>
+                </a:solidFill>
+                <a:latin typeface="APL385 Unicode" panose="020B0709000202000203" pitchFamily="49" charset="0"/>
+              </a:rPr>
+              <a:t>/</a:t>
+            </a:r>
+            <a:r>
+              <a:rPr lang="en-US" sz="2000" dirty="0">
+                <a:latin typeface="APL385 Unicode" panose="020B0709000202000203" pitchFamily="49" charset="0"/>
+              </a:rPr>
+              <a:t>stuff</a:t>
+            </a:r>
+          </a:p>
+          <a:p>
+            <a:pPr marL="0" indent="0">
+              <a:spcBef>
+                <a:spcPts val="0"/>
+              </a:spcBef>
+              <a:buNone/>
+            </a:pPr>
+            <a:r>
+              <a:rPr lang="en-US" sz="2000" dirty="0">
+                <a:latin typeface="APL385 Unicode" panose="020B0709000202000203" pitchFamily="49" charset="0"/>
+              </a:rPr>
+              <a:t>RANK ERROR</a:t>
+            </a:r>
+          </a:p>
+          <a:p>
+            <a:pPr marL="0" indent="0">
+              <a:spcBef>
+                <a:spcPts val="0"/>
+              </a:spcBef>
+              <a:buNone/>
+            </a:pPr>
+            <a:r>
+              <a:rPr lang="en-US" sz="2000" dirty="0">
+                <a:latin typeface="APL385 Unicode" panose="020B0709000202000203" pitchFamily="49" charset="0"/>
+              </a:rPr>
+              <a:t>      select/stuff</a:t>
+            </a:r>
+          </a:p>
+          <a:p>
+            <a:pPr marL="0" indent="0">
+              <a:lnSpc>
+                <a:spcPct val="90000"/>
+              </a:lnSpc>
+              <a:spcBef>
+                <a:spcPts val="0"/>
+              </a:spcBef>
+              <a:buNone/>
+            </a:pPr>
+            <a:r>
+              <a:rPr lang="en-US" sz="2000" dirty="0">
+                <a:latin typeface="APL385 Unicode" panose="020B0709000202000203" pitchFamily="49" charset="0"/>
+              </a:rPr>
+              <a:t>            ∧</a:t>
+            </a:r>
+          </a:p>
+        </p:txBody>
+      </p:sp>
+      <p:sp>
+        <p:nvSpPr>
+          <p:cNvPr id="4" name="Content Placeholder 3">
+            <a:extLst>
+              <a:ext uri="{FF2B5EF4-FFF2-40B4-BE49-F238E27FC236}">
+                <a16:creationId xmlns:a16="http://schemas.microsoft.com/office/drawing/2014/main" id="{B73D9B4A-829D-4692-8DA4-53DB8C3E5219}"/>
+              </a:ext>
+            </a:extLst>
+          </p:cNvPr>
+          <p:cNvSpPr>
+            <a:spLocks noGrp="1"/>
+          </p:cNvSpPr>
+          <p:nvPr>
+            <p:ph sz="quarter" idx="12"/>
+          </p:nvPr>
+        </p:nvSpPr>
+        <p:spPr/>
+        <p:txBody>
+          <a:bodyPr/>
+          <a:lstStyle/>
+          <a:p>
+            <a:endParaRPr lang="en-GB" dirty="0"/>
+          </a:p>
+        </p:txBody>
+      </p:sp>
+    </p:spTree>
+    <p:extLst>
+      <p:ext uri="{BB962C8B-B14F-4D97-AF65-F5344CB8AC3E}">
+        <p14:creationId xmlns:p14="http://schemas.microsoft.com/office/powerpoint/2010/main" val="3151058738"/>
+      </p:ext>
+    </p:extLst>
+  </p:cSld>
+  <p:clrMapOvr>
+    <a:masterClrMapping/>
+  </p:clrMapOvr>
+  <p:timing>
+    <p:tnLst>
+      <p:par>
+        <p:cTn id="1" dur="indefinite" restart="never" nodeType="tmRoot">
+          <p:childTnLst>
+            <p:seq concurrent="1" nextAc="seek">
+              <p:cTn id="2" dur="indefinite" nodeType="mainSeq">
+                <p:childTnLst>
+                  <p:par>
+                    <p:cTn id="3" fill="hold">
+                      <p:stCondLst>
+                        <p:cond delay="indefinite"/>
+                      </p:stCondLst>
+                      <p:childTnLst>
+                        <p:par>
+                          <p:cTn id="4" fill="hold">
+                            <p:stCondLst>
+                              <p:cond delay="0"/>
+                            </p:stCondLst>
+                            <p:childTnLst>
+                              <p:par>
+                                <p:cTn id="5" presetID="1" presetClass="entr" presetSubtype="0" fill="hold" nodeType="clickEffect">
+                                  <p:stCondLst>
+                                    <p:cond delay="0"/>
+                                  </p:stCondLst>
+                                  <p:childTnLst>
+                                    <p:set>
+                                      <p:cBhvr>
+                                        <p:cTn id="6" dur="1" fill="hold">
+                                          <p:stCondLst>
+                                            <p:cond delay="0"/>
+                                          </p:stCondLst>
+                                        </p:cTn>
+                                        <p:tgtEl>
+                                          <p:spTgt spid="3">
+                                            <p:txEl>
+                                              <p:pRg st="3" end="3"/>
+                                            </p:txEl>
+                                          </p:spTgt>
+                                        </p:tgtEl>
+                                        <p:attrNameLst>
+                                          <p:attrName>style.visibility</p:attrName>
+                                        </p:attrNameLst>
+                                      </p:cBhvr>
+                                      <p:to>
+                                        <p:strVal val="visible"/>
+                                      </p:to>
+                                    </p:set>
+                                  </p:childTnLst>
+                                </p:cTn>
+                              </p:par>
+                              <p:par>
+                                <p:cTn id="7" presetID="1" presetClass="entr" presetSubtype="0" fill="hold" nodeType="withEffect">
+                                  <p:stCondLst>
+                                    <p:cond delay="0"/>
+                                  </p:stCondLst>
+                                  <p:childTnLst>
+                                    <p:set>
+                                      <p:cBhvr>
+                                        <p:cTn id="8" dur="1" fill="hold">
+                                          <p:stCondLst>
+                                            <p:cond delay="0"/>
+                                          </p:stCondLst>
+                                        </p:cTn>
+                                        <p:tgtEl>
+                                          <p:spTgt spid="3">
+                                            <p:txEl>
+                                              <p:pRg st="4" end="4"/>
+                                            </p:txEl>
+                                          </p:spTgt>
+                                        </p:tgtEl>
+                                        <p:attrNameLst>
+                                          <p:attrName>style.visibility</p:attrName>
+                                        </p:attrNameLst>
+                                      </p:cBhvr>
+                                      <p:to>
+                                        <p:strVal val="visible"/>
+                                      </p:to>
+                                    </p:set>
+                                  </p:childTnLst>
+                                </p:cTn>
+                              </p:par>
+                              <p:par>
+                                <p:cTn id="9" presetID="1" presetClass="entr" presetSubtype="0" fill="hold" nodeType="withEffect">
+                                  <p:stCondLst>
+                                    <p:cond delay="0"/>
+                                  </p:stCondLst>
+                                  <p:childTnLst>
+                                    <p:set>
+                                      <p:cBhvr>
+                                        <p:cTn id="10" dur="1" fill="hold">
+                                          <p:stCondLst>
+                                            <p:cond delay="0"/>
+                                          </p:stCondLst>
+                                        </p:cTn>
+                                        <p:tgtEl>
+                                          <p:spTgt spid="3">
+                                            <p:txEl>
+                                              <p:pRg st="5" end="5"/>
+                                            </p:txEl>
+                                          </p:spTgt>
+                                        </p:tgtEl>
+                                        <p:attrNameLst>
+                                          <p:attrName>style.visibility</p:attrName>
+                                        </p:attrNameLst>
+                                      </p:cBhvr>
+                                      <p:to>
+                                        <p:strVal val="visible"/>
+                                      </p:to>
+                                    </p:set>
+                                  </p:childTnLst>
+                                </p:cTn>
+                              </p:par>
+                              <p:par>
+                                <p:cTn id="11" presetID="1" presetClass="entr" presetSubtype="0" fill="hold" nodeType="withEffect">
+                                  <p:stCondLst>
+                                    <p:cond delay="0"/>
+                                  </p:stCondLst>
+                                  <p:childTnLst>
+                                    <p:set>
+                                      <p:cBhvr>
+                                        <p:cTn id="12" dur="1" fill="hold">
+                                          <p:stCondLst>
+                                            <p:cond delay="0"/>
+                                          </p:stCondLst>
+                                        </p:cTn>
+                                        <p:tgtEl>
+                                          <p:spTgt spid="3">
+                                            <p:txEl>
+                                              <p:pRg st="6" end="6"/>
+                                            </p:txEl>
+                                          </p:spTgt>
+                                        </p:tgtEl>
+                                        <p:attrNameLst>
+                                          <p:attrName>style.visibility</p:attrName>
+                                        </p:attrNameLst>
+                                      </p:cBhvr>
+                                      <p:to>
+                                        <p:strVal val="visible"/>
+                                      </p:to>
+                                    </p:set>
+                                  </p:childTnLst>
+                                </p:cTn>
+                              </p:par>
+                            </p:childTnLst>
+                          </p:cTn>
+                        </p:par>
+                      </p:childTnLst>
+                    </p:cTn>
+                  </p:par>
+                </p:childTnLst>
+              </p:cTn>
+              <p:prevCondLst>
+                <p:cond evt="onPrev" delay="0">
+                  <p:tgtEl>
+                    <p:sldTgt/>
+                  </p:tgtEl>
+                </p:cond>
+              </p:prevCondLst>
+              <p:nextCondLst>
+                <p:cond evt="onNext" delay="0">
+                  <p:tgtEl>
+                    <p:sldTgt/>
+                  </p:tgtEl>
+                </p:cond>
+              </p:nextCondLst>
+            </p:seq>
+          </p:childTnLst>
+        </p:cTn>
+      </p:par>
+    </p:tnLst>
+  </p:timing>
+</p:sld>
+</file>
+
+<file path=ppt/slides/slide33.xml><?xml version="1.0" encoding="utf-8"?>
+<p:sld xmlns:a="http://schemas.openxmlformats.org/drawingml/2006/main" xmlns:r="http://schemas.openxmlformats.org/officeDocument/2006/relationships" xmlns:p="http://schemas.openxmlformats.org/presentationml/2006/main">
+  <p:cSld>
+    <p:spTree>
+      <p:nvGrpSpPr>
+        <p:cNvPr id="1" name=""/>
+        <p:cNvGrpSpPr/>
+        <p:nvPr/>
+      </p:nvGrpSpPr>
+      <p:grpSpPr>
+        <a:xfrm>
+          <a:off x="0" y="0"/>
+          <a:ext cx="0" cy="0"/>
+          <a:chOff x="0" y="0"/>
+          <a:chExt cx="0" cy="0"/>
+        </a:xfrm>
+      </p:grpSpPr>
+      <p:sp>
+        <p:nvSpPr>
+          <p:cNvPr id="3" name="Content Placeholder 2">
+            <a:extLst>
+              <a:ext uri="{FF2B5EF4-FFF2-40B4-BE49-F238E27FC236}">
+                <a16:creationId xmlns:a16="http://schemas.microsoft.com/office/drawing/2014/main" id="{DDBAEF9D-D291-4DB1-8A1D-685B725CE604}"/>
+              </a:ext>
+            </a:extLst>
+          </p:cNvPr>
+          <p:cNvSpPr>
+            <a:spLocks noGrp="1"/>
+          </p:cNvSpPr>
+          <p:nvPr>
+            <p:ph idx="1"/>
+          </p:nvPr>
+        </p:nvSpPr>
+        <p:spPr>
+          <a:xfrm>
+            <a:off x="341531" y="771550"/>
+            <a:ext cx="8379244" cy="3847046"/>
+          </a:xfrm>
+        </p:spPr>
+        <p:txBody>
+          <a:bodyPr>
+            <a:noAutofit/>
+          </a:bodyPr>
+          <a:lstStyle/>
+          <a:p>
+            <a:pPr marL="0" indent="0" algn="ctr">
+              <a:spcBef>
+                <a:spcPts val="0"/>
+              </a:spcBef>
+              <a:buNone/>
+              <a:tabLst>
+                <a:tab pos="3657600" algn="l"/>
+              </a:tabLst>
+            </a:pPr>
+            <a:endParaRPr lang="en-US" sz="3600" b="1" dirty="0">
+              <a:latin typeface="Titillium Web" panose="00000500000000000000" pitchFamily="2" charset="0"/>
+            </a:endParaRPr>
+          </a:p>
+          <a:p>
+            <a:pPr marL="0" indent="0" algn="ctr">
+              <a:spcBef>
+                <a:spcPts val="0"/>
+              </a:spcBef>
+              <a:buNone/>
+              <a:tabLst>
+                <a:tab pos="3657600" algn="l"/>
+              </a:tabLst>
+            </a:pPr>
+            <a:r>
+              <a:rPr lang="en-US" sz="3600" b="1" dirty="0">
+                <a:latin typeface="Titillium Web" panose="00000500000000000000" pitchFamily="2" charset="0"/>
+              </a:rPr>
+              <a:t>Representing a set</a:t>
+            </a:r>
+          </a:p>
+          <a:p>
+            <a:pPr marL="0" indent="0" algn="ctr">
+              <a:spcBef>
+                <a:spcPts val="0"/>
+              </a:spcBef>
+              <a:buNone/>
+              <a:tabLst>
+                <a:tab pos="3657600" algn="l"/>
+              </a:tabLst>
+            </a:pPr>
+            <a:r>
+              <a:rPr lang="da-DK" sz="3600" baseline="30000" dirty="0"/>
+              <a:t>Using Where</a:t>
+            </a:r>
+            <a:r>
+              <a:rPr lang="da-DK" sz="3600" dirty="0"/>
+              <a:t> </a:t>
+            </a:r>
+            <a:endParaRPr lang="en-US" sz="3600" b="1" dirty="0">
+              <a:solidFill>
+                <a:srgbClr val="0000FF"/>
+              </a:solidFill>
+              <a:latin typeface="APL385 Unicode" panose="020B0709000202000203" pitchFamily="49" charset="0"/>
+            </a:endParaRPr>
+          </a:p>
+          <a:p>
+            <a:pPr marL="0" indent="0" algn="ctr">
+              <a:spcBef>
+                <a:spcPts val="0"/>
+              </a:spcBef>
+              <a:buNone/>
+              <a:tabLst>
+                <a:tab pos="3657600" algn="l"/>
+              </a:tabLst>
+            </a:pPr>
+            <a:r>
+              <a:rPr lang="en-US" sz="3600" dirty="0">
+                <a:solidFill>
+                  <a:srgbClr val="0000FF"/>
+                </a:solidFill>
+                <a:latin typeface="APL385 Unicode" panose="020B0709000202000203" pitchFamily="49" charset="0"/>
+              </a:rPr>
+              <a:t>⍸</a:t>
+            </a:r>
+            <a:endParaRPr lang="en-US" sz="3600" b="1" dirty="0">
+              <a:solidFill>
+                <a:srgbClr val="0000FF"/>
+              </a:solidFill>
+              <a:latin typeface="APL385 Unicode" panose="020B0709000202000203" pitchFamily="49" charset="0"/>
+            </a:endParaRPr>
+          </a:p>
+          <a:p>
+            <a:pPr marL="0" indent="0" algn="ctr">
+              <a:spcBef>
+                <a:spcPts val="0"/>
+              </a:spcBef>
+              <a:buNone/>
+              <a:tabLst>
+                <a:tab pos="3657600" algn="l"/>
+              </a:tabLst>
+            </a:pPr>
+            <a:endParaRPr lang="en-US" sz="3600" b="1" dirty="0">
+              <a:solidFill>
+                <a:srgbClr val="0000FF"/>
+              </a:solidFill>
+              <a:latin typeface="APL385 Unicode" panose="020B0709000202000203" pitchFamily="49" charset="0"/>
+            </a:endParaRPr>
+          </a:p>
+          <a:p>
+            <a:pPr marL="0" indent="0" algn="ctr">
+              <a:spcBef>
+                <a:spcPts val="0"/>
+              </a:spcBef>
+              <a:buNone/>
+              <a:tabLst>
+                <a:tab pos="3657600" algn="l"/>
+              </a:tabLst>
+            </a:pPr>
+            <a:endParaRPr lang="da-DK" sz="2400" b="1" dirty="0">
+              <a:solidFill>
+                <a:srgbClr val="0000FF"/>
+              </a:solidFill>
+              <a:latin typeface="APL385 Unicode" panose="020B0709000202000203" pitchFamily="49" charset="0"/>
+            </a:endParaRPr>
+          </a:p>
+        </p:txBody>
+      </p:sp>
+      <p:sp>
+        <p:nvSpPr>
+          <p:cNvPr id="4" name="PiP">
+            <a:extLst>
+              <a:ext uri="{FF2B5EF4-FFF2-40B4-BE49-F238E27FC236}">
+                <a16:creationId xmlns:a16="http://schemas.microsoft.com/office/drawing/2014/main" id="{98E3A286-49AA-4DB1-9A2F-6834ABC55744}"/>
+              </a:ext>
+            </a:extLst>
+          </p:cNvPr>
+          <p:cNvSpPr txBox="1"/>
+          <p:nvPr/>
+        </p:nvSpPr>
+        <p:spPr>
+          <a:xfrm>
+            <a:off x="5929200" y="2917869"/>
+            <a:ext cx="3214800" cy="2225631"/>
+          </a:xfrm>
+          <a:prstGeom prst="rect">
+            <a:avLst/>
+          </a:prstGeom>
+          <a:noFill/>
+        </p:spPr>
+        <p:txBody>
+          <a:bodyPr wrap="square" rtlCol="0">
+            <a:spAutoFit/>
+          </a:bodyPr>
+          <a:lstStyle/>
+          <a:p>
+            <a:endParaRPr lang="en-GB" dirty="0"/>
+          </a:p>
+        </p:txBody>
+      </p:sp>
+    </p:spTree>
+    <p:extLst>
+      <p:ext uri="{BB962C8B-B14F-4D97-AF65-F5344CB8AC3E}">
+        <p14:creationId xmlns:p14="http://schemas.microsoft.com/office/powerpoint/2010/main" val="2574157178"/>
+      </p:ext>
+    </p:extLst>
+  </p:cSld>
+  <p:clrMapOvr>
+    <a:masterClrMapping/>
+  </p:clrMapOvr>
+</p:sld>
+</file>
+
+<file path=ppt/slides/slide34.xml><?xml version="1.0" encoding="utf-8"?>
+<p:sld xmlns:a="http://schemas.openxmlformats.org/drawingml/2006/main" xmlns:r="http://schemas.openxmlformats.org/officeDocument/2006/relationships" xmlns:p="http://schemas.openxmlformats.org/presentationml/2006/main">
+  <p:cSld>
+    <p:spTree>
+      <p:nvGrpSpPr>
+        <p:cNvPr id="1" name=""/>
+        <p:cNvGrpSpPr/>
+        <p:nvPr/>
+      </p:nvGrpSpPr>
+      <p:grpSpPr>
+        <a:xfrm>
+          <a:off x="0" y="0"/>
+          <a:ext cx="0" cy="0"/>
+          <a:chOff x="0" y="0"/>
+          <a:chExt cx="0" cy="0"/>
+        </a:xfrm>
+      </p:grpSpPr>
+      <p:sp>
+        <p:nvSpPr>
+          <p:cNvPr id="2" name="Title 1">
+            <a:extLst>
+              <a:ext uri="{FF2B5EF4-FFF2-40B4-BE49-F238E27FC236}">
+                <a16:creationId xmlns:a16="http://schemas.microsoft.com/office/drawing/2014/main" id="{F007BB04-F697-4219-BF54-058B09D498B7}"/>
+              </a:ext>
+            </a:extLst>
+          </p:cNvPr>
+          <p:cNvSpPr>
+            <a:spLocks noGrp="1"/>
+          </p:cNvSpPr>
+          <p:nvPr>
+            <p:ph type="title"/>
+          </p:nvPr>
+        </p:nvSpPr>
+        <p:spPr/>
+        <p:txBody>
+          <a:bodyPr/>
+          <a:lstStyle/>
+          <a:p>
+            <a:r>
+              <a:rPr lang="en-GB" dirty="0"/>
+              <a:t>Use case: Representing a set</a:t>
+            </a:r>
+          </a:p>
+        </p:txBody>
+      </p:sp>
+      <p:sp>
+        <p:nvSpPr>
+          <p:cNvPr id="3" name="Content Placeholder 2">
+            <a:extLst>
+              <a:ext uri="{FF2B5EF4-FFF2-40B4-BE49-F238E27FC236}">
+                <a16:creationId xmlns:a16="http://schemas.microsoft.com/office/drawing/2014/main" id="{44B81363-7B7D-43CC-82A6-89126558816D}"/>
+              </a:ext>
+            </a:extLst>
+          </p:cNvPr>
+          <p:cNvSpPr>
+            <a:spLocks noGrp="1"/>
+          </p:cNvSpPr>
+          <p:nvPr>
+            <p:ph idx="1"/>
+          </p:nvPr>
+        </p:nvSpPr>
+        <p:spPr>
+          <a:xfrm>
+            <a:off x="323527" y="1446625"/>
+            <a:ext cx="12529393" cy="3510390"/>
+          </a:xfrm>
+        </p:spPr>
+        <p:txBody>
+          <a:bodyPr>
+            <a:normAutofit/>
+          </a:bodyPr>
+          <a:lstStyle/>
+          <a:p>
+            <a:pPr marL="0" indent="0">
+              <a:spcBef>
+                <a:spcPts val="0"/>
+              </a:spcBef>
+              <a:buNone/>
+            </a:pPr>
+            <a:r>
+              <a:rPr lang="en-US" sz="2000" dirty="0">
+                <a:latin typeface="APL385 Unicode" panose="020B0709000202000203" pitchFamily="49" charset="0"/>
+              </a:rPr>
+              <a:t>      all     </a:t>
+            </a:r>
+            <a:r>
+              <a:rPr lang="en-US" sz="2000" dirty="0">
+                <a:solidFill>
+                  <a:srgbClr val="0000FF"/>
+                </a:solidFill>
+                <a:latin typeface="APL385 Unicode" panose="020B0709000202000203" pitchFamily="49" charset="0"/>
+              </a:rPr>
+              <a:t>←</a:t>
+            </a:r>
+            <a:r>
+              <a:rPr lang="en-US" sz="2000" dirty="0">
+                <a:latin typeface="APL385 Unicode" panose="020B0709000202000203" pitchFamily="49" charset="0"/>
+              </a:rPr>
+              <a:t> </a:t>
+            </a:r>
+            <a:r>
+              <a:rPr lang="en-US" sz="2000" dirty="0">
+                <a:solidFill>
+                  <a:srgbClr val="494949"/>
+                </a:solidFill>
+                <a:latin typeface="APL385 Unicode" panose="020B0709000202000203" pitchFamily="49" charset="0"/>
+              </a:rPr>
+              <a:t>'a' 'b' 'c' 'd' 'e' 'f'</a:t>
+            </a:r>
+          </a:p>
+          <a:p>
+            <a:pPr marL="0" indent="0">
+              <a:spcBef>
+                <a:spcPts val="0"/>
+              </a:spcBef>
+              <a:buNone/>
+            </a:pPr>
+            <a:r>
+              <a:rPr lang="en-US" sz="2000" dirty="0">
+                <a:latin typeface="APL385 Unicode" panose="020B0709000202000203" pitchFamily="49" charset="0"/>
+              </a:rPr>
+              <a:t>      mask    </a:t>
+            </a:r>
+            <a:r>
+              <a:rPr lang="en-US" sz="2000" dirty="0">
+                <a:solidFill>
+                  <a:srgbClr val="0000FF"/>
+                </a:solidFill>
+                <a:latin typeface="APL385 Unicode" panose="020B0709000202000203" pitchFamily="49" charset="0"/>
+              </a:rPr>
+              <a:t>←</a:t>
+            </a:r>
+            <a:r>
+              <a:rPr lang="en-US" sz="2000" dirty="0">
+                <a:latin typeface="APL385 Unicode" panose="020B0709000202000203" pitchFamily="49" charset="0"/>
+              </a:rPr>
+              <a:t> </a:t>
+            </a:r>
+            <a:r>
+              <a:rPr lang="en-US" sz="2000" dirty="0">
+                <a:solidFill>
+                  <a:srgbClr val="494949"/>
+                </a:solidFill>
+                <a:latin typeface="APL385 Unicode" panose="020B0709000202000203" pitchFamily="49" charset="0"/>
+              </a:rPr>
+              <a:t> 1   0   0   1   0   1</a:t>
+            </a:r>
+          </a:p>
+          <a:p>
+            <a:pPr marL="0" indent="0">
+              <a:spcBef>
+                <a:spcPts val="0"/>
+              </a:spcBef>
+              <a:buNone/>
+            </a:pPr>
+            <a:r>
+              <a:rPr lang="en-US" sz="2000" dirty="0">
+                <a:latin typeface="APL385 Unicode" panose="020B0709000202000203" pitchFamily="49" charset="0"/>
+              </a:rPr>
+              <a:t>      indices </a:t>
+            </a:r>
+            <a:r>
+              <a:rPr lang="en-US" sz="2000" dirty="0">
+                <a:solidFill>
+                  <a:srgbClr val="0000FF"/>
+                </a:solidFill>
+                <a:latin typeface="APL385 Unicode" panose="020B0709000202000203" pitchFamily="49" charset="0"/>
+              </a:rPr>
+              <a:t>←</a:t>
+            </a:r>
+            <a:r>
+              <a:rPr lang="en-US" sz="2000" dirty="0">
+                <a:latin typeface="APL385 Unicode" panose="020B0709000202000203" pitchFamily="49" charset="0"/>
+              </a:rPr>
+              <a:t> </a:t>
+            </a:r>
+            <a:r>
+              <a:rPr lang="en-US" sz="2000" dirty="0">
+                <a:solidFill>
+                  <a:srgbClr val="494949"/>
+                </a:solidFill>
+                <a:latin typeface="APL385 Unicode" panose="020B0709000202000203" pitchFamily="49" charset="0"/>
+              </a:rPr>
+              <a:t> 1           4       6</a:t>
+            </a:r>
+          </a:p>
+          <a:p>
+            <a:pPr marL="0" indent="0">
+              <a:spcBef>
+                <a:spcPts val="0"/>
+              </a:spcBef>
+              <a:buNone/>
+            </a:pPr>
+            <a:r>
+              <a:rPr lang="en-US" sz="2000" dirty="0">
+                <a:latin typeface="APL385 Unicode" panose="020B0709000202000203" pitchFamily="49" charset="0"/>
+              </a:rPr>
+              <a:t>      indices</a:t>
+            </a:r>
+            <a:r>
+              <a:rPr lang="en-US" sz="2000" dirty="0">
+                <a:solidFill>
+                  <a:prstClr val="black"/>
+                </a:solidFill>
+                <a:latin typeface="APL385 Unicode" panose="020B0709000202000203" pitchFamily="49" charset="0"/>
+              </a:rPr>
+              <a:t> </a:t>
+            </a:r>
+            <a:r>
+              <a:rPr lang="en-US" sz="2000" dirty="0">
+                <a:solidFill>
+                  <a:srgbClr val="0000FF"/>
+                </a:solidFill>
+                <a:latin typeface="APL385 Unicode" panose="020B0709000202000203" pitchFamily="49" charset="0"/>
+              </a:rPr>
+              <a:t>≡ ⍸ </a:t>
+            </a:r>
+            <a:r>
+              <a:rPr lang="en-US" sz="2000" dirty="0">
+                <a:latin typeface="APL385 Unicode" panose="020B0709000202000203" pitchFamily="49" charset="0"/>
+              </a:rPr>
+              <a:t>mask</a:t>
+            </a:r>
+          </a:p>
+          <a:p>
+            <a:pPr marL="0" indent="0">
+              <a:spcBef>
+                <a:spcPts val="0"/>
+              </a:spcBef>
+              <a:buNone/>
+            </a:pPr>
+            <a:r>
+              <a:rPr lang="en-US" sz="2000" dirty="0">
+                <a:latin typeface="APL385 Unicode" panose="020B0709000202000203" pitchFamily="49" charset="0"/>
+              </a:rPr>
+              <a:t>1</a:t>
+            </a:r>
+          </a:p>
+        </p:txBody>
+      </p:sp>
+      <p:sp>
+        <p:nvSpPr>
+          <p:cNvPr id="4" name="Content Placeholder 3">
+            <a:extLst>
+              <a:ext uri="{FF2B5EF4-FFF2-40B4-BE49-F238E27FC236}">
+                <a16:creationId xmlns:a16="http://schemas.microsoft.com/office/drawing/2014/main" id="{B73D9B4A-829D-4692-8DA4-53DB8C3E5219}"/>
+              </a:ext>
+            </a:extLst>
+          </p:cNvPr>
+          <p:cNvSpPr>
+            <a:spLocks noGrp="1"/>
+          </p:cNvSpPr>
+          <p:nvPr>
+            <p:ph sz="quarter" idx="12"/>
+          </p:nvPr>
+        </p:nvSpPr>
+        <p:spPr/>
+        <p:txBody>
+          <a:bodyPr/>
+          <a:lstStyle/>
+          <a:p>
+            <a:endParaRPr lang="en-GB" dirty="0"/>
+          </a:p>
+        </p:txBody>
+      </p:sp>
+    </p:spTree>
+    <p:extLst>
+      <p:ext uri="{BB962C8B-B14F-4D97-AF65-F5344CB8AC3E}">
+        <p14:creationId xmlns:p14="http://schemas.microsoft.com/office/powerpoint/2010/main" val="3567021887"/>
+      </p:ext>
+    </p:extLst>
+  </p:cSld>
+  <p:clrMapOvr>
+    <a:masterClrMapping/>
+  </p:clrMapOvr>
+  <p:timing>
+    <p:tnLst>
+      <p:par>
+        <p:cTn id="1" dur="indefinite" restart="never" nodeType="tmRoot">
+          <p:childTnLst>
+            <p:seq concurrent="1" nextAc="seek">
+              <p:cTn id="2" dur="indefinite" nodeType="mainSeq">
+                <p:childTnLst>
+                  <p:par>
+                    <p:cTn id="3" fill="hold">
+                      <p:stCondLst>
+                        <p:cond delay="indefinite"/>
+                      </p:stCondLst>
+                      <p:childTnLst>
+                        <p:par>
+                          <p:cTn id="4" fill="hold">
+                            <p:stCondLst>
+                              <p:cond delay="0"/>
+                            </p:stCondLst>
+                            <p:childTnLst>
+                              <p:par>
+                                <p:cTn id="5" presetID="1" presetClass="entr" presetSubtype="0" fill="hold" nodeType="clickEffect">
+                                  <p:stCondLst>
+                                    <p:cond delay="0"/>
+                                  </p:stCondLst>
+                                  <p:childTnLst>
+                                    <p:set>
+                                      <p:cBhvr>
+                                        <p:cTn id="6" dur="1" fill="hold">
+                                          <p:stCondLst>
+                                            <p:cond delay="0"/>
+                                          </p:stCondLst>
+                                        </p:cTn>
+                                        <p:tgtEl>
+                                          <p:spTgt spid="3">
+                                            <p:txEl>
+                                              <p:pRg st="1" end="1"/>
+                                            </p:txEl>
+                                          </p:spTgt>
+                                        </p:tgtEl>
+                                        <p:attrNameLst>
+                                          <p:attrName>style.visibility</p:attrName>
+                                        </p:attrNameLst>
+                                      </p:cBhvr>
+                                      <p:to>
+                                        <p:strVal val="visible"/>
+                                      </p:to>
+                                    </p:set>
+                                  </p:childTnLst>
+                                </p:cTn>
+                              </p:par>
+                            </p:childTnLst>
+                          </p:cTn>
+                        </p:par>
+                      </p:childTnLst>
+                    </p:cTn>
+                  </p:par>
+                  <p:par>
+                    <p:cTn id="7" fill="hold">
+                      <p:stCondLst>
+                        <p:cond delay="indefinite"/>
+                      </p:stCondLst>
+                      <p:childTnLst>
+                        <p:par>
+                          <p:cTn id="8" fill="hold">
+                            <p:stCondLst>
+                              <p:cond delay="0"/>
+                            </p:stCondLst>
+                            <p:childTnLst>
+                              <p:par>
+                                <p:cTn id="9" presetID="1" presetClass="entr" presetSubtype="0" fill="hold" nodeType="clickEffect">
+                                  <p:stCondLst>
+                                    <p:cond delay="0"/>
+                                  </p:stCondLst>
+                                  <p:childTnLst>
+                                    <p:set>
+                                      <p:cBhvr>
+                                        <p:cTn id="10" dur="1" fill="hold">
+                                          <p:stCondLst>
+                                            <p:cond delay="0"/>
+                                          </p:stCondLst>
+                                        </p:cTn>
+                                        <p:tgtEl>
+                                          <p:spTgt spid="3">
+                                            <p:txEl>
+                                              <p:pRg st="2" end="2"/>
+                                            </p:txEl>
+                                          </p:spTgt>
+                                        </p:tgtEl>
+                                        <p:attrNameLst>
+                                          <p:attrName>style.visibility</p:attrName>
+                                        </p:attrNameLst>
+                                      </p:cBhvr>
+                                      <p:to>
+                                        <p:strVal val="visible"/>
+                                      </p:to>
+                                    </p:set>
+                                  </p:childTnLst>
+                                </p:cTn>
+                              </p:par>
+                            </p:childTnLst>
+                          </p:cTn>
+                        </p:par>
+                      </p:childTnLst>
+                    </p:cTn>
+                  </p:par>
+                  <p:par>
+                    <p:cTn id="11" fill="hold">
+                      <p:stCondLst>
+                        <p:cond delay="indefinite"/>
+                      </p:stCondLst>
+                      <p:childTnLst>
+                        <p:par>
+                          <p:cTn id="12" fill="hold">
+                            <p:stCondLst>
+                              <p:cond delay="0"/>
+                            </p:stCondLst>
+                            <p:childTnLst>
+                              <p:par>
+                                <p:cTn id="13" presetID="1" presetClass="entr" presetSubtype="0" fill="hold" nodeType="clickEffect">
+                                  <p:stCondLst>
+                                    <p:cond delay="0"/>
+                                  </p:stCondLst>
+                                  <p:childTnLst>
+                                    <p:set>
+                                      <p:cBhvr>
+                                        <p:cTn id="14" dur="1" fill="hold">
+                                          <p:stCondLst>
+                                            <p:cond delay="0"/>
+                                          </p:stCondLst>
+                                        </p:cTn>
+                                        <p:tgtEl>
+                                          <p:spTgt spid="3">
+                                            <p:txEl>
+                                              <p:pRg st="3" end="3"/>
+                                            </p:txEl>
+                                          </p:spTgt>
+                                        </p:tgtEl>
+                                        <p:attrNameLst>
+                                          <p:attrName>style.visibility</p:attrName>
+                                        </p:attrNameLst>
+                                      </p:cBhvr>
+                                      <p:to>
+                                        <p:strVal val="visible"/>
+                                      </p:to>
+                                    </p:set>
+                                  </p:childTnLst>
+                                </p:cTn>
+                              </p:par>
+                              <p:par>
+                                <p:cTn id="15" presetID="1" presetClass="entr" presetSubtype="0" fill="hold" nodeType="withEffect">
+                                  <p:stCondLst>
+                                    <p:cond delay="0"/>
+                                  </p:stCondLst>
+                                  <p:childTnLst>
+                                    <p:set>
+                                      <p:cBhvr>
+                                        <p:cTn id="16" dur="1" fill="hold">
+                                          <p:stCondLst>
+                                            <p:cond delay="0"/>
+                                          </p:stCondLst>
+                                        </p:cTn>
+                                        <p:tgtEl>
+                                          <p:spTgt spid="3">
+                                            <p:txEl>
+                                              <p:pRg st="4" end="4"/>
+                                            </p:txEl>
+                                          </p:spTgt>
+                                        </p:tgtEl>
+                                        <p:attrNameLst>
+                                          <p:attrName>style.visibility</p:attrName>
+                                        </p:attrNameLst>
+                                      </p:cBhvr>
+                                      <p:to>
+                                        <p:strVal val="visible"/>
+                                      </p:to>
+                                    </p:set>
+                                  </p:childTnLst>
+                                </p:cTn>
+                              </p:par>
+                            </p:childTnLst>
+                          </p:cTn>
+                        </p:par>
+                      </p:childTnLst>
+                    </p:cTn>
+                  </p:par>
+                </p:childTnLst>
+              </p:cTn>
+              <p:prevCondLst>
+                <p:cond evt="onPrev" delay="0">
+                  <p:tgtEl>
+                    <p:sldTgt/>
+                  </p:tgtEl>
+                </p:cond>
+              </p:prevCondLst>
+              <p:nextCondLst>
+                <p:cond evt="onNext" delay="0">
+                  <p:tgtEl>
+                    <p:sldTgt/>
+                  </p:tgtEl>
+                </p:cond>
+              </p:nextCondLst>
+            </p:seq>
+          </p:childTnLst>
+        </p:cTn>
+      </p:par>
+    </p:tnLst>
+  </p:timing>
+</p:sld>
+</file>
+
+<file path=ppt/slides/slide35.xml><?xml version="1.0" encoding="utf-8"?>
+<p:sld xmlns:a="http://schemas.openxmlformats.org/drawingml/2006/main" xmlns:r="http://schemas.openxmlformats.org/officeDocument/2006/relationships" xmlns:p="http://schemas.openxmlformats.org/presentationml/2006/main">
+  <p:cSld>
+    <p:spTree>
+      <p:nvGrpSpPr>
+        <p:cNvPr id="1" name=""/>
+        <p:cNvGrpSpPr/>
+        <p:nvPr/>
+      </p:nvGrpSpPr>
+      <p:grpSpPr>
+        <a:xfrm>
+          <a:off x="0" y="0"/>
+          <a:ext cx="0" cy="0"/>
+          <a:chOff x="0" y="0"/>
+          <a:chExt cx="0" cy="0"/>
+        </a:xfrm>
+      </p:grpSpPr>
+      <p:sp>
+        <p:nvSpPr>
+          <p:cNvPr id="2" name="Title 1">
+            <a:extLst>
+              <a:ext uri="{FF2B5EF4-FFF2-40B4-BE49-F238E27FC236}">
+                <a16:creationId xmlns:a16="http://schemas.microsoft.com/office/drawing/2014/main" id="{F007BB04-F697-4219-BF54-058B09D498B7}"/>
+              </a:ext>
+            </a:extLst>
+          </p:cNvPr>
+          <p:cNvSpPr>
+            <a:spLocks noGrp="1"/>
+          </p:cNvSpPr>
+          <p:nvPr>
+            <p:ph type="title"/>
+          </p:nvPr>
+        </p:nvSpPr>
+        <p:spPr/>
+        <p:txBody>
+          <a:bodyPr/>
+          <a:lstStyle/>
+          <a:p>
+            <a:r>
+              <a:rPr lang="en-GB" dirty="0"/>
+              <a:t>Use case: Representing a multi-set</a:t>
+            </a:r>
+          </a:p>
+        </p:txBody>
+      </p:sp>
+      <p:sp>
+        <p:nvSpPr>
+          <p:cNvPr id="3" name="Content Placeholder 2">
+            <a:extLst>
+              <a:ext uri="{FF2B5EF4-FFF2-40B4-BE49-F238E27FC236}">
+                <a16:creationId xmlns:a16="http://schemas.microsoft.com/office/drawing/2014/main" id="{44B81363-7B7D-43CC-82A6-89126558816D}"/>
+              </a:ext>
+            </a:extLst>
+          </p:cNvPr>
+          <p:cNvSpPr>
+            <a:spLocks noGrp="1"/>
+          </p:cNvSpPr>
+          <p:nvPr>
+            <p:ph idx="1"/>
+          </p:nvPr>
+        </p:nvSpPr>
+        <p:spPr>
+          <a:xfrm>
+            <a:off x="323527" y="1446625"/>
+            <a:ext cx="12529393" cy="3510390"/>
+          </a:xfrm>
+        </p:spPr>
+        <p:txBody>
+          <a:bodyPr>
+            <a:normAutofit/>
+          </a:bodyPr>
+          <a:lstStyle/>
+          <a:p>
+            <a:pPr marL="0" indent="0">
+              <a:spcBef>
+                <a:spcPts val="0"/>
+              </a:spcBef>
+              <a:buNone/>
+            </a:pPr>
+            <a:r>
+              <a:rPr lang="en-US" sz="2000" dirty="0">
+                <a:latin typeface="APL385 Unicode" panose="020B0709000202000203" pitchFamily="49" charset="0"/>
+              </a:rPr>
+              <a:t>      all     </a:t>
+            </a:r>
+            <a:r>
+              <a:rPr lang="en-US" sz="2000" dirty="0">
+                <a:solidFill>
+                  <a:srgbClr val="0000FF"/>
+                </a:solidFill>
+                <a:latin typeface="APL385 Unicode" panose="020B0709000202000203" pitchFamily="49" charset="0"/>
+              </a:rPr>
+              <a:t>←</a:t>
+            </a:r>
+            <a:r>
+              <a:rPr lang="en-US" sz="2000" dirty="0">
+                <a:latin typeface="APL385 Unicode" panose="020B0709000202000203" pitchFamily="49" charset="0"/>
+              </a:rPr>
+              <a:t> </a:t>
+            </a:r>
+            <a:r>
+              <a:rPr lang="en-US" sz="2000" dirty="0">
+                <a:solidFill>
+                  <a:srgbClr val="494949"/>
+                </a:solidFill>
+                <a:latin typeface="APL385 Unicode" panose="020B0709000202000203" pitchFamily="49" charset="0"/>
+              </a:rPr>
+              <a:t>'a' 'b' 'c' 'd' 'e' 'f'</a:t>
+            </a:r>
+          </a:p>
+          <a:p>
+            <a:pPr marL="0" indent="0">
+              <a:spcBef>
+                <a:spcPts val="0"/>
+              </a:spcBef>
+              <a:buNone/>
+            </a:pPr>
+            <a:r>
+              <a:rPr lang="en-US" sz="2000" dirty="0">
+                <a:latin typeface="APL385 Unicode" panose="020B0709000202000203" pitchFamily="49" charset="0"/>
+              </a:rPr>
+              <a:t>      count   </a:t>
+            </a:r>
+            <a:r>
+              <a:rPr lang="en-US" sz="2000" dirty="0">
+                <a:solidFill>
+                  <a:srgbClr val="0000FF"/>
+                </a:solidFill>
+                <a:latin typeface="APL385 Unicode" panose="020B0709000202000203" pitchFamily="49" charset="0"/>
+              </a:rPr>
+              <a:t>←</a:t>
+            </a:r>
+            <a:r>
+              <a:rPr lang="en-US" sz="2000" dirty="0">
+                <a:latin typeface="APL385 Unicode" panose="020B0709000202000203" pitchFamily="49" charset="0"/>
+              </a:rPr>
+              <a:t>  </a:t>
+            </a:r>
+            <a:r>
+              <a:rPr lang="en-US" sz="2000" dirty="0">
+                <a:solidFill>
+                  <a:srgbClr val="494949"/>
+                </a:solidFill>
+                <a:latin typeface="APL385 Unicode" panose="020B0709000202000203" pitchFamily="49" charset="0"/>
+              </a:rPr>
+              <a:t>1   0   0   3   0   2</a:t>
+            </a:r>
+          </a:p>
+          <a:p>
+            <a:pPr marL="0" indent="0">
+              <a:spcBef>
+                <a:spcPts val="0"/>
+              </a:spcBef>
+              <a:buNone/>
+            </a:pPr>
+            <a:r>
+              <a:rPr lang="en-US" sz="2000" dirty="0">
+                <a:latin typeface="APL385 Unicode" panose="020B0709000202000203" pitchFamily="49" charset="0"/>
+              </a:rPr>
+              <a:t>      indices </a:t>
+            </a:r>
+            <a:r>
+              <a:rPr lang="en-US" sz="2000" dirty="0">
+                <a:solidFill>
+                  <a:srgbClr val="0000FF"/>
+                </a:solidFill>
+                <a:latin typeface="APL385 Unicode" panose="020B0709000202000203" pitchFamily="49" charset="0"/>
+              </a:rPr>
+              <a:t>←</a:t>
+            </a:r>
+            <a:r>
+              <a:rPr lang="en-US" sz="2000" dirty="0">
+                <a:latin typeface="APL385 Unicode" panose="020B0709000202000203" pitchFamily="49" charset="0"/>
+              </a:rPr>
+              <a:t>  </a:t>
+            </a:r>
+            <a:r>
+              <a:rPr lang="en-US" sz="2000" dirty="0">
+                <a:solidFill>
+                  <a:srgbClr val="494949"/>
+                </a:solidFill>
+                <a:latin typeface="APL385 Unicode" panose="020B0709000202000203" pitchFamily="49" charset="0"/>
+              </a:rPr>
+              <a:t>1         </a:t>
+            </a:r>
+            <a:r>
+              <a:rPr kumimoji="0" lang="en-US" sz="1000" b="0" i="0" u="none" strike="noStrike" kern="1200" cap="none" spc="0" normalizeH="0" baseline="0" noProof="0" dirty="0">
+                <a:ln>
+                  <a:noFill/>
+                </a:ln>
+                <a:solidFill>
+                  <a:srgbClr val="494949"/>
+                </a:solidFill>
+                <a:effectLst/>
+                <a:uLnTx/>
+                <a:uFillTx/>
+                <a:latin typeface="APL385 Unicode" panose="020B0709000202000203" pitchFamily="49" charset="0"/>
+                <a:ea typeface="+mn-ea"/>
+                <a:cs typeface="+mn-cs"/>
+              </a:rPr>
+              <a:t> </a:t>
+            </a:r>
+            <a:r>
+              <a:rPr lang="en-US" sz="2000" dirty="0">
+                <a:solidFill>
+                  <a:srgbClr val="494949"/>
+                </a:solidFill>
+                <a:latin typeface="APL385 Unicode" panose="020B0709000202000203" pitchFamily="49" charset="0"/>
+              </a:rPr>
+              <a:t>4</a:t>
+            </a:r>
+            <a:r>
+              <a:rPr lang="en-US" sz="1000" dirty="0">
+                <a:solidFill>
+                  <a:srgbClr val="494949"/>
+                </a:solidFill>
+                <a:latin typeface="APL385 Unicode" panose="020B0709000202000203" pitchFamily="49" charset="0"/>
+              </a:rPr>
+              <a:t> </a:t>
+            </a:r>
+            <a:r>
+              <a:rPr lang="en-US" sz="2000" dirty="0">
+                <a:solidFill>
+                  <a:srgbClr val="494949"/>
+                </a:solidFill>
+                <a:latin typeface="APL385 Unicode" panose="020B0709000202000203" pitchFamily="49" charset="0"/>
+              </a:rPr>
+              <a:t>4</a:t>
+            </a:r>
+            <a:r>
+              <a:rPr kumimoji="0" lang="en-US" sz="1000" b="0" i="0" u="none" strike="noStrike" kern="1200" cap="none" spc="0" normalizeH="0" baseline="0" noProof="0" dirty="0">
+                <a:ln>
+                  <a:noFill/>
+                </a:ln>
+                <a:solidFill>
+                  <a:srgbClr val="494949"/>
+                </a:solidFill>
+                <a:effectLst/>
+                <a:uLnTx/>
+                <a:uFillTx/>
+                <a:latin typeface="APL385 Unicode" panose="020B0709000202000203" pitchFamily="49" charset="0"/>
+                <a:ea typeface="+mn-ea"/>
+                <a:cs typeface="+mn-cs"/>
+              </a:rPr>
+              <a:t> </a:t>
+            </a:r>
+            <a:r>
+              <a:rPr lang="en-US" sz="2000" dirty="0">
+                <a:solidFill>
+                  <a:srgbClr val="494949"/>
+                </a:solidFill>
+                <a:latin typeface="APL385 Unicode" panose="020B0709000202000203" pitchFamily="49" charset="0"/>
+              </a:rPr>
+              <a:t>4    </a:t>
+            </a:r>
+            <a:r>
+              <a:rPr lang="en-US" sz="1500" dirty="0">
+                <a:solidFill>
+                  <a:srgbClr val="494949"/>
+                </a:solidFill>
+                <a:latin typeface="APL385 Unicode" panose="020B0709000202000203" pitchFamily="49" charset="0"/>
+              </a:rPr>
+              <a:t> </a:t>
+            </a:r>
+            <a:r>
+              <a:rPr lang="en-US" sz="2000" dirty="0">
+                <a:solidFill>
+                  <a:srgbClr val="494949"/>
+                </a:solidFill>
+                <a:latin typeface="APL385 Unicode" panose="020B0709000202000203" pitchFamily="49" charset="0"/>
+              </a:rPr>
+              <a:t>6</a:t>
+            </a:r>
+            <a:r>
+              <a:rPr kumimoji="0" lang="en-US" sz="1000" b="0" i="0" u="none" strike="noStrike" kern="1200" cap="none" spc="0" normalizeH="0" baseline="0" noProof="0" dirty="0">
+                <a:ln>
+                  <a:noFill/>
+                </a:ln>
+                <a:solidFill>
+                  <a:srgbClr val="494949"/>
+                </a:solidFill>
+                <a:effectLst/>
+                <a:uLnTx/>
+                <a:uFillTx/>
+                <a:latin typeface="APL385 Unicode" panose="020B0709000202000203" pitchFamily="49" charset="0"/>
+                <a:ea typeface="+mn-ea"/>
+                <a:cs typeface="+mn-cs"/>
+              </a:rPr>
+              <a:t> </a:t>
+            </a:r>
+            <a:r>
+              <a:rPr lang="en-US" sz="2000" dirty="0">
+                <a:solidFill>
+                  <a:srgbClr val="494949"/>
+                </a:solidFill>
+                <a:latin typeface="APL385 Unicode" panose="020B0709000202000203" pitchFamily="49" charset="0"/>
+              </a:rPr>
+              <a:t>6</a:t>
+            </a:r>
+          </a:p>
+          <a:p>
+            <a:pPr marL="0" indent="0">
+              <a:spcBef>
+                <a:spcPts val="0"/>
+              </a:spcBef>
+              <a:buNone/>
+            </a:pPr>
+            <a:r>
+              <a:rPr lang="en-US" sz="2000" dirty="0">
+                <a:latin typeface="APL385 Unicode" panose="020B0709000202000203" pitchFamily="49" charset="0"/>
+              </a:rPr>
+              <a:t>      indices </a:t>
+            </a:r>
+            <a:r>
+              <a:rPr lang="en-US" sz="2000" dirty="0">
+                <a:solidFill>
+                  <a:srgbClr val="0000FF"/>
+                </a:solidFill>
+                <a:latin typeface="APL385 Unicode" panose="020B0709000202000203" pitchFamily="49" charset="0"/>
+              </a:rPr>
+              <a:t>≡ ⍸ </a:t>
+            </a:r>
+            <a:r>
+              <a:rPr lang="en-US" sz="2000" dirty="0">
+                <a:latin typeface="APL385 Unicode" panose="020B0709000202000203" pitchFamily="49" charset="0"/>
+              </a:rPr>
+              <a:t>count</a:t>
+            </a:r>
+          </a:p>
+          <a:p>
+            <a:pPr marL="0" indent="0">
+              <a:spcBef>
+                <a:spcPts val="0"/>
+              </a:spcBef>
+              <a:buNone/>
+            </a:pPr>
+            <a:r>
+              <a:rPr lang="en-US" sz="2000" dirty="0">
+                <a:latin typeface="APL385 Unicode" panose="020B0709000202000203" pitchFamily="49" charset="0"/>
+              </a:rPr>
+              <a:t>1</a:t>
+            </a:r>
+          </a:p>
+          <a:p>
+            <a:pPr marL="0" indent="0">
+              <a:spcBef>
+                <a:spcPts val="0"/>
+              </a:spcBef>
+              <a:buNone/>
+            </a:pPr>
+            <a:r>
+              <a:rPr lang="en-US" sz="2000" dirty="0">
+                <a:latin typeface="APL385 Unicode" panose="020B0709000202000203" pitchFamily="49" charset="0"/>
+              </a:rPr>
+              <a:t>      count   </a:t>
+            </a:r>
+            <a:r>
+              <a:rPr lang="en-US" sz="2000" dirty="0">
+                <a:solidFill>
+                  <a:srgbClr val="0000FF"/>
+                </a:solidFill>
+                <a:latin typeface="APL385 Unicode" panose="020B0709000202000203" pitchFamily="49" charset="0"/>
+              </a:rPr>
+              <a:t>≡ </a:t>
+            </a:r>
+            <a:r>
+              <a:rPr lang="en-US" sz="2000" dirty="0">
+                <a:solidFill>
+                  <a:srgbClr val="FF0000"/>
+                </a:solidFill>
+                <a:latin typeface="APL385 Unicode" panose="020B0709000202000203" pitchFamily="49" charset="0"/>
+              </a:rPr>
+              <a:t>⍰   </a:t>
+            </a:r>
+            <a:r>
+              <a:rPr lang="en-US" sz="2000" dirty="0">
+                <a:latin typeface="APL385 Unicode" panose="020B0709000202000203" pitchFamily="49" charset="0"/>
+              </a:rPr>
+              <a:t>indices</a:t>
+            </a:r>
+          </a:p>
+          <a:p>
+            <a:pPr marL="0" indent="0">
+              <a:spcBef>
+                <a:spcPts val="0"/>
+              </a:spcBef>
+              <a:buNone/>
+            </a:pPr>
+            <a:r>
+              <a:rPr lang="en-US" sz="2000" dirty="0">
+                <a:latin typeface="APL385 Unicode" panose="020B0709000202000203" pitchFamily="49" charset="0"/>
+              </a:rPr>
+              <a:t>1</a:t>
+            </a:r>
+          </a:p>
+        </p:txBody>
+      </p:sp>
+      <p:sp>
+        <p:nvSpPr>
+          <p:cNvPr id="4" name="Content Placeholder 3">
+            <a:extLst>
+              <a:ext uri="{FF2B5EF4-FFF2-40B4-BE49-F238E27FC236}">
+                <a16:creationId xmlns:a16="http://schemas.microsoft.com/office/drawing/2014/main" id="{B73D9B4A-829D-4692-8DA4-53DB8C3E5219}"/>
+              </a:ext>
+            </a:extLst>
+          </p:cNvPr>
+          <p:cNvSpPr>
+            <a:spLocks noGrp="1"/>
+          </p:cNvSpPr>
+          <p:nvPr>
+            <p:ph sz="quarter" idx="12"/>
+          </p:nvPr>
+        </p:nvSpPr>
+        <p:spPr/>
+        <p:txBody>
+          <a:bodyPr/>
+          <a:lstStyle/>
+          <a:p>
+            <a:endParaRPr lang="en-GB" dirty="0"/>
+          </a:p>
+        </p:txBody>
+      </p:sp>
+    </p:spTree>
+    <p:extLst>
+      <p:ext uri="{BB962C8B-B14F-4D97-AF65-F5344CB8AC3E}">
+        <p14:creationId xmlns:p14="http://schemas.microsoft.com/office/powerpoint/2010/main" val="1057817634"/>
+      </p:ext>
+    </p:extLst>
+  </p:cSld>
+  <p:clrMapOvr>
+    <a:masterClrMapping/>
+  </p:clrMapOvr>
+  <p:timing>
+    <p:tnLst>
+      <p:par>
+        <p:cTn id="1" dur="indefinite" restart="never" nodeType="tmRoot">
+          <p:childTnLst>
+            <p:seq concurrent="1" nextAc="seek">
+              <p:cTn id="2" dur="indefinite" nodeType="mainSeq">
+                <p:childTnLst>
+                  <p:par>
+                    <p:cTn id="3" fill="hold">
+                      <p:stCondLst>
+                        <p:cond delay="indefinite"/>
+                      </p:stCondLst>
+                      <p:childTnLst>
+                        <p:par>
+                          <p:cTn id="4" fill="hold">
+                            <p:stCondLst>
+                              <p:cond delay="0"/>
+                            </p:stCondLst>
+                            <p:childTnLst>
+                              <p:par>
+                                <p:cTn id="5" presetID="1" presetClass="entr" presetSubtype="0" fill="hold" nodeType="clickEffect">
+                                  <p:stCondLst>
+                                    <p:cond delay="0"/>
+                                  </p:stCondLst>
+                                  <p:childTnLst>
+                                    <p:set>
+                                      <p:cBhvr>
+                                        <p:cTn id="6" dur="1" fill="hold">
+                                          <p:stCondLst>
+                                            <p:cond delay="0"/>
+                                          </p:stCondLst>
+                                        </p:cTn>
+                                        <p:tgtEl>
+                                          <p:spTgt spid="3">
+                                            <p:txEl>
+                                              <p:pRg st="5" end="5"/>
+                                            </p:txEl>
+                                          </p:spTgt>
+                                        </p:tgtEl>
+                                        <p:attrNameLst>
+                                          <p:attrName>style.visibility</p:attrName>
+                                        </p:attrNameLst>
+                                      </p:cBhvr>
+                                      <p:to>
+                                        <p:strVal val="visible"/>
+                                      </p:to>
+                                    </p:set>
+                                  </p:childTnLst>
+                                </p:cTn>
+                              </p:par>
+                              <p:par>
+                                <p:cTn id="7" presetID="1" presetClass="entr" presetSubtype="0" fill="hold" nodeType="withEffect">
+                                  <p:stCondLst>
+                                    <p:cond delay="0"/>
+                                  </p:stCondLst>
+                                  <p:childTnLst>
+                                    <p:set>
+                                      <p:cBhvr>
+                                        <p:cTn id="8" dur="1" fill="hold">
+                                          <p:stCondLst>
+                                            <p:cond delay="0"/>
+                                          </p:stCondLst>
+                                        </p:cTn>
+                                        <p:tgtEl>
+                                          <p:spTgt spid="3">
+                                            <p:txEl>
+                                              <p:pRg st="6" end="6"/>
+                                            </p:txEl>
+                                          </p:spTgt>
+                                        </p:tgtEl>
+                                        <p:attrNameLst>
+                                          <p:attrName>style.visibility</p:attrName>
+                                        </p:attrNameLst>
+                                      </p:cBhvr>
+                                      <p:to>
+                                        <p:strVal val="visible"/>
+                                      </p:to>
+                                    </p:set>
+                                  </p:childTnLst>
+                                </p:cTn>
+                              </p:par>
+                            </p:childTnLst>
+                          </p:cTn>
+                        </p:par>
+                      </p:childTnLst>
+                    </p:cTn>
+                  </p:par>
+                </p:childTnLst>
+              </p:cTn>
+              <p:prevCondLst>
+                <p:cond evt="onPrev" delay="0">
+                  <p:tgtEl>
+                    <p:sldTgt/>
+                  </p:tgtEl>
+                </p:cond>
+              </p:prevCondLst>
+              <p:nextCondLst>
+                <p:cond evt="onNext" delay="0">
+                  <p:tgtEl>
+                    <p:sldTgt/>
+                  </p:tgtEl>
+                </p:cond>
+              </p:nextCondLst>
+            </p:seq>
+          </p:childTnLst>
+        </p:cTn>
+      </p:par>
+    </p:tnLst>
+  </p:timing>
+</p:sld>
+</file>
+
+<file path=ppt/slides/slide36.xml><?xml version="1.0" encoding="utf-8"?>
+<p:sld xmlns:a="http://schemas.openxmlformats.org/drawingml/2006/main" xmlns:r="http://schemas.openxmlformats.org/officeDocument/2006/relationships" xmlns:p="http://schemas.openxmlformats.org/presentationml/2006/main">
+  <p:cSld>
+    <p:spTree>
+      <p:nvGrpSpPr>
+        <p:cNvPr id="1" name=""/>
+        <p:cNvGrpSpPr/>
+        <p:nvPr/>
+      </p:nvGrpSpPr>
+      <p:grpSpPr>
+        <a:xfrm>
+          <a:off x="0" y="0"/>
+          <a:ext cx="0" cy="0"/>
+          <a:chOff x="0" y="0"/>
+          <a:chExt cx="0" cy="0"/>
+        </a:xfrm>
+      </p:grpSpPr>
+      <p:sp>
+        <p:nvSpPr>
+          <p:cNvPr id="2" name="Title 1">
+            <a:extLst>
+              <a:ext uri="{FF2B5EF4-FFF2-40B4-BE49-F238E27FC236}">
+                <a16:creationId xmlns:a16="http://schemas.microsoft.com/office/drawing/2014/main" id="{F007BB04-F697-4219-BF54-058B09D498B7}"/>
+              </a:ext>
+            </a:extLst>
+          </p:cNvPr>
+          <p:cNvSpPr>
+            <a:spLocks noGrp="1"/>
+          </p:cNvSpPr>
+          <p:nvPr>
+            <p:ph type="title"/>
+          </p:nvPr>
+        </p:nvSpPr>
+        <p:spPr/>
+        <p:txBody>
+          <a:bodyPr/>
+          <a:lstStyle/>
+          <a:p>
+            <a:r>
+              <a:rPr lang="en-GB" dirty="0"/>
+              <a:t>Use case: Representing a multi-set</a:t>
+            </a:r>
+          </a:p>
+        </p:txBody>
+      </p:sp>
+      <p:sp>
+        <p:nvSpPr>
+          <p:cNvPr id="3" name="Content Placeholder 2">
+            <a:extLst>
+              <a:ext uri="{FF2B5EF4-FFF2-40B4-BE49-F238E27FC236}">
+                <a16:creationId xmlns:a16="http://schemas.microsoft.com/office/drawing/2014/main" id="{44B81363-7B7D-43CC-82A6-89126558816D}"/>
+              </a:ext>
+            </a:extLst>
+          </p:cNvPr>
+          <p:cNvSpPr>
+            <a:spLocks noGrp="1"/>
+          </p:cNvSpPr>
+          <p:nvPr>
+            <p:ph idx="1"/>
+          </p:nvPr>
+        </p:nvSpPr>
+        <p:spPr>
+          <a:xfrm>
+            <a:off x="323527" y="1446625"/>
+            <a:ext cx="12529393" cy="3510390"/>
+          </a:xfrm>
+        </p:spPr>
+        <p:txBody>
+          <a:bodyPr>
+            <a:normAutofit/>
+          </a:bodyPr>
+          <a:lstStyle/>
+          <a:p>
+            <a:pPr marL="0" indent="0">
+              <a:spcBef>
+                <a:spcPts val="0"/>
+              </a:spcBef>
+              <a:buNone/>
+            </a:pPr>
+            <a:r>
+              <a:rPr lang="en-US" sz="2000" dirty="0">
+                <a:latin typeface="APL385 Unicode" panose="020B0709000202000203" pitchFamily="49" charset="0"/>
+              </a:rPr>
+              <a:t>      all     </a:t>
+            </a:r>
+            <a:r>
+              <a:rPr lang="en-US" sz="2000" dirty="0">
+                <a:solidFill>
+                  <a:srgbClr val="0000FF"/>
+                </a:solidFill>
+                <a:latin typeface="APL385 Unicode" panose="020B0709000202000203" pitchFamily="49" charset="0"/>
+              </a:rPr>
+              <a:t>←</a:t>
+            </a:r>
+            <a:r>
+              <a:rPr lang="en-US" sz="2000" dirty="0">
+                <a:latin typeface="APL385 Unicode" panose="020B0709000202000203" pitchFamily="49" charset="0"/>
+              </a:rPr>
+              <a:t> </a:t>
+            </a:r>
+            <a:r>
+              <a:rPr lang="en-US" sz="2000" dirty="0">
+                <a:solidFill>
+                  <a:srgbClr val="494949"/>
+                </a:solidFill>
+                <a:latin typeface="APL385 Unicode" panose="020B0709000202000203" pitchFamily="49" charset="0"/>
+              </a:rPr>
+              <a:t>'a' 'b' 'c' 'd' 'e' 'f'</a:t>
+            </a:r>
+          </a:p>
+          <a:p>
+            <a:pPr marL="0" indent="0">
+              <a:spcBef>
+                <a:spcPts val="0"/>
+              </a:spcBef>
+              <a:buNone/>
+            </a:pPr>
+            <a:r>
+              <a:rPr lang="en-US" sz="2000" dirty="0">
+                <a:latin typeface="APL385 Unicode" panose="020B0709000202000203" pitchFamily="49" charset="0"/>
+              </a:rPr>
+              <a:t>      count   </a:t>
+            </a:r>
+            <a:r>
+              <a:rPr lang="en-US" sz="2000" dirty="0">
+                <a:solidFill>
+                  <a:srgbClr val="0000FF"/>
+                </a:solidFill>
+                <a:latin typeface="APL385 Unicode" panose="020B0709000202000203" pitchFamily="49" charset="0"/>
+              </a:rPr>
+              <a:t>←</a:t>
+            </a:r>
+            <a:r>
+              <a:rPr lang="en-US" sz="2000" dirty="0">
+                <a:latin typeface="APL385 Unicode" panose="020B0709000202000203" pitchFamily="49" charset="0"/>
+              </a:rPr>
+              <a:t>  </a:t>
+            </a:r>
+            <a:r>
+              <a:rPr lang="en-US" sz="2000" dirty="0">
+                <a:solidFill>
+                  <a:srgbClr val="494949"/>
+                </a:solidFill>
+                <a:latin typeface="APL385 Unicode" panose="020B0709000202000203" pitchFamily="49" charset="0"/>
+              </a:rPr>
+              <a:t>1   0   0   3   0   2</a:t>
+            </a:r>
+          </a:p>
+          <a:p>
+            <a:pPr marL="0" indent="0">
+              <a:spcBef>
+                <a:spcPts val="0"/>
+              </a:spcBef>
+              <a:buNone/>
+            </a:pPr>
+            <a:r>
+              <a:rPr lang="en-US" sz="2000" dirty="0">
+                <a:latin typeface="APL385 Unicode" panose="020B0709000202000203" pitchFamily="49" charset="0"/>
+              </a:rPr>
+              <a:t>      indices </a:t>
+            </a:r>
+            <a:r>
+              <a:rPr lang="en-US" sz="2000" dirty="0">
+                <a:solidFill>
+                  <a:srgbClr val="0000FF"/>
+                </a:solidFill>
+                <a:latin typeface="APL385 Unicode" panose="020B0709000202000203" pitchFamily="49" charset="0"/>
+              </a:rPr>
+              <a:t>←</a:t>
+            </a:r>
+            <a:r>
+              <a:rPr lang="en-US" sz="2000" dirty="0">
+                <a:latin typeface="APL385 Unicode" panose="020B0709000202000203" pitchFamily="49" charset="0"/>
+              </a:rPr>
+              <a:t>  </a:t>
+            </a:r>
+            <a:r>
+              <a:rPr lang="en-US" sz="2000" dirty="0">
+                <a:solidFill>
+                  <a:srgbClr val="494949"/>
+                </a:solidFill>
+                <a:latin typeface="APL385 Unicode" panose="020B0709000202000203" pitchFamily="49" charset="0"/>
+              </a:rPr>
+              <a:t>1         </a:t>
+            </a:r>
+            <a:r>
+              <a:rPr kumimoji="0" lang="en-US" sz="1000" b="0" i="0" u="none" strike="noStrike" kern="1200" cap="none" spc="0" normalizeH="0" baseline="0" noProof="0" dirty="0">
+                <a:ln>
+                  <a:noFill/>
+                </a:ln>
+                <a:solidFill>
+                  <a:srgbClr val="494949"/>
+                </a:solidFill>
+                <a:effectLst/>
+                <a:uLnTx/>
+                <a:uFillTx/>
+                <a:latin typeface="APL385 Unicode" panose="020B0709000202000203" pitchFamily="49" charset="0"/>
+                <a:ea typeface="+mn-ea"/>
+                <a:cs typeface="+mn-cs"/>
+              </a:rPr>
+              <a:t> </a:t>
+            </a:r>
+            <a:r>
+              <a:rPr lang="en-US" sz="2000" dirty="0">
+                <a:solidFill>
+                  <a:srgbClr val="494949"/>
+                </a:solidFill>
+                <a:latin typeface="APL385 Unicode" panose="020B0709000202000203" pitchFamily="49" charset="0"/>
+              </a:rPr>
+              <a:t>4</a:t>
+            </a:r>
+            <a:r>
+              <a:rPr lang="en-US" sz="1000" dirty="0">
+                <a:solidFill>
+                  <a:srgbClr val="494949"/>
+                </a:solidFill>
+                <a:latin typeface="APL385 Unicode" panose="020B0709000202000203" pitchFamily="49" charset="0"/>
+              </a:rPr>
+              <a:t> </a:t>
+            </a:r>
+            <a:r>
+              <a:rPr lang="en-US" sz="2000" dirty="0">
+                <a:solidFill>
+                  <a:srgbClr val="494949"/>
+                </a:solidFill>
+                <a:latin typeface="APL385 Unicode" panose="020B0709000202000203" pitchFamily="49" charset="0"/>
+              </a:rPr>
+              <a:t>4</a:t>
+            </a:r>
+            <a:r>
+              <a:rPr kumimoji="0" lang="en-US" sz="1000" b="0" i="0" u="none" strike="noStrike" kern="1200" cap="none" spc="0" normalizeH="0" baseline="0" noProof="0" dirty="0">
+                <a:ln>
+                  <a:noFill/>
+                </a:ln>
+                <a:solidFill>
+                  <a:srgbClr val="494949"/>
+                </a:solidFill>
+                <a:effectLst/>
+                <a:uLnTx/>
+                <a:uFillTx/>
+                <a:latin typeface="APL385 Unicode" panose="020B0709000202000203" pitchFamily="49" charset="0"/>
+                <a:ea typeface="+mn-ea"/>
+                <a:cs typeface="+mn-cs"/>
+              </a:rPr>
+              <a:t> </a:t>
+            </a:r>
+            <a:r>
+              <a:rPr lang="en-US" sz="2000" dirty="0">
+                <a:solidFill>
+                  <a:srgbClr val="494949"/>
+                </a:solidFill>
+                <a:latin typeface="APL385 Unicode" panose="020B0709000202000203" pitchFamily="49" charset="0"/>
+              </a:rPr>
+              <a:t>4    </a:t>
+            </a:r>
+            <a:r>
+              <a:rPr lang="en-US" sz="1500" dirty="0">
+                <a:solidFill>
+                  <a:srgbClr val="494949"/>
+                </a:solidFill>
+                <a:latin typeface="APL385 Unicode" panose="020B0709000202000203" pitchFamily="49" charset="0"/>
+              </a:rPr>
+              <a:t> </a:t>
+            </a:r>
+            <a:r>
+              <a:rPr lang="en-US" sz="2000" dirty="0">
+                <a:solidFill>
+                  <a:srgbClr val="494949"/>
+                </a:solidFill>
+                <a:latin typeface="APL385 Unicode" panose="020B0709000202000203" pitchFamily="49" charset="0"/>
+              </a:rPr>
+              <a:t>6</a:t>
+            </a:r>
+            <a:r>
+              <a:rPr kumimoji="0" lang="en-US" sz="1000" b="0" i="0" u="none" strike="noStrike" kern="1200" cap="none" spc="0" normalizeH="0" baseline="0" noProof="0" dirty="0">
+                <a:ln>
+                  <a:noFill/>
+                </a:ln>
+                <a:solidFill>
+                  <a:srgbClr val="494949"/>
+                </a:solidFill>
+                <a:effectLst/>
+                <a:uLnTx/>
+                <a:uFillTx/>
+                <a:latin typeface="APL385 Unicode" panose="020B0709000202000203" pitchFamily="49" charset="0"/>
+                <a:ea typeface="+mn-ea"/>
+                <a:cs typeface="+mn-cs"/>
+              </a:rPr>
+              <a:t> </a:t>
+            </a:r>
+            <a:r>
+              <a:rPr lang="en-US" sz="2000" dirty="0">
+                <a:solidFill>
+                  <a:srgbClr val="494949"/>
+                </a:solidFill>
+                <a:latin typeface="APL385 Unicode" panose="020B0709000202000203" pitchFamily="49" charset="0"/>
+              </a:rPr>
+              <a:t>6</a:t>
+            </a:r>
+          </a:p>
+          <a:p>
+            <a:pPr marL="0" indent="0">
+              <a:spcBef>
+                <a:spcPts val="0"/>
+              </a:spcBef>
+              <a:buNone/>
+            </a:pPr>
+            <a:r>
+              <a:rPr lang="en-US" sz="2000" dirty="0">
+                <a:latin typeface="APL385 Unicode" panose="020B0709000202000203" pitchFamily="49" charset="0"/>
+              </a:rPr>
+              <a:t>      indices </a:t>
+            </a:r>
+            <a:r>
+              <a:rPr lang="en-US" sz="2000" dirty="0">
+                <a:solidFill>
+                  <a:srgbClr val="0000FF"/>
+                </a:solidFill>
+                <a:latin typeface="APL385 Unicode" panose="020B0709000202000203" pitchFamily="49" charset="0"/>
+              </a:rPr>
+              <a:t>≡ ⍸ </a:t>
+            </a:r>
+            <a:r>
+              <a:rPr lang="en-US" sz="2000" dirty="0">
+                <a:latin typeface="APL385 Unicode" panose="020B0709000202000203" pitchFamily="49" charset="0"/>
+              </a:rPr>
+              <a:t>count</a:t>
+            </a:r>
+          </a:p>
+          <a:p>
+            <a:pPr marL="0" indent="0">
+              <a:spcBef>
+                <a:spcPts val="0"/>
+              </a:spcBef>
+              <a:buNone/>
+            </a:pPr>
+            <a:r>
+              <a:rPr lang="en-US" sz="2000" dirty="0">
+                <a:latin typeface="APL385 Unicode" panose="020B0709000202000203" pitchFamily="49" charset="0"/>
+              </a:rPr>
+              <a:t>1</a:t>
+            </a:r>
+          </a:p>
+          <a:p>
+            <a:pPr marL="0" indent="0">
+              <a:spcBef>
+                <a:spcPts val="0"/>
+              </a:spcBef>
+              <a:buNone/>
+            </a:pPr>
+            <a:r>
+              <a:rPr lang="en-US" sz="2000" dirty="0">
+                <a:latin typeface="APL385 Unicode" panose="020B0709000202000203" pitchFamily="49" charset="0"/>
+              </a:rPr>
+              <a:t>      count   </a:t>
+            </a:r>
+            <a:r>
+              <a:rPr lang="en-US" sz="2000" dirty="0">
+                <a:solidFill>
+                  <a:srgbClr val="0000FF"/>
+                </a:solidFill>
+                <a:latin typeface="APL385 Unicode" panose="020B0709000202000203" pitchFamily="49" charset="0"/>
+              </a:rPr>
+              <a:t>≡⍸⍣</a:t>
+            </a:r>
+            <a:r>
+              <a:rPr lang="en-US" sz="2000" dirty="0">
+                <a:solidFill>
+                  <a:srgbClr val="494949"/>
+                </a:solidFill>
+                <a:latin typeface="APL385 Unicode" panose="020B0709000202000203" pitchFamily="49" charset="0"/>
+              </a:rPr>
+              <a:t>¯1</a:t>
+            </a:r>
+            <a:r>
+              <a:rPr lang="en-US" sz="2000" dirty="0">
+                <a:solidFill>
+                  <a:srgbClr val="0000FF"/>
+                </a:solidFill>
+                <a:latin typeface="APL385 Unicode" panose="020B0709000202000203" pitchFamily="49" charset="0"/>
+              </a:rPr>
+              <a:t>⊢</a:t>
+            </a:r>
+            <a:r>
+              <a:rPr lang="en-US" sz="2000" dirty="0">
+                <a:latin typeface="APL385 Unicode" panose="020B0709000202000203" pitchFamily="49" charset="0"/>
+              </a:rPr>
+              <a:t>indices</a:t>
+            </a:r>
+          </a:p>
+          <a:p>
+            <a:pPr marL="0" indent="0">
+              <a:spcBef>
+                <a:spcPts val="0"/>
+              </a:spcBef>
+              <a:buNone/>
+            </a:pPr>
+            <a:r>
+              <a:rPr lang="en-US" sz="2000" dirty="0">
+                <a:latin typeface="APL385 Unicode" panose="020B0709000202000203" pitchFamily="49" charset="0"/>
+              </a:rPr>
+              <a:t>1</a:t>
+            </a:r>
+          </a:p>
+        </p:txBody>
+      </p:sp>
+      <p:sp>
+        <p:nvSpPr>
+          <p:cNvPr id="4" name="Content Placeholder 3">
+            <a:extLst>
+              <a:ext uri="{FF2B5EF4-FFF2-40B4-BE49-F238E27FC236}">
+                <a16:creationId xmlns:a16="http://schemas.microsoft.com/office/drawing/2014/main" id="{B73D9B4A-829D-4692-8DA4-53DB8C3E5219}"/>
+              </a:ext>
+            </a:extLst>
+          </p:cNvPr>
+          <p:cNvSpPr>
+            <a:spLocks noGrp="1"/>
+          </p:cNvSpPr>
+          <p:nvPr>
+            <p:ph sz="quarter" idx="12"/>
+          </p:nvPr>
+        </p:nvSpPr>
+        <p:spPr/>
+        <p:txBody>
+          <a:bodyPr/>
+          <a:lstStyle/>
+          <a:p>
+            <a:endParaRPr lang="en-GB" dirty="0"/>
+          </a:p>
+        </p:txBody>
+      </p:sp>
+    </p:spTree>
+    <p:extLst>
+      <p:ext uri="{BB962C8B-B14F-4D97-AF65-F5344CB8AC3E}">
+        <p14:creationId xmlns:p14="http://schemas.microsoft.com/office/powerpoint/2010/main" val="80499442"/>
+      </p:ext>
+    </p:extLst>
+  </p:cSld>
+  <p:clrMapOvr>
+    <a:masterClrMapping/>
+  </p:clrMapOvr>
+</p:sld>
+</file>
+
+<file path=ppt/slides/slide37.xml><?xml version="1.0" encoding="utf-8"?>
+<p:sld xmlns:a="http://schemas.openxmlformats.org/drawingml/2006/main" xmlns:r="http://schemas.openxmlformats.org/officeDocument/2006/relationships" xmlns:p="http://schemas.openxmlformats.org/presentationml/2006/main">
+  <p:cSld>
+    <p:spTree>
+      <p:nvGrpSpPr>
+        <p:cNvPr id="1" name=""/>
+        <p:cNvGrpSpPr/>
+        <p:nvPr/>
+      </p:nvGrpSpPr>
+      <p:grpSpPr>
+        <a:xfrm>
+          <a:off x="0" y="0"/>
+          <a:ext cx="0" cy="0"/>
+          <a:chOff x="0" y="0"/>
+          <a:chExt cx="0" cy="0"/>
+        </a:xfrm>
+      </p:grpSpPr>
+      <p:sp>
+        <p:nvSpPr>
+          <p:cNvPr id="2" name="Title 1">
+            <a:extLst>
+              <a:ext uri="{FF2B5EF4-FFF2-40B4-BE49-F238E27FC236}">
+                <a16:creationId xmlns:a16="http://schemas.microsoft.com/office/drawing/2014/main" id="{A96290A3-D0D2-E36C-631E-4E280C4F261F}"/>
+              </a:ext>
+            </a:extLst>
+          </p:cNvPr>
+          <p:cNvSpPr>
+            <a:spLocks noGrp="1"/>
+          </p:cNvSpPr>
+          <p:nvPr>
+            <p:ph type="title"/>
+          </p:nvPr>
+        </p:nvSpPr>
+        <p:spPr/>
+        <p:txBody>
+          <a:bodyPr/>
+          <a:lstStyle/>
+          <a:p>
+            <a:r>
+              <a:rPr lang="en-GB" dirty="0"/>
+              <a:t>Partitioned enclose	</a:t>
+            </a:r>
+            <a:r>
+              <a:rPr lang="en-GB" dirty="0">
+                <a:latin typeface="APL385 Unicode" panose="020B0709000202000203" pitchFamily="49" charset="0"/>
+              </a:rPr>
+              <a:t>⍺</a:t>
+            </a:r>
+            <a:r>
+              <a:rPr lang="en-GB" dirty="0">
+                <a:solidFill>
+                  <a:srgbClr val="0000FF"/>
+                </a:solidFill>
+                <a:latin typeface="APL385 Unicode" panose="020B0709000202000203" pitchFamily="49" charset="0"/>
+              </a:rPr>
+              <a:t>⊂</a:t>
+            </a:r>
+            <a:r>
+              <a:rPr lang="en-GB" dirty="0">
+                <a:latin typeface="APL385 Unicode" panose="020B0709000202000203" pitchFamily="49" charset="0"/>
+              </a:rPr>
+              <a:t>⍵</a:t>
+            </a:r>
+          </a:p>
+        </p:txBody>
+      </p:sp>
+      <p:sp>
+        <p:nvSpPr>
+          <p:cNvPr id="3" name="Content Placeholder 2">
+            <a:extLst>
+              <a:ext uri="{FF2B5EF4-FFF2-40B4-BE49-F238E27FC236}">
+                <a16:creationId xmlns:a16="http://schemas.microsoft.com/office/drawing/2014/main" id="{BEC52AFE-349E-10A4-5E5B-54B92AB30817}"/>
+              </a:ext>
+            </a:extLst>
+          </p:cNvPr>
+          <p:cNvSpPr>
+            <a:spLocks noGrp="1"/>
+          </p:cNvSpPr>
+          <p:nvPr>
+            <p:ph idx="1"/>
+          </p:nvPr>
+        </p:nvSpPr>
+        <p:spPr/>
+        <p:txBody>
+          <a:bodyPr/>
+          <a:lstStyle/>
+          <a:p>
+            <a:endParaRPr lang="en-GB"/>
+          </a:p>
+        </p:txBody>
+      </p:sp>
+      <p:sp>
+        <p:nvSpPr>
+          <p:cNvPr id="4" name="Content Placeholder 3">
+            <a:extLst>
+              <a:ext uri="{FF2B5EF4-FFF2-40B4-BE49-F238E27FC236}">
+                <a16:creationId xmlns:a16="http://schemas.microsoft.com/office/drawing/2014/main" id="{FEEBBB0D-6E38-04F2-4304-47B5A0C0C501}"/>
+              </a:ext>
+            </a:extLst>
+          </p:cNvPr>
+          <p:cNvSpPr>
+            <a:spLocks noGrp="1"/>
+          </p:cNvSpPr>
+          <p:nvPr>
+            <p:ph sz="quarter" idx="12"/>
+          </p:nvPr>
+        </p:nvSpPr>
+        <p:spPr/>
+        <p:txBody>
+          <a:bodyPr/>
+          <a:lstStyle/>
+          <a:p>
+            <a:endParaRPr lang="en-GB"/>
+          </a:p>
+        </p:txBody>
+      </p:sp>
+    </p:spTree>
+    <p:extLst>
+      <p:ext uri="{BB962C8B-B14F-4D97-AF65-F5344CB8AC3E}">
+        <p14:creationId xmlns:p14="http://schemas.microsoft.com/office/powerpoint/2010/main" val="2117365643"/>
       </p:ext>
     </p:extLst>
   </p:cSld>
@@ -12278,13 +20854,13 @@
   <p:clrMapOvr>
     <a:masterClrMapping/>
   </p:clrMapOvr>
-  <mc:AlternateContent xmlns:mc="http://schemas.openxmlformats.org/markup-compatibility/2006">
-    <mc:Choice xmlns:p159="http://schemas.microsoft.com/office/powerpoint/2015/09/main" Requires="p159">
+  <mc:AlternateContent xmlns:mc="http://schemas.openxmlformats.org/markup-compatibility/2006" xmlns:p159="http://schemas.microsoft.com/office/powerpoint/2015/09/main">
+    <mc:Choice Requires="p159">
       <p:transition xmlns:p14="http://schemas.microsoft.com/office/powerpoint/2010/main" spd="slow" p14:dur="2000">
         <p159:morph option="byChar"/>
       </p:transition>
     </mc:Choice>
-    <mc:Fallback>
+    <mc:Fallback xmlns="">
       <p:transition spd="slow">
         <p:fade/>
       </p:transition>
